--- a/Reproducibility Project Progress Check 1.pptx
+++ b/Reproducibility Project Progress Check 1.pptx
@@ -5,15 +5,16 @@
     <p:sldMasterId id="2147483690" r:id="rId1"/>
   </p:sldMasterIdLst>
   <p:notesMasterIdLst>
-    <p:notesMasterId r:id="rId8"/>
+    <p:notesMasterId r:id="rId9"/>
   </p:notesMasterIdLst>
   <p:sldIdLst>
     <p:sldId id="256" r:id="rId2"/>
-    <p:sldId id="257" r:id="rId3"/>
+    <p:sldId id="262" r:id="rId3"/>
     <p:sldId id="261" r:id="rId4"/>
-    <p:sldId id="258" r:id="rId5"/>
+    <p:sldId id="257" r:id="rId5"/>
     <p:sldId id="259" r:id="rId6"/>
-    <p:sldId id="260" r:id="rId7"/>
+    <p:sldId id="258" r:id="rId7"/>
+    <p:sldId id="260" r:id="rId8"/>
   </p:sldIdLst>
   <p:sldSz cx="12192000" cy="6858000"/>
   <p:notesSz cx="6858000" cy="9144000"/>
@@ -214,7 +215,7 @@
           <a:p>
             <a:fld id="{E1C7ECE1-2FFD-1144-A8A1-630D8DEC1FAC}" type="datetimeFigureOut">
               <a:rPr lang="en-US" smtClean="0"/>
-              <a:t>10/31/22</a:t>
+              <a:t>11/4/22</a:t>
             </a:fld>
             <a:endParaRPr lang="en-US"/>
           </a:p>
@@ -525,6 +526,16 @@
           <a:bodyPr/>
           <a:lstStyle/>
           <a:p>
+            <a:r>
+              <a:rPr lang="en-US" b="0" i="0" dirty="0">
+                <a:solidFill>
+                  <a:srgbClr val="333333"/>
+                </a:solidFill>
+                <a:effectLst/>
+                <a:latin typeface="Georgia" panose="02040502050405020303" pitchFamily="18" charset="0"/>
+              </a:rPr>
+              <a:t>Horizontal and vertical eye movement electrodes are placed near the eyes to remove artefacts.  In the original paper, it says eyes closed, but in Williams et al, 2011, it says eyes open. </a:t>
+            </a:r>
             <a:endParaRPr lang="en-US" dirty="0"/>
           </a:p>
         </p:txBody>
@@ -546,7 +557,7 @@
           <a:p>
             <a:fld id="{C145F122-BC4C-9C40-944E-0E61D2DD1EDD}" type="slidenum">
               <a:rPr lang="en-US" smtClean="0"/>
-              <a:t>2</a:t>
+              <a:t>3</a:t>
             </a:fld>
             <a:endParaRPr lang="en-US"/>
           </a:p>
@@ -555,7 +566,7 @@
     </p:spTree>
     <p:extLst>
       <p:ext uri="{BB962C8B-B14F-4D97-AF65-F5344CB8AC3E}">
-        <p14:creationId xmlns:p14="http://schemas.microsoft.com/office/powerpoint/2010/main" val="215665163"/>
+        <p14:creationId xmlns:p14="http://schemas.microsoft.com/office/powerpoint/2010/main" val="785028053"/>
       </p:ext>
     </p:extLst>
   </p:cSld>
@@ -609,16 +620,6 @@
           <a:bodyPr/>
           <a:lstStyle/>
           <a:p>
-            <a:r>
-              <a:rPr lang="en-US" b="0" i="0" dirty="0">
-                <a:solidFill>
-                  <a:srgbClr val="333333"/>
-                </a:solidFill>
-                <a:effectLst/>
-                <a:latin typeface="Georgia" panose="02040502050405020303" pitchFamily="18" charset="0"/>
-              </a:rPr>
-              <a:t>Horizontal and vertical eye movement electrodes are placed near the eyes to remove artefacts.  In the original paper, it says eyes closed, but in Williams et al, 2011, it says eyes open. </a:t>
-            </a:r>
             <a:endParaRPr lang="en-US" dirty="0"/>
           </a:p>
         </p:txBody>
@@ -640,7 +641,7 @@
           <a:p>
             <a:fld id="{C145F122-BC4C-9C40-944E-0E61D2DD1EDD}" type="slidenum">
               <a:rPr lang="en-US" smtClean="0"/>
-              <a:t>3</a:t>
+              <a:t>4</a:t>
             </a:fld>
             <a:endParaRPr lang="en-US"/>
           </a:p>
@@ -649,7 +650,7 @@
     </p:spTree>
     <p:extLst>
       <p:ext uri="{BB962C8B-B14F-4D97-AF65-F5344CB8AC3E}">
-        <p14:creationId xmlns:p14="http://schemas.microsoft.com/office/powerpoint/2010/main" val="785028053"/>
+        <p14:creationId xmlns:p14="http://schemas.microsoft.com/office/powerpoint/2010/main" val="215665163"/>
       </p:ext>
     </p:extLst>
   </p:cSld>
@@ -860,7 +861,7 @@
             <a:fld id="{B61BEF0D-F0BB-DE4B-95CE-6DB70DBA9567}" type="datetimeFigureOut">
               <a:rPr lang="en-US" dirty="0"/>
               <a:pPr/>
-              <a:t>10/31/22</a:t>
+              <a:t>11/4/22</a:t>
             </a:fld>
             <a:endParaRPr lang="en-US" dirty="0"/>
           </a:p>
@@ -1148,7 +1149,7 @@
             <a:fld id="{B61BEF0D-F0BB-DE4B-95CE-6DB70DBA9567}" type="datetimeFigureOut">
               <a:rPr lang="en-US" dirty="0"/>
               <a:pPr/>
-              <a:t>10/31/22</a:t>
+              <a:t>11/4/22</a:t>
             </a:fld>
             <a:endParaRPr lang="en-US" dirty="0"/>
           </a:p>
@@ -1397,7 +1398,7 @@
             <a:fld id="{B61BEF0D-F0BB-DE4B-95CE-6DB70DBA9567}" type="datetimeFigureOut">
               <a:rPr lang="en-US" dirty="0"/>
               <a:pPr/>
-              <a:t>10/31/22</a:t>
+              <a:t>11/4/22</a:t>
             </a:fld>
             <a:endParaRPr lang="en-US" dirty="0"/>
           </a:p>
@@ -1934,7 +1935,7 @@
             <a:fld id="{B61BEF0D-F0BB-DE4B-95CE-6DB70DBA9567}" type="datetimeFigureOut">
               <a:rPr lang="en-US" dirty="0"/>
               <a:pPr/>
-              <a:t>10/31/22</a:t>
+              <a:t>11/4/22</a:t>
             </a:fld>
             <a:endParaRPr lang="en-US" dirty="0"/>
           </a:p>
@@ -2183,7 +2184,7 @@
             <a:fld id="{B61BEF0D-F0BB-DE4B-95CE-6DB70DBA9567}" type="datetimeFigureOut">
               <a:rPr lang="en-US" dirty="0"/>
               <a:pPr/>
-              <a:t>10/31/22</a:t>
+              <a:t>11/4/22</a:t>
             </a:fld>
             <a:endParaRPr lang="en-US" dirty="0"/>
           </a:p>
@@ -2727,7 +2728,7 @@
             <a:fld id="{B61BEF0D-F0BB-DE4B-95CE-6DB70DBA9567}" type="datetimeFigureOut">
               <a:rPr lang="en-US" dirty="0"/>
               <a:pPr/>
-              <a:t>10/31/22</a:t>
+              <a:t>11/4/22</a:t>
             </a:fld>
             <a:endParaRPr lang="en-US" dirty="0"/>
           </a:p>
@@ -3038,7 +3039,7 @@
             <a:fld id="{B61BEF0D-F0BB-DE4B-95CE-6DB70DBA9567}" type="datetimeFigureOut">
               <a:rPr lang="en-US" dirty="0"/>
               <a:pPr/>
-              <a:t>10/31/22</a:t>
+              <a:t>11/4/22</a:t>
             </a:fld>
             <a:endParaRPr lang="en-US" dirty="0"/>
           </a:p>
@@ -3213,7 +3214,7 @@
             <a:fld id="{B61BEF0D-F0BB-DE4B-95CE-6DB70DBA9567}" type="datetimeFigureOut">
               <a:rPr lang="en-US" dirty="0"/>
               <a:pPr/>
-              <a:t>10/31/22</a:t>
+              <a:t>11/4/22</a:t>
             </a:fld>
             <a:endParaRPr lang="en-US" dirty="0"/>
           </a:p>
@@ -3393,7 +3394,7 @@
             <a:fld id="{B61BEF0D-F0BB-DE4B-95CE-6DB70DBA9567}" type="datetimeFigureOut">
               <a:rPr lang="en-US" dirty="0"/>
               <a:pPr/>
-              <a:t>10/31/22</a:t>
+              <a:t>11/4/22</a:t>
             </a:fld>
             <a:endParaRPr lang="en-US" dirty="0"/>
           </a:p>
@@ -3563,7 +3564,7 @@
             <a:fld id="{B61BEF0D-F0BB-DE4B-95CE-6DB70DBA9567}" type="datetimeFigureOut">
               <a:rPr lang="en-US" dirty="0"/>
               <a:pPr/>
-              <a:t>10/31/22</a:t>
+              <a:t>11/4/22</a:t>
             </a:fld>
             <a:endParaRPr lang="en-US" dirty="0"/>
           </a:p>
@@ -3810,7 +3811,7 @@
             <a:fld id="{B61BEF0D-F0BB-DE4B-95CE-6DB70DBA9567}" type="datetimeFigureOut">
               <a:rPr lang="en-US" dirty="0"/>
               <a:pPr/>
-              <a:t>10/31/22</a:t>
+              <a:t>11/4/22</a:t>
             </a:fld>
             <a:endParaRPr lang="en-US" dirty="0"/>
           </a:p>
@@ -4101,7 +4102,7 @@
             <a:fld id="{B61BEF0D-F0BB-DE4B-95CE-6DB70DBA9567}" type="datetimeFigureOut">
               <a:rPr lang="en-US" dirty="0"/>
               <a:pPr/>
-              <a:t>10/31/22</a:t>
+              <a:t>11/4/22</a:t>
             </a:fld>
             <a:endParaRPr lang="en-US" dirty="0"/>
           </a:p>
@@ -4530,7 +4531,7 @@
             <a:fld id="{B61BEF0D-F0BB-DE4B-95CE-6DB70DBA9567}" type="datetimeFigureOut">
               <a:rPr lang="en-US" dirty="0"/>
               <a:pPr/>
-              <a:t>10/31/22</a:t>
+              <a:t>11/4/22</a:t>
             </a:fld>
             <a:endParaRPr lang="en-US" dirty="0"/>
           </a:p>
@@ -4654,7 +4655,7 @@
             <a:fld id="{B61BEF0D-F0BB-DE4B-95CE-6DB70DBA9567}" type="datetimeFigureOut">
               <a:rPr lang="en-US" dirty="0"/>
               <a:pPr/>
-              <a:t>10/31/22</a:t>
+              <a:t>11/4/22</a:t>
             </a:fld>
             <a:endParaRPr lang="en-US" dirty="0"/>
           </a:p>
@@ -4751,7 +4752,7 @@
             <a:fld id="{B61BEF0D-F0BB-DE4B-95CE-6DB70DBA9567}" type="datetimeFigureOut">
               <a:rPr lang="en-US" dirty="0"/>
               <a:pPr/>
-              <a:t>10/31/22</a:t>
+              <a:t>11/4/22</a:t>
             </a:fld>
             <a:endParaRPr lang="en-US" dirty="0"/>
           </a:p>
@@ -5034,7 +5035,7 @@
             <a:fld id="{B61BEF0D-F0BB-DE4B-95CE-6DB70DBA9567}" type="datetimeFigureOut">
               <a:rPr lang="en-US" dirty="0"/>
               <a:pPr/>
-              <a:t>10/31/22</a:t>
+              <a:t>11/4/22</a:t>
             </a:fld>
             <a:endParaRPr lang="en-US" dirty="0"/>
           </a:p>
@@ -5322,7 +5323,7 @@
             <a:fld id="{B61BEF0D-F0BB-DE4B-95CE-6DB70DBA9567}" type="datetimeFigureOut">
               <a:rPr lang="en-US" dirty="0"/>
               <a:pPr/>
-              <a:t>10/31/22</a:t>
+              <a:t>11/4/22</a:t>
             </a:fld>
             <a:endParaRPr lang="en-US" dirty="0"/>
           </a:p>
@@ -5581,7 +5582,7 @@
             <a:fld id="{B61BEF0D-F0BB-DE4B-95CE-6DB70DBA9567}" type="datetimeFigureOut">
               <a:rPr lang="en-US" dirty="0"/>
               <a:pPr/>
-              <a:t>10/31/22</a:t>
+              <a:t>11/4/22</a:t>
             </a:fld>
             <a:endParaRPr lang="en-US" dirty="0"/>
           </a:p>
@@ -6300,7 +6301,7 @@
             </a:r>
             <a:r>
               <a:rPr lang="en-US" sz="2000" dirty="0"/>
-              <a:t>Project Progress Check 1</a:t>
+              <a:t>Project </a:t>
             </a:r>
             <a:br>
               <a:rPr lang="en-US" sz="1200" dirty="0"/>
@@ -6319,7 +6320,19 @@
               <a:rPr lang="en-US" sz="2800" dirty="0">
                 <a:cs typeface="Calibri Light"/>
               </a:rPr>
-              <a:t>Arnes et al (2015): </a:t>
+              <a:t>Arnes </a:t>
+            </a:r>
+            <a:r>
+              <a:rPr lang="en-US" sz="2800" i="1" dirty="0">
+                <a:cs typeface="Calibri Light"/>
+              </a:rPr>
+              <a:t>et al </a:t>
+            </a:r>
+            <a:r>
+              <a:rPr lang="en-US" sz="2800" dirty="0">
+                <a:cs typeface="Calibri Light"/>
+              </a:rPr>
+              <a:t>(2015): </a:t>
             </a:r>
             <a:r>
               <a:rPr lang="en-US" sz="2800" dirty="0">
@@ -6602,6 +6615,14 @@
   <p:clrMapOvr>
     <a:masterClrMapping/>
   </p:clrMapOvr>
+  <mc:AlternateContent xmlns:mc="http://schemas.openxmlformats.org/markup-compatibility/2006" xmlns:p14="http://schemas.microsoft.com/office/powerpoint/2010/main">
+    <mc:Choice Requires="p14">
+      <p:transition spd="slow" p14:dur="2000" advTm="46655"/>
+    </mc:Choice>
+    <mc:Fallback xmlns="">
+      <p:transition spd="slow" advTm="46655"/>
+    </mc:Fallback>
+  </mc:AlternateContent>
   <p:timing>
     <p:tnLst>
       <p:par>
@@ -6700,6 +6721,907 @@
 <file path=ppt/slides/slide2.xml><?xml version="1.0" encoding="utf-8"?>
 <p:sld xmlns:a="http://schemas.openxmlformats.org/drawingml/2006/main" xmlns:r="http://schemas.openxmlformats.org/officeDocument/2006/relationships" xmlns:p="http://schemas.openxmlformats.org/presentationml/2006/main">
   <p:cSld>
+    <p:spTree>
+      <p:nvGrpSpPr>
+        <p:cNvPr id="1" name=""/>
+        <p:cNvGrpSpPr/>
+        <p:nvPr/>
+      </p:nvGrpSpPr>
+      <p:grpSpPr>
+        <a:xfrm>
+          <a:off x="0" y="0"/>
+          <a:ext cx="0" cy="0"/>
+          <a:chOff x="0" y="0"/>
+          <a:chExt cx="0" cy="0"/>
+        </a:xfrm>
+      </p:grpSpPr>
+      <p:pic>
+        <p:nvPicPr>
+          <p:cNvPr id="5" name="Picture 3" descr="Grunge Background Free Stock Photo - Public Domain Pictures">
+            <a:extLst>
+              <a:ext uri="{FF2B5EF4-FFF2-40B4-BE49-F238E27FC236}">
+                <a16:creationId xmlns:a16="http://schemas.microsoft.com/office/drawing/2014/main" id="{6E139F43-CC74-DF73-A90A-FF630BE75083}"/>
+              </a:ext>
+            </a:extLst>
+          </p:cNvPr>
+          <p:cNvPicPr>
+            <a:picLocks noChangeAspect="1"/>
+          </p:cNvPicPr>
+          <p:nvPr/>
+        </p:nvPicPr>
+        <p:blipFill>
+          <a:blip r:embed="rId2"/>
+          <a:stretch>
+            <a:fillRect/>
+          </a:stretch>
+        </p:blipFill>
+        <p:spPr>
+          <a:xfrm>
+            <a:off x="-9667" y="13650"/>
+            <a:ext cx="12211334" cy="6844350"/>
+          </a:xfrm>
+          <a:prstGeom prst="rect">
+            <a:avLst/>
+          </a:prstGeom>
+        </p:spPr>
+      </p:pic>
+      <p:sp>
+        <p:nvSpPr>
+          <p:cNvPr id="4" name="TextBox 3">
+            <a:extLst>
+              <a:ext uri="{FF2B5EF4-FFF2-40B4-BE49-F238E27FC236}">
+                <a16:creationId xmlns:a16="http://schemas.microsoft.com/office/drawing/2014/main" id="{B8EC9E72-55D0-3DDF-098F-9D32606A7DBE}"/>
+              </a:ext>
+            </a:extLst>
+          </p:cNvPr>
+          <p:cNvSpPr txBox="1"/>
+          <p:nvPr/>
+        </p:nvSpPr>
+        <p:spPr>
+          <a:xfrm>
+            <a:off x="4981464" y="3997089"/>
+            <a:ext cx="6607570" cy="1569660"/>
+          </a:xfrm>
+          <a:prstGeom prst="rect">
+            <a:avLst/>
+          </a:prstGeom>
+          <a:noFill/>
+        </p:spPr>
+        <p:txBody>
+          <a:bodyPr wrap="square" rtlCol="0">
+            <a:spAutoFit/>
+          </a:bodyPr>
+          <a:lstStyle/>
+          <a:p>
+            <a:pPr marL="285750" indent="-285750">
+              <a:buFont typeface="Arial" panose="020B0604020202020204" pitchFamily="34" charset="0"/>
+              <a:buChar char="•"/>
+            </a:pPr>
+            <a:r>
+              <a:rPr lang="en-US" sz="1600" dirty="0">
+                <a:latin typeface="Times New Roman" panose="02020603050405020304" pitchFamily="18" charset="0"/>
+                <a:cs typeface="Times New Roman" panose="02020603050405020304" pitchFamily="18" charset="0"/>
+              </a:rPr>
+              <a:t>Possible future Implications of neuroscience informed precision psychiatry </a:t>
+            </a:r>
+          </a:p>
+          <a:p>
+            <a:pPr marL="742950" lvl="1" indent="-285750">
+              <a:buFont typeface="Arial" panose="020B0604020202020204" pitchFamily="34" charset="0"/>
+              <a:buChar char="•"/>
+            </a:pPr>
+            <a:r>
+              <a:rPr lang="en-US" sz="1600" u="sng" dirty="0">
+                <a:latin typeface="Times New Roman" panose="02020603050405020304" pitchFamily="18" charset="0"/>
+                <a:cs typeface="Times New Roman" panose="02020603050405020304" pitchFamily="18" charset="0"/>
+              </a:rPr>
+              <a:t>Limit the trial-and-error process in psychiatry. </a:t>
+            </a:r>
+            <a:r>
+              <a:rPr lang="en-US" sz="1600" dirty="0">
+                <a:latin typeface="Times New Roman" panose="02020603050405020304" pitchFamily="18" charset="0"/>
+                <a:cs typeface="Times New Roman" panose="02020603050405020304" pitchFamily="18" charset="0"/>
+              </a:rPr>
+              <a:t>Maybe.</a:t>
+            </a:r>
+          </a:p>
+          <a:p>
+            <a:pPr marL="1200150" lvl="2" indent="-285750">
+              <a:buFont typeface="Arial" panose="020B0604020202020204" pitchFamily="34" charset="0"/>
+              <a:buChar char="•"/>
+            </a:pPr>
+            <a:r>
+              <a:rPr lang="en-US" sz="1600" b="1" dirty="0">
+                <a:latin typeface="Times New Roman" panose="02020603050405020304" pitchFamily="18" charset="0"/>
+                <a:cs typeface="Times New Roman" panose="02020603050405020304" pitchFamily="18" charset="0"/>
+              </a:rPr>
+              <a:t>Get patients the right treatment right away. </a:t>
+            </a:r>
+          </a:p>
+          <a:p>
+            <a:pPr lvl="1"/>
+            <a:endParaRPr lang="en-US" sz="1600" dirty="0">
+              <a:latin typeface="Times New Roman" panose="02020603050405020304" pitchFamily="18" charset="0"/>
+              <a:cs typeface="Times New Roman" panose="02020603050405020304" pitchFamily="18" charset="0"/>
+            </a:endParaRPr>
+          </a:p>
+          <a:p>
+            <a:pPr marL="742950" lvl="1" indent="-285750">
+              <a:buFont typeface="Arial" panose="020B0604020202020204" pitchFamily="34" charset="0"/>
+              <a:buChar char="•"/>
+            </a:pPr>
+            <a:r>
+              <a:rPr lang="en-US" sz="1600" dirty="0">
+                <a:latin typeface="Times New Roman" panose="02020603050405020304" pitchFamily="18" charset="0"/>
+                <a:cs typeface="Times New Roman" panose="02020603050405020304" pitchFamily="18" charset="0"/>
+              </a:rPr>
+              <a:t>Precision medicine is already being developed with similar imaging modalities, such as ECG in cardiology (Lyon </a:t>
+            </a:r>
+            <a:r>
+              <a:rPr lang="en-US" sz="1600" i="1" dirty="0">
+                <a:latin typeface="Times New Roman" panose="02020603050405020304" pitchFamily="18" charset="0"/>
+                <a:cs typeface="Times New Roman" panose="02020603050405020304" pitchFamily="18" charset="0"/>
+              </a:rPr>
+              <a:t>et al</a:t>
+            </a:r>
+            <a:r>
+              <a:rPr lang="en-US" sz="1600" dirty="0">
+                <a:latin typeface="Times New Roman" panose="02020603050405020304" pitchFamily="18" charset="0"/>
+                <a:cs typeface="Times New Roman" panose="02020603050405020304" pitchFamily="18" charset="0"/>
+              </a:rPr>
+              <a:t>., 2018). </a:t>
+            </a:r>
+          </a:p>
+        </p:txBody>
+      </p:sp>
+      <p:pic>
+        <p:nvPicPr>
+          <p:cNvPr id="1030" name="Picture 6" descr="Woman Wearing Brainwave Scanning Headset Sits in a Chair while Two Scientists Supervise and Look at Data. In the Modern Brain Study Laboratory Monitors Show EEG Reading and Brain Model.">
+            <a:extLst>
+              <a:ext uri="{FF2B5EF4-FFF2-40B4-BE49-F238E27FC236}">
+                <a16:creationId xmlns:a16="http://schemas.microsoft.com/office/drawing/2014/main" id="{F7F250D7-E9E9-98F6-C5AF-57F8891388E0}"/>
+              </a:ext>
+            </a:extLst>
+          </p:cNvPr>
+          <p:cNvPicPr>
+            <a:picLocks noChangeAspect="1" noChangeArrowheads="1"/>
+          </p:cNvPicPr>
+          <p:nvPr/>
+        </p:nvPicPr>
+        <p:blipFill>
+          <a:blip r:embed="rId3">
+            <a:extLst>
+              <a:ext uri="{28A0092B-C50C-407E-A947-70E740481C1C}">
+                <a14:useLocalDpi xmlns:a14="http://schemas.microsoft.com/office/drawing/2010/main" val="0"/>
+              </a:ext>
+            </a:extLst>
+          </a:blip>
+          <a:srcRect/>
+          <a:stretch>
+            <a:fillRect/>
+          </a:stretch>
+        </p:blipFill>
+        <p:spPr bwMode="auto">
+          <a:xfrm>
+            <a:off x="219603" y="749837"/>
+            <a:ext cx="4761861" cy="5661849"/>
+          </a:xfrm>
+          <a:prstGeom prst="rect">
+            <a:avLst/>
+          </a:prstGeom>
+          <a:noFill/>
+          <a:extLst>
+            <a:ext uri="{909E8E84-426E-40DD-AFC4-6F175D3DCCD1}">
+              <a14:hiddenFill xmlns:a14="http://schemas.microsoft.com/office/drawing/2010/main">
+                <a:solidFill>
+                  <a:srgbClr val="FFFFFF"/>
+                </a:solidFill>
+              </a14:hiddenFill>
+            </a:ext>
+          </a:extLst>
+        </p:spPr>
+      </p:pic>
+      <p:sp>
+        <p:nvSpPr>
+          <p:cNvPr id="6" name="TextBox 5">
+            <a:extLst>
+              <a:ext uri="{FF2B5EF4-FFF2-40B4-BE49-F238E27FC236}">
+                <a16:creationId xmlns:a16="http://schemas.microsoft.com/office/drawing/2014/main" id="{0A48583C-34B9-7BC0-9C18-A307FDF8CC67}"/>
+              </a:ext>
+            </a:extLst>
+          </p:cNvPr>
+          <p:cNvSpPr txBox="1"/>
+          <p:nvPr/>
+        </p:nvSpPr>
+        <p:spPr>
+          <a:xfrm>
+            <a:off x="3584228" y="226617"/>
+            <a:ext cx="5023544" cy="523220"/>
+          </a:xfrm>
+          <a:prstGeom prst="rect">
+            <a:avLst/>
+          </a:prstGeom>
+          <a:noFill/>
+        </p:spPr>
+        <p:txBody>
+          <a:bodyPr wrap="square" rtlCol="0">
+            <a:spAutoFit/>
+          </a:bodyPr>
+          <a:lstStyle/>
+          <a:p>
+            <a:r>
+              <a:rPr lang="en-US" sz="2800" dirty="0">
+                <a:latin typeface="+mj-lt"/>
+              </a:rPr>
+              <a:t>Why Should We Care</a:t>
+            </a:r>
+          </a:p>
+        </p:txBody>
+      </p:sp>
+      <p:sp>
+        <p:nvSpPr>
+          <p:cNvPr id="7" name="TextBox 6">
+            <a:extLst>
+              <a:ext uri="{FF2B5EF4-FFF2-40B4-BE49-F238E27FC236}">
+                <a16:creationId xmlns:a16="http://schemas.microsoft.com/office/drawing/2014/main" id="{CEBA98DD-327B-63D2-21B6-810194414238}"/>
+              </a:ext>
+            </a:extLst>
+          </p:cNvPr>
+          <p:cNvSpPr txBox="1"/>
+          <p:nvPr/>
+        </p:nvSpPr>
+        <p:spPr>
+          <a:xfrm>
+            <a:off x="4981464" y="808959"/>
+            <a:ext cx="6805541" cy="2308324"/>
+          </a:xfrm>
+          <a:prstGeom prst="rect">
+            <a:avLst/>
+          </a:prstGeom>
+          <a:noFill/>
+        </p:spPr>
+        <p:txBody>
+          <a:bodyPr wrap="square" rtlCol="0">
+            <a:spAutoFit/>
+          </a:bodyPr>
+          <a:lstStyle/>
+          <a:p>
+            <a:pPr marL="285750" indent="-285750">
+              <a:buFont typeface="Arial" panose="020B0604020202020204" pitchFamily="34" charset="0"/>
+              <a:buChar char="•"/>
+            </a:pPr>
+            <a:r>
+              <a:rPr lang="en-US" sz="1600" b="0" i="0" dirty="0">
+                <a:effectLst/>
+                <a:latin typeface="Times New Roman" panose="02020603050405020304" pitchFamily="18" charset="0"/>
+                <a:cs typeface="Times New Roman" panose="02020603050405020304" pitchFamily="18" charset="0"/>
+              </a:rPr>
+              <a:t>Problem</a:t>
+            </a:r>
+          </a:p>
+          <a:p>
+            <a:pPr marL="742950" lvl="1" indent="-285750">
+              <a:buFont typeface="Arial" panose="020B0604020202020204" pitchFamily="34" charset="0"/>
+              <a:buChar char="•"/>
+            </a:pPr>
+            <a:r>
+              <a:rPr lang="en-US" sz="1600" dirty="0">
+                <a:latin typeface="Times New Roman" panose="02020603050405020304" pitchFamily="18" charset="0"/>
+                <a:cs typeface="Times New Roman" panose="02020603050405020304" pitchFamily="18" charset="0"/>
+              </a:rPr>
+              <a:t>Depression is a leading cause of disability worldwide and is a significant contributor to the overall global burden of disease. Approximately 280 million people worldwide have depression (World Health Organization, 2022). </a:t>
+            </a:r>
+          </a:p>
+          <a:p>
+            <a:pPr marL="742950" lvl="1" indent="-285750">
+              <a:buFont typeface="Arial" panose="020B0604020202020204" pitchFamily="34" charset="0"/>
+              <a:buChar char="•"/>
+            </a:pPr>
+            <a:endParaRPr lang="en-US" sz="1600" b="0" i="0" dirty="0">
+              <a:effectLst/>
+              <a:latin typeface="Times New Roman" panose="02020603050405020304" pitchFamily="18" charset="0"/>
+              <a:cs typeface="Times New Roman" panose="02020603050405020304" pitchFamily="18" charset="0"/>
+            </a:endParaRPr>
+          </a:p>
+          <a:p>
+            <a:pPr marL="742950" lvl="1" indent="-285750">
+              <a:buFont typeface="Arial" panose="020B0604020202020204" pitchFamily="34" charset="0"/>
+              <a:buChar char="•"/>
+            </a:pPr>
+            <a:r>
+              <a:rPr lang="en-US" sz="1600" b="0" i="0" dirty="0">
+                <a:effectLst/>
+                <a:latin typeface="Times New Roman" panose="02020603050405020304" pitchFamily="18" charset="0"/>
+                <a:cs typeface="Times New Roman" panose="02020603050405020304" pitchFamily="18" charset="0"/>
+              </a:rPr>
+              <a:t>Depression </a:t>
+            </a:r>
+            <a:r>
+              <a:rPr lang="en-US" sz="1600" dirty="0">
+                <a:latin typeface="Times New Roman" panose="02020603050405020304" pitchFamily="18" charset="0"/>
+                <a:cs typeface="Times New Roman" panose="02020603050405020304" pitchFamily="18" charset="0"/>
+              </a:rPr>
+              <a:t>disrupts</a:t>
+            </a:r>
+            <a:r>
+              <a:rPr lang="en-US" sz="1600" b="0" i="0" dirty="0">
+                <a:effectLst/>
+                <a:latin typeface="Times New Roman" panose="02020603050405020304" pitchFamily="18" charset="0"/>
+                <a:cs typeface="Times New Roman" panose="02020603050405020304" pitchFamily="18" charset="0"/>
+              </a:rPr>
+              <a:t> daily function, and its effects can be long-lasting, yet there are no established physiological indicators that can be used to predict treatment outcomes (Chestnut </a:t>
+            </a:r>
+            <a:r>
+              <a:rPr lang="en-US" sz="1600" b="0" i="1" dirty="0">
+                <a:effectLst/>
+                <a:latin typeface="Times New Roman" panose="02020603050405020304" pitchFamily="18" charset="0"/>
+                <a:cs typeface="Times New Roman" panose="02020603050405020304" pitchFamily="18" charset="0"/>
+              </a:rPr>
+              <a:t>et al., 2021).</a:t>
+            </a:r>
+            <a:endParaRPr lang="en-US" sz="1600" dirty="0">
+              <a:latin typeface="Times New Roman" panose="02020603050405020304" pitchFamily="18" charset="0"/>
+              <a:cs typeface="Times New Roman" panose="02020603050405020304" pitchFamily="18" charset="0"/>
+            </a:endParaRPr>
+          </a:p>
+        </p:txBody>
+      </p:sp>
+    </p:spTree>
+    <p:extLst>
+      <p:ext uri="{BB962C8B-B14F-4D97-AF65-F5344CB8AC3E}">
+        <p14:creationId xmlns:p14="http://schemas.microsoft.com/office/powerpoint/2010/main" val="1239933146"/>
+      </p:ext>
+    </p:extLst>
+  </p:cSld>
+  <p:clrMapOvr>
+    <a:masterClrMapping/>
+  </p:clrMapOvr>
+  <mc:AlternateContent xmlns:mc="http://schemas.openxmlformats.org/markup-compatibility/2006" xmlns:p14="http://schemas.microsoft.com/office/powerpoint/2010/main">
+    <mc:Choice Requires="p14">
+      <p:transition spd="slow" p14:dur="2000" advTm="36027"/>
+    </mc:Choice>
+    <mc:Fallback xmlns="">
+      <p:transition spd="slow" advTm="36027"/>
+    </mc:Fallback>
+  </mc:AlternateContent>
+</p:sld>
+</file>
+
+<file path=ppt/slides/slide3.xml><?xml version="1.0" encoding="utf-8"?>
+<p:sld xmlns:a="http://schemas.openxmlformats.org/drawingml/2006/main" xmlns:r="http://schemas.openxmlformats.org/officeDocument/2006/relationships" xmlns:p="http://schemas.openxmlformats.org/presentationml/2006/main">
+  <p:cSld>
+    <p:spTree>
+      <p:nvGrpSpPr>
+        <p:cNvPr id="1" name=""/>
+        <p:cNvGrpSpPr/>
+        <p:nvPr/>
+      </p:nvGrpSpPr>
+      <p:grpSpPr>
+        <a:xfrm>
+          <a:off x="0" y="0"/>
+          <a:ext cx="0" cy="0"/>
+          <a:chOff x="0" y="0"/>
+          <a:chExt cx="0" cy="0"/>
+        </a:xfrm>
+      </p:grpSpPr>
+      <p:pic>
+        <p:nvPicPr>
+          <p:cNvPr id="7" name="Picture 3" descr="Grunge Background Free Stock Photo - Public Domain Pictures">
+            <a:extLst>
+              <a:ext uri="{FF2B5EF4-FFF2-40B4-BE49-F238E27FC236}">
+                <a16:creationId xmlns:a16="http://schemas.microsoft.com/office/drawing/2014/main" id="{F7CD85B8-094D-1D64-E63C-AB624435E8A0}"/>
+              </a:ext>
+            </a:extLst>
+          </p:cNvPr>
+          <p:cNvPicPr>
+            <a:picLocks noChangeAspect="1"/>
+          </p:cNvPicPr>
+          <p:nvPr/>
+        </p:nvPicPr>
+        <p:blipFill>
+          <a:blip r:embed="rId3"/>
+          <a:stretch>
+            <a:fillRect/>
+          </a:stretch>
+        </p:blipFill>
+        <p:spPr>
+          <a:xfrm>
+            <a:off x="0" y="0"/>
+            <a:ext cx="12211334" cy="6844350"/>
+          </a:xfrm>
+          <a:prstGeom prst="rect">
+            <a:avLst/>
+          </a:prstGeom>
+        </p:spPr>
+      </p:pic>
+      <p:sp>
+        <p:nvSpPr>
+          <p:cNvPr id="2" name="Title 1">
+            <a:extLst>
+              <a:ext uri="{FF2B5EF4-FFF2-40B4-BE49-F238E27FC236}">
+                <a16:creationId xmlns:a16="http://schemas.microsoft.com/office/drawing/2014/main" id="{019BC587-43F7-2D23-8ABC-7BE1EE8DDF51}"/>
+              </a:ext>
+            </a:extLst>
+          </p:cNvPr>
+          <p:cNvSpPr>
+            <a:spLocks noGrp="1"/>
+          </p:cNvSpPr>
+          <p:nvPr>
+            <p:ph type="title"/>
+          </p:nvPr>
+        </p:nvSpPr>
+        <p:spPr>
+          <a:xfrm>
+            <a:off x="5095576" y="156519"/>
+            <a:ext cx="3059884" cy="687859"/>
+          </a:xfrm>
+        </p:spPr>
+        <p:txBody>
+          <a:bodyPr>
+            <a:normAutofit fontScale="90000"/>
+          </a:bodyPr>
+          <a:lstStyle/>
+          <a:p>
+            <a:r>
+              <a:rPr lang="en-US" sz="3100" dirty="0">
+                <a:solidFill>
+                  <a:schemeClr val="tx1"/>
+                </a:solidFill>
+              </a:rPr>
+              <a:t>Methods</a:t>
+            </a:r>
+            <a:br>
+              <a:rPr lang="en-US" sz="3200" dirty="0"/>
+            </a:br>
+            <a:endParaRPr lang="en-US" dirty="0"/>
+          </a:p>
+        </p:txBody>
+      </p:sp>
+      <p:sp>
+        <p:nvSpPr>
+          <p:cNvPr id="4" name="Content Placeholder 3">
+            <a:extLst>
+              <a:ext uri="{FF2B5EF4-FFF2-40B4-BE49-F238E27FC236}">
+                <a16:creationId xmlns:a16="http://schemas.microsoft.com/office/drawing/2014/main" id="{97857A12-CE21-6D55-DE80-5A594AFDF1CC}"/>
+              </a:ext>
+            </a:extLst>
+          </p:cNvPr>
+          <p:cNvSpPr txBox="1">
+            <a:spLocks noGrp="1"/>
+          </p:cNvSpPr>
+          <p:nvPr>
+            <p:ph idx="1"/>
+          </p:nvPr>
+        </p:nvSpPr>
+        <p:spPr>
+          <a:xfrm>
+            <a:off x="4302688" y="497650"/>
+            <a:ext cx="7685748" cy="6783395"/>
+          </a:xfrm>
+          <a:prstGeom prst="rect">
+            <a:avLst/>
+          </a:prstGeom>
+          <a:noFill/>
+        </p:spPr>
+        <p:txBody>
+          <a:bodyPr rot="0" spcFirstLastPara="0" vertOverflow="overflow" horzOverflow="overflow" vert="horz" wrap="square" lIns="91440" tIns="45720" rIns="91440" bIns="45720" numCol="1" spcCol="0" rtlCol="0" fromWordArt="0" anchor="t" anchorCtr="0" forceAA="0" compatLnSpc="1">
+            <a:prstTxWarp prst="textNoShape">
+              <a:avLst/>
+            </a:prstTxWarp>
+            <a:spAutoFit/>
+          </a:bodyPr>
+          <a:lstStyle/>
+          <a:p>
+            <a:pPr marL="0" indent="0">
+              <a:buNone/>
+            </a:pPr>
+            <a:endParaRPr lang="en-US" sz="1600" dirty="0">
+              <a:latin typeface="Times New Roman" panose="02020603050405020304" pitchFamily="18" charset="0"/>
+              <a:ea typeface="+mn-lt"/>
+              <a:cs typeface="Times New Roman" panose="02020603050405020304" pitchFamily="18" charset="0"/>
+            </a:endParaRPr>
+          </a:p>
+          <a:p>
+            <a:pPr marL="285750" indent="-285750">
+              <a:buFont typeface="Arial"/>
+              <a:buChar char="•"/>
+            </a:pPr>
+            <a:r>
+              <a:rPr lang="en-US" sz="1600" dirty="0">
+                <a:latin typeface="Times New Roman" panose="02020603050405020304" pitchFamily="18" charset="0"/>
+                <a:ea typeface="+mn-lt"/>
+                <a:cs typeface="Times New Roman" panose="02020603050405020304" pitchFamily="18" charset="0"/>
+              </a:rPr>
+              <a:t>Resting-state eyes closed on a 26-channel gel EEG (</a:t>
+            </a:r>
+            <a:r>
+              <a:rPr lang="en-US" sz="1600" dirty="0" err="1">
+                <a:latin typeface="Times New Roman" panose="02020603050405020304" pitchFamily="18" charset="0"/>
+                <a:ea typeface="+mn-lt"/>
+                <a:cs typeface="Times New Roman" panose="02020603050405020304" pitchFamily="18" charset="0"/>
+              </a:rPr>
+              <a:t>Quikcap</a:t>
+            </a:r>
+            <a:r>
+              <a:rPr lang="en-US" sz="1600" dirty="0">
+                <a:latin typeface="Times New Roman" panose="02020603050405020304" pitchFamily="18" charset="0"/>
+                <a:ea typeface="+mn-lt"/>
+                <a:cs typeface="Times New Roman" panose="02020603050405020304" pitchFamily="18" charset="0"/>
+              </a:rPr>
+              <a:t>; </a:t>
+            </a:r>
+            <a:r>
+              <a:rPr lang="en-US" sz="1600" dirty="0" err="1">
+                <a:latin typeface="Times New Roman" panose="02020603050405020304" pitchFamily="18" charset="0"/>
+                <a:ea typeface="+mn-lt"/>
+                <a:cs typeface="Times New Roman" panose="02020603050405020304" pitchFamily="18" charset="0"/>
+              </a:rPr>
+              <a:t>NuAmps</a:t>
+            </a:r>
+            <a:r>
+              <a:rPr lang="en-US" sz="1600" dirty="0">
+                <a:latin typeface="Times New Roman" panose="02020603050405020304" pitchFamily="18" charset="0"/>
+                <a:ea typeface="+mn-lt"/>
+                <a:cs typeface="Times New Roman" panose="02020603050405020304" pitchFamily="18" charset="0"/>
+              </a:rPr>
+              <a:t>) and obtained Hamilton Rating Scale Scores for Depression (HRSD17) at </a:t>
+            </a:r>
+            <a:r>
+              <a:rPr lang="en-US" sz="1600" u="sng" dirty="0">
+                <a:latin typeface="Times New Roman" panose="02020603050405020304" pitchFamily="18" charset="0"/>
+                <a:ea typeface="+mn-lt"/>
+                <a:cs typeface="Times New Roman" panose="02020603050405020304" pitchFamily="18" charset="0"/>
+              </a:rPr>
+              <a:t>two-time points</a:t>
+            </a:r>
+            <a:r>
+              <a:rPr lang="en-US" sz="1600" dirty="0">
+                <a:latin typeface="Times New Roman" panose="02020603050405020304" pitchFamily="18" charset="0"/>
+                <a:ea typeface="+mn-lt"/>
+                <a:cs typeface="Times New Roman" panose="02020603050405020304" pitchFamily="18" charset="0"/>
+              </a:rPr>
+              <a:t> (baseline and week-8 visit).  The HRSD17 was obtained by trained clinicians who have passed inter-rater </a:t>
+            </a:r>
+            <a:r>
+              <a:rPr lang="en-US" sz="1600" u="sng" dirty="0">
+                <a:latin typeface="Times New Roman" panose="02020603050405020304" pitchFamily="18" charset="0"/>
+                <a:ea typeface="+mn-lt"/>
+                <a:cs typeface="Times New Roman" panose="02020603050405020304" pitchFamily="18" charset="0"/>
+              </a:rPr>
+              <a:t>reliability</a:t>
+            </a:r>
+            <a:r>
+              <a:rPr lang="en-US" sz="1600" dirty="0">
+                <a:latin typeface="Times New Roman" panose="02020603050405020304" pitchFamily="18" charset="0"/>
+                <a:ea typeface="+mn-lt"/>
+                <a:cs typeface="Times New Roman" panose="02020603050405020304" pitchFamily="18" charset="0"/>
+              </a:rPr>
+              <a:t> training (Williams </a:t>
+            </a:r>
+            <a:r>
+              <a:rPr lang="en-US" sz="1600" i="1" dirty="0">
+                <a:latin typeface="Times New Roman" panose="02020603050405020304" pitchFamily="18" charset="0"/>
+                <a:ea typeface="+mn-lt"/>
+                <a:cs typeface="Times New Roman" panose="02020603050405020304" pitchFamily="18" charset="0"/>
+              </a:rPr>
+              <a:t>et al</a:t>
+            </a:r>
+            <a:r>
+              <a:rPr lang="en-US" sz="1600" dirty="0">
+                <a:latin typeface="Times New Roman" panose="02020603050405020304" pitchFamily="18" charset="0"/>
+                <a:ea typeface="+mn-lt"/>
+                <a:cs typeface="Times New Roman" panose="02020603050405020304" pitchFamily="18" charset="0"/>
+              </a:rPr>
+              <a:t>., 2011). </a:t>
+            </a:r>
+          </a:p>
+          <a:p>
+            <a:pPr marL="285750" indent="-285750">
+              <a:buFont typeface="Arial"/>
+              <a:buChar char="•"/>
+            </a:pPr>
+            <a:endParaRPr lang="en-US" sz="1600" dirty="0">
+              <a:latin typeface="Times New Roman" panose="02020603050405020304" pitchFamily="18" charset="0"/>
+              <a:ea typeface="+mn-lt"/>
+              <a:cs typeface="Times New Roman" panose="02020603050405020304" pitchFamily="18" charset="0"/>
+            </a:endParaRPr>
+          </a:p>
+          <a:p>
+            <a:pPr marL="285750" indent="-285750">
+              <a:buFont typeface="Arial"/>
+              <a:buChar char="•"/>
+            </a:pPr>
+            <a:r>
+              <a:rPr lang="en-US" sz="1600" dirty="0">
+                <a:latin typeface="Times New Roman" panose="02020603050405020304" pitchFamily="18" charset="0"/>
+                <a:ea typeface="+mn-lt"/>
+                <a:cs typeface="Times New Roman" panose="02020603050405020304" pitchFamily="18" charset="0"/>
+              </a:rPr>
+              <a:t>Source localization of theta wave density with </a:t>
+            </a:r>
+            <a:r>
+              <a:rPr lang="en-US" sz="1600" dirty="0" err="1">
+                <a:latin typeface="Times New Roman" panose="02020603050405020304" pitchFamily="18" charset="0"/>
+                <a:ea typeface="+mn-lt"/>
+                <a:cs typeface="Times New Roman" panose="02020603050405020304" pitchFamily="18" charset="0"/>
+              </a:rPr>
+              <a:t>eLORETA</a:t>
+            </a:r>
+            <a:r>
+              <a:rPr lang="en-US" sz="1600" dirty="0">
+                <a:latin typeface="Times New Roman" panose="02020603050405020304" pitchFamily="18" charset="0"/>
+                <a:ea typeface="+mn-lt"/>
+                <a:cs typeface="Times New Roman" panose="02020603050405020304" pitchFamily="18" charset="0"/>
+              </a:rPr>
+              <a:t> software at the </a:t>
+            </a:r>
+            <a:r>
+              <a:rPr lang="en-US" sz="1600" dirty="0" err="1">
+                <a:latin typeface="Times New Roman" panose="02020603050405020304" pitchFamily="18" charset="0"/>
+                <a:ea typeface="+mn-lt"/>
+                <a:cs typeface="Times New Roman" panose="02020603050405020304" pitchFamily="18" charset="0"/>
+              </a:rPr>
+              <a:t>rACC</a:t>
+            </a:r>
+            <a:r>
+              <a:rPr lang="en-US" sz="1600" dirty="0">
+                <a:latin typeface="Times New Roman" panose="02020603050405020304" pitchFamily="18" charset="0"/>
+                <a:ea typeface="+mn-lt"/>
+                <a:cs typeface="Times New Roman" panose="02020603050405020304" pitchFamily="18" charset="0"/>
+              </a:rPr>
+              <a:t>. </a:t>
+            </a:r>
+            <a:r>
+              <a:rPr lang="en-US" sz="1600" dirty="0" err="1">
+                <a:latin typeface="Times New Roman" panose="02020603050405020304" pitchFamily="18" charset="0"/>
+                <a:ea typeface="+mn-lt"/>
+                <a:cs typeface="Times New Roman" panose="02020603050405020304" pitchFamily="18" charset="0"/>
+              </a:rPr>
+              <a:t>eLORETA</a:t>
+            </a:r>
+            <a:r>
+              <a:rPr lang="en-US" sz="1600" dirty="0">
+                <a:latin typeface="Times New Roman" panose="02020603050405020304" pitchFamily="18" charset="0"/>
+                <a:ea typeface="+mn-lt"/>
+                <a:cs typeface="Times New Roman" panose="02020603050405020304" pitchFamily="18" charset="0"/>
+              </a:rPr>
+              <a:t> was tested under multiple computer-controlled conditions and with human EEG recordings under diverse stimulations conditions to </a:t>
+            </a:r>
+            <a:r>
+              <a:rPr lang="en-US" sz="1600" u="sng" dirty="0">
+                <a:latin typeface="Times New Roman" panose="02020603050405020304" pitchFamily="18" charset="0"/>
+                <a:ea typeface="+mn-lt"/>
+                <a:cs typeface="Times New Roman" panose="02020603050405020304" pitchFamily="18" charset="0"/>
+              </a:rPr>
+              <a:t>validate</a:t>
+            </a:r>
+            <a:r>
+              <a:rPr lang="en-US" sz="1600" dirty="0">
+                <a:latin typeface="Times New Roman" panose="02020603050405020304" pitchFamily="18" charset="0"/>
+                <a:ea typeface="+mn-lt"/>
+                <a:cs typeface="Times New Roman" panose="02020603050405020304" pitchFamily="18" charset="0"/>
+              </a:rPr>
+              <a:t> its source localization method (Pascual </a:t>
+            </a:r>
+            <a:r>
+              <a:rPr lang="en-US" sz="1600" i="1" dirty="0">
+                <a:latin typeface="Times New Roman" panose="02020603050405020304" pitchFamily="18" charset="0"/>
+                <a:ea typeface="+mn-lt"/>
+                <a:cs typeface="Times New Roman" panose="02020603050405020304" pitchFamily="18" charset="0"/>
+              </a:rPr>
+              <a:t>et al</a:t>
+            </a:r>
+            <a:r>
+              <a:rPr lang="en-US" sz="1600" dirty="0">
+                <a:latin typeface="Times New Roman" panose="02020603050405020304" pitchFamily="18" charset="0"/>
+                <a:ea typeface="+mn-lt"/>
+                <a:cs typeface="Times New Roman" panose="02020603050405020304" pitchFamily="18" charset="0"/>
+              </a:rPr>
+              <a:t>., 2011).</a:t>
+            </a:r>
+          </a:p>
+          <a:p>
+            <a:pPr lvl="2"/>
+            <a:r>
+              <a:rPr lang="en-US" dirty="0">
+                <a:latin typeface="Times New Roman" panose="02020603050405020304" pitchFamily="18" charset="0"/>
+                <a:ea typeface="+mn-lt"/>
+                <a:cs typeface="Times New Roman" panose="02020603050405020304" pitchFamily="18" charset="0"/>
+              </a:rPr>
+              <a:t>But, EEG has poor spatial resolution, and it is recommended to have at least 64 channels for EEG source localization.</a:t>
+            </a:r>
+          </a:p>
+          <a:p>
+            <a:pPr lvl="2"/>
+            <a:r>
+              <a:rPr lang="en-US" dirty="0">
+                <a:latin typeface="Times New Roman" panose="02020603050405020304" pitchFamily="18" charset="0"/>
+                <a:ea typeface="+mn-lt"/>
+                <a:cs typeface="Times New Roman" panose="02020603050405020304" pitchFamily="18" charset="0"/>
+              </a:rPr>
+              <a:t>no mention of correcting for multiple comparisons in the paper.</a:t>
+            </a:r>
+          </a:p>
+          <a:p>
+            <a:pPr lvl="2"/>
+            <a:r>
+              <a:rPr lang="en-US" dirty="0" err="1">
+                <a:latin typeface="Times New Roman" panose="02020603050405020304" pitchFamily="18" charset="0"/>
+                <a:ea typeface="+mn-lt"/>
+                <a:cs typeface="Times New Roman" panose="02020603050405020304" pitchFamily="18" charset="0"/>
+              </a:rPr>
+              <a:t>Fpz</a:t>
+            </a:r>
+            <a:r>
+              <a:rPr lang="en-US" dirty="0">
+                <a:latin typeface="Times New Roman" panose="02020603050405020304" pitchFamily="18" charset="0"/>
+                <a:ea typeface="+mn-lt"/>
+                <a:cs typeface="Times New Roman" panose="02020603050405020304" pitchFamily="18" charset="0"/>
+              </a:rPr>
+              <a:t> channel is important in localizing ACC activity, but this channel was not included in this study. </a:t>
+            </a:r>
+          </a:p>
+          <a:p>
+            <a:endParaRPr lang="en-US" dirty="0">
+              <a:ea typeface="+mn-lt"/>
+              <a:cs typeface="+mn-lt"/>
+            </a:endParaRPr>
+          </a:p>
+          <a:p>
+            <a:pPr marL="285750" indent="-285750">
+              <a:buFont typeface="Arial"/>
+              <a:buChar char="•"/>
+            </a:pPr>
+            <a:endParaRPr lang="en-US" dirty="0"/>
+          </a:p>
+          <a:p>
+            <a:pPr marL="742950" lvl="1" indent="-285750">
+              <a:buFont typeface="Arial"/>
+              <a:buChar char="•"/>
+            </a:pPr>
+            <a:endParaRPr lang="en-US" dirty="0"/>
+          </a:p>
+          <a:p>
+            <a:endParaRPr lang="en-US" dirty="0"/>
+          </a:p>
+        </p:txBody>
+      </p:sp>
+      <p:pic>
+        <p:nvPicPr>
+          <p:cNvPr id="5" name="Picture 4">
+            <a:extLst>
+              <a:ext uri="{FF2B5EF4-FFF2-40B4-BE49-F238E27FC236}">
+                <a16:creationId xmlns:a16="http://schemas.microsoft.com/office/drawing/2014/main" id="{77CDC25B-5963-83E3-9B8A-B2A2C733BCBD}"/>
+              </a:ext>
+            </a:extLst>
+          </p:cNvPr>
+          <p:cNvPicPr>
+            <a:picLocks noChangeAspect="1"/>
+          </p:cNvPicPr>
+          <p:nvPr/>
+        </p:nvPicPr>
+        <p:blipFill>
+          <a:blip r:embed="rId4">
+            <a:extLst>
+              <a:ext uri="{28A0092B-C50C-407E-A947-70E740481C1C}">
+                <a14:useLocalDpi xmlns:a14="http://schemas.microsoft.com/office/drawing/2010/main" val="0"/>
+              </a:ext>
+            </a:extLst>
+          </a:blip>
+          <a:stretch>
+            <a:fillRect/>
+          </a:stretch>
+        </p:blipFill>
+        <p:spPr>
+          <a:xfrm>
+            <a:off x="203563" y="500447"/>
+            <a:ext cx="4099125" cy="5742627"/>
+          </a:xfrm>
+          <a:prstGeom prst="rect">
+            <a:avLst/>
+          </a:prstGeom>
+        </p:spPr>
+      </p:pic>
+      <p:sp>
+        <p:nvSpPr>
+          <p:cNvPr id="6" name="TextBox 5">
+            <a:extLst>
+              <a:ext uri="{FF2B5EF4-FFF2-40B4-BE49-F238E27FC236}">
+                <a16:creationId xmlns:a16="http://schemas.microsoft.com/office/drawing/2014/main" id="{84ECE26E-FA8B-9518-9D12-5BEA53F94D09}"/>
+              </a:ext>
+            </a:extLst>
+          </p:cNvPr>
+          <p:cNvSpPr txBox="1"/>
+          <p:nvPr/>
+        </p:nvSpPr>
+        <p:spPr>
+          <a:xfrm>
+            <a:off x="203563" y="6243074"/>
+            <a:ext cx="3988803" cy="461665"/>
+          </a:xfrm>
+          <a:prstGeom prst="rect">
+            <a:avLst/>
+          </a:prstGeom>
+          <a:noFill/>
+        </p:spPr>
+        <p:txBody>
+          <a:bodyPr rot="0" spcFirstLastPara="0" vertOverflow="overflow" horzOverflow="overflow" vert="horz" wrap="square" lIns="91440" tIns="45720" rIns="91440" bIns="45720" numCol="1" spcCol="0" rtlCol="0" fromWordArt="0" anchor="t" anchorCtr="0" forceAA="0" compatLnSpc="1">
+            <a:prstTxWarp prst="textNoShape">
+              <a:avLst/>
+            </a:prstTxWarp>
+            <a:spAutoFit/>
+          </a:bodyPr>
+          <a:lstStyle/>
+          <a:p>
+            <a:r>
+              <a:rPr lang="en-US" sz="1200" b="1" dirty="0">
+                <a:latin typeface="Times New Roman" panose="02020603050405020304" pitchFamily="18" charset="0"/>
+                <a:cs typeface="Times New Roman" panose="02020603050405020304" pitchFamily="18" charset="0"/>
+              </a:rPr>
+              <a:t>Fig 3</a:t>
+            </a:r>
+            <a:r>
+              <a:rPr lang="en-US" sz="1200" dirty="0">
+                <a:latin typeface="Times New Roman" panose="02020603050405020304" pitchFamily="18" charset="0"/>
+                <a:cs typeface="Times New Roman" panose="02020603050405020304" pitchFamily="18" charset="0"/>
+              </a:rPr>
+              <a:t>: Summary of </a:t>
+            </a:r>
+            <a:r>
+              <a:rPr lang="en-US" sz="1200" dirty="0" err="1">
+                <a:latin typeface="Times New Roman" panose="02020603050405020304" pitchFamily="18" charset="0"/>
+                <a:cs typeface="Times New Roman" panose="02020603050405020304" pitchFamily="18" charset="0"/>
+              </a:rPr>
+              <a:t>iSPOT</a:t>
+            </a:r>
+            <a:r>
+              <a:rPr lang="en-US" sz="1200" dirty="0">
+                <a:latin typeface="Times New Roman" panose="02020603050405020304" pitchFamily="18" charset="0"/>
+                <a:cs typeface="Times New Roman" panose="02020603050405020304" pitchFamily="18" charset="0"/>
+              </a:rPr>
+              <a:t>-D monitoring of participants (Williams </a:t>
+            </a:r>
+            <a:r>
+              <a:rPr lang="en-US" sz="1200" i="1" dirty="0">
+                <a:latin typeface="Times New Roman" panose="02020603050405020304" pitchFamily="18" charset="0"/>
+                <a:cs typeface="Times New Roman" panose="02020603050405020304" pitchFamily="18" charset="0"/>
+              </a:rPr>
+              <a:t>et al., </a:t>
+            </a:r>
+            <a:r>
+              <a:rPr lang="en-US" sz="1200" dirty="0">
+                <a:latin typeface="Times New Roman" panose="02020603050405020304" pitchFamily="18" charset="0"/>
+                <a:cs typeface="Times New Roman" panose="02020603050405020304" pitchFamily="18" charset="0"/>
+              </a:rPr>
+              <a:t>2011).  </a:t>
+            </a:r>
+          </a:p>
+        </p:txBody>
+      </p:sp>
+    </p:spTree>
+    <p:extLst>
+      <p:ext uri="{BB962C8B-B14F-4D97-AF65-F5344CB8AC3E}">
+        <p14:creationId xmlns:p14="http://schemas.microsoft.com/office/powerpoint/2010/main" val="885732996"/>
+      </p:ext>
+    </p:extLst>
+  </p:cSld>
+  <p:clrMapOvr>
+    <a:masterClrMapping/>
+  </p:clrMapOvr>
+  <mc:AlternateContent xmlns:mc="http://schemas.openxmlformats.org/markup-compatibility/2006" xmlns:p14="http://schemas.microsoft.com/office/powerpoint/2010/main">
+    <mc:Choice Requires="p14">
+      <p:transition spd="slow" p14:dur="2000" advTm="79151"/>
+    </mc:Choice>
+    <mc:Fallback xmlns="">
+      <p:transition spd="slow" advTm="79151"/>
+    </mc:Fallback>
+  </mc:AlternateContent>
+</p:sld>
+</file>
+
+<file path=ppt/slides/slide4.xml><?xml version="1.0" encoding="utf-8"?>
+<p:sld xmlns:a="http://schemas.openxmlformats.org/drawingml/2006/main" xmlns:r="http://schemas.openxmlformats.org/officeDocument/2006/relationships" xmlns:p="http://schemas.openxmlformats.org/presentationml/2006/main">
+  <p:cSld>
     <p:bg>
       <p:bgPr>
         <a:blipFill rotWithShape="1">
@@ -6759,7 +7681,7 @@
         </p:blipFill>
         <p:spPr>
           <a:xfrm>
-            <a:off x="-19334" y="0"/>
+            <a:off x="1" y="-27802"/>
             <a:ext cx="12211334" cy="6844350"/>
           </a:xfrm>
           <a:prstGeom prst="rect">
@@ -6842,7 +7764,7 @@
         <p:spPr>
           <a:xfrm>
             <a:off x="141301" y="5531365"/>
-            <a:ext cx="4188676" cy="1661993"/>
+            <a:ext cx="4188676" cy="1477328"/>
           </a:xfrm>
           <a:prstGeom prst="rect">
             <a:avLst/>
@@ -6859,66 +7781,129 @@
           <a:lstStyle/>
           <a:p>
             <a:r>
-              <a:rPr lang="en-US" sz="1200" b="1" dirty="0"/>
+              <a:rPr lang="en-US" sz="1200" b="1" dirty="0">
+                <a:latin typeface="Times New Roman" panose="02020603050405020304" pitchFamily="18" charset="0"/>
+                <a:cs typeface="Times New Roman" panose="02020603050405020304" pitchFamily="18" charset="0"/>
+              </a:rPr>
               <a:t>Fig 2</a:t>
             </a:r>
             <a:r>
-              <a:rPr lang="en-US" sz="1200" dirty="0"/>
-              <a:t>: The region of interest (ROI) is the rostral Anterior Cingulate Cortex(</a:t>
-            </a:r>
-            <a:r>
-              <a:rPr lang="en-US" sz="1200" dirty="0" err="1"/>
+              <a:rPr lang="en-US" sz="1200" dirty="0">
+                <a:latin typeface="Times New Roman" panose="02020603050405020304" pitchFamily="18" charset="0"/>
+                <a:cs typeface="Times New Roman" panose="02020603050405020304" pitchFamily="18" charset="0"/>
+              </a:rPr>
+              <a:t>: </a:t>
+            </a:r>
+            <a:r>
+              <a:rPr lang="en-US" sz="1200" u="sng" dirty="0">
+                <a:latin typeface="Times New Roman" panose="02020603050405020304" pitchFamily="18" charset="0"/>
+                <a:cs typeface="Times New Roman" panose="02020603050405020304" pitchFamily="18" charset="0"/>
+              </a:rPr>
+              <a:t>The region of interest (ROI) is the rostral Anterior Cingulate Cortex (</a:t>
+            </a:r>
+            <a:r>
+              <a:rPr lang="en-US" sz="1200" u="sng" dirty="0" err="1">
+                <a:latin typeface="Times New Roman" panose="02020603050405020304" pitchFamily="18" charset="0"/>
+                <a:cs typeface="Times New Roman" panose="02020603050405020304" pitchFamily="18" charset="0"/>
+              </a:rPr>
               <a:t>rACC</a:t>
             </a:r>
             <a:r>
-              <a:rPr lang="en-US" sz="1200" dirty="0"/>
-              <a:t>). Few studies investigating depression found increased theta to be localized within the </a:t>
-            </a:r>
-            <a:r>
-              <a:rPr lang="en-US" sz="1200" dirty="0" err="1"/>
+              <a:rPr lang="en-US" sz="1200" u="sng" dirty="0">
+                <a:latin typeface="Times New Roman" panose="02020603050405020304" pitchFamily="18" charset="0"/>
+                <a:cs typeface="Times New Roman" panose="02020603050405020304" pitchFamily="18" charset="0"/>
+              </a:rPr>
+              <a:t>). </a:t>
+            </a:r>
+            <a:r>
+              <a:rPr lang="en-US" sz="1200" dirty="0">
+                <a:latin typeface="Times New Roman" panose="02020603050405020304" pitchFamily="18" charset="0"/>
+                <a:cs typeface="Times New Roman" panose="02020603050405020304" pitchFamily="18" charset="0"/>
+              </a:rPr>
+              <a:t>Few studies investigating depression found increased theta to be localized within the </a:t>
+            </a:r>
+            <a:r>
+              <a:rPr lang="en-US" sz="1200" dirty="0" err="1">
+                <a:latin typeface="Times New Roman" panose="02020603050405020304" pitchFamily="18" charset="0"/>
+                <a:cs typeface="Times New Roman" panose="02020603050405020304" pitchFamily="18" charset="0"/>
+              </a:rPr>
               <a:t>rACC</a:t>
             </a:r>
             <a:r>
-              <a:rPr lang="en-US" sz="1200" dirty="0"/>
-              <a:t>(</a:t>
+              <a:rPr lang="en-US" sz="1200" dirty="0">
+                <a:latin typeface="Times New Roman" panose="02020603050405020304" pitchFamily="18" charset="0"/>
+                <a:cs typeface="Times New Roman" panose="02020603050405020304" pitchFamily="18" charset="0"/>
+              </a:rPr>
+              <a:t> (</a:t>
             </a:r>
             <a:r>
               <a:rPr lang="en-US" sz="1200" dirty="0" err="1">
                 <a:effectLst/>
+                <a:latin typeface="Times New Roman" panose="02020603050405020304" pitchFamily="18" charset="0"/>
+                <a:cs typeface="Times New Roman" panose="02020603050405020304" pitchFamily="18" charset="0"/>
               </a:rPr>
               <a:t>Jaworska</a:t>
             </a:r>
             <a:r>
               <a:rPr lang="en-US" sz="1200" dirty="0">
                 <a:effectLst/>
+                <a:latin typeface="Times New Roman" panose="02020603050405020304" pitchFamily="18" charset="0"/>
+                <a:cs typeface="Times New Roman" panose="02020603050405020304" pitchFamily="18" charset="0"/>
               </a:rPr>
               <a:t> et al., 2012; </a:t>
             </a:r>
             <a:r>
               <a:rPr lang="en-US" sz="1200" dirty="0" err="1">
                 <a:effectLst/>
+                <a:latin typeface="Times New Roman" panose="02020603050405020304" pitchFamily="18" charset="0"/>
+                <a:cs typeface="Times New Roman" panose="02020603050405020304" pitchFamily="18" charset="0"/>
               </a:rPr>
               <a:t>Korb</a:t>
             </a:r>
             <a:r>
               <a:rPr lang="en-US" sz="1200" dirty="0">
                 <a:effectLst/>
+                <a:latin typeface="Times New Roman" panose="02020603050405020304" pitchFamily="18" charset="0"/>
+                <a:cs typeface="Times New Roman" panose="02020603050405020304" pitchFamily="18" charset="0"/>
               </a:rPr>
               <a:t> et al., 2008). In line with other imaging modalities (fMRI) (</a:t>
             </a:r>
             <a:r>
               <a:rPr lang="en-US" sz="1200" dirty="0" err="1">
                 <a:effectLst/>
+                <a:latin typeface="Times New Roman" panose="02020603050405020304" pitchFamily="18" charset="0"/>
+                <a:cs typeface="Times New Roman" panose="02020603050405020304" pitchFamily="18" charset="0"/>
               </a:rPr>
               <a:t>Pizzagalli</a:t>
             </a:r>
             <a:r>
               <a:rPr lang="en-US" sz="1200" dirty="0">
                 <a:effectLst/>
-              </a:rPr>
-              <a:t> (2011)).</a:t>
-            </a:r>
-            <a:endParaRPr lang="en-US" sz="1200" dirty="0"/>
+                <a:latin typeface="Times New Roman" panose="02020603050405020304" pitchFamily="18" charset="0"/>
+                <a:cs typeface="Times New Roman" panose="02020603050405020304" pitchFamily="18" charset="0"/>
+              </a:rPr>
+              <a:t> </a:t>
+            </a:r>
+            <a:r>
+              <a:rPr lang="en-US" sz="1200" i="1" dirty="0">
+                <a:effectLst/>
+                <a:latin typeface="Times New Roman" panose="02020603050405020304" pitchFamily="18" charset="0"/>
+                <a:cs typeface="Times New Roman" panose="02020603050405020304" pitchFamily="18" charset="0"/>
+              </a:rPr>
+              <a:t>et al</a:t>
+            </a:r>
+            <a:r>
+              <a:rPr lang="en-US" sz="1200" dirty="0">
+                <a:effectLst/>
+                <a:latin typeface="Times New Roman" panose="02020603050405020304" pitchFamily="18" charset="0"/>
+                <a:cs typeface="Times New Roman" panose="02020603050405020304" pitchFamily="18" charset="0"/>
+              </a:rPr>
+              <a:t>.,2011)).</a:t>
+            </a:r>
+            <a:endParaRPr lang="en-US" sz="1200" dirty="0">
+              <a:latin typeface="Times New Roman" panose="02020603050405020304" pitchFamily="18" charset="0"/>
+              <a:cs typeface="Times New Roman" panose="02020603050405020304" pitchFamily="18" charset="0"/>
+            </a:endParaRPr>
           </a:p>
           <a:p>
             <a:endParaRPr lang="en-US" sz="1200" dirty="0"/>
@@ -6960,20 +7945,46 @@
           <a:lstStyle/>
           <a:p>
             <a:r>
-              <a:rPr lang="en-US" sz="1200" b="1" dirty="0"/>
+              <a:rPr lang="en-US" sz="1200" b="1" dirty="0">
+                <a:latin typeface="Times New Roman" panose="02020603050405020304" pitchFamily="18" charset="0"/>
+                <a:cs typeface="Times New Roman" panose="02020603050405020304" pitchFamily="18" charset="0"/>
+              </a:rPr>
               <a:t>Fig 1</a:t>
             </a:r>
             <a:r>
-              <a:rPr lang="en-US" sz="1200" dirty="0"/>
+              <a:rPr lang="en-US" sz="1200" dirty="0">
+                <a:latin typeface="Times New Roman" panose="02020603050405020304" pitchFamily="18" charset="0"/>
+                <a:cs typeface="Times New Roman" panose="02020603050405020304" pitchFamily="18" charset="0"/>
+              </a:rPr>
               <a:t>: Theta Wave. </a:t>
             </a:r>
             <a:r>
-              <a:rPr lang="en-US" sz="1200" dirty="0" err="1"/>
+              <a:rPr lang="en-US" sz="1200" dirty="0" err="1">
+                <a:latin typeface="Times New Roman" panose="02020603050405020304" pitchFamily="18" charset="0"/>
+                <a:cs typeface="Times New Roman" panose="02020603050405020304" pitchFamily="18" charset="0"/>
+              </a:rPr>
               <a:t>MicroVolts</a:t>
             </a:r>
             <a:r>
-              <a:rPr lang="en-US" sz="1200" dirty="0"/>
-              <a:t> over time graph. Theta wave is 4 – 7 Hz (cycles) per second. (Walter and Dovey, 1944)  </a:t>
+              <a:rPr lang="en-US" sz="1200" dirty="0">
+                <a:latin typeface="Times New Roman" panose="02020603050405020304" pitchFamily="18" charset="0"/>
+                <a:cs typeface="Times New Roman" panose="02020603050405020304" pitchFamily="18" charset="0"/>
+              </a:rPr>
+              <a:t> over time graph. </a:t>
+            </a:r>
+            <a:r>
+              <a:rPr lang="en-US" sz="1200" u="sng" dirty="0">
+                <a:latin typeface="Times New Roman" panose="02020603050405020304" pitchFamily="18" charset="0"/>
+                <a:cs typeface="Times New Roman" panose="02020603050405020304" pitchFamily="18" charset="0"/>
+              </a:rPr>
+              <a:t>Theta wave is 6.5 – 8.5 Hz (cycles) per second</a:t>
+            </a:r>
+            <a:r>
+              <a:rPr lang="en-US" sz="1200" dirty="0">
+                <a:latin typeface="Times New Roman" panose="02020603050405020304" pitchFamily="18" charset="0"/>
+                <a:cs typeface="Times New Roman" panose="02020603050405020304" pitchFamily="18" charset="0"/>
+              </a:rPr>
+              <a:t>. (Walter and Dovey, 1944). EEG stands for electroencephalogram.  </a:t>
             </a:r>
           </a:p>
         </p:txBody>
@@ -7033,8 +8044,8 @@
         </p:nvSpPr>
         <p:spPr>
           <a:xfrm>
-            <a:off x="4837558" y="3777039"/>
-            <a:ext cx="7479866" cy="1754326"/>
+            <a:off x="4830322" y="4731146"/>
+            <a:ext cx="7361678" cy="1600438"/>
           </a:xfrm>
           <a:prstGeom prst="rect">
             <a:avLst/>
@@ -7052,172 +8063,137 @@
               <a:buChar char="•"/>
             </a:pPr>
             <a:r>
-              <a:rPr lang="en-US" dirty="0"/>
-              <a:t>Causal inferences</a:t>
-            </a:r>
-          </a:p>
-          <a:p>
-            <a:r>
-              <a:rPr lang="en-US" dirty="0"/>
+              <a:rPr lang="en-US" sz="1600" dirty="0">
+                <a:latin typeface="Times New Roman" panose="02020603050405020304" pitchFamily="18" charset="0"/>
+                <a:cs typeface="Times New Roman" panose="02020603050405020304" pitchFamily="18" charset="0"/>
+              </a:rPr>
+              <a:t>Causal inferences assumptions </a:t>
+            </a:r>
+          </a:p>
+          <a:p>
+            <a:r>
+              <a:rPr lang="en-US" sz="1600" dirty="0">
+                <a:latin typeface="Times New Roman" panose="02020603050405020304" pitchFamily="18" charset="0"/>
+                <a:cs typeface="Times New Roman" panose="02020603050405020304" pitchFamily="18" charset="0"/>
+              </a:rPr>
               <a:t>	The </a:t>
             </a:r>
             <a:r>
-              <a:rPr lang="en-US" dirty="0" err="1"/>
+              <a:rPr lang="en-US" sz="1600" dirty="0" err="1">
+                <a:latin typeface="Times New Roman" panose="02020603050405020304" pitchFamily="18" charset="0"/>
+                <a:cs typeface="Times New Roman" panose="02020603050405020304" pitchFamily="18" charset="0"/>
+              </a:rPr>
               <a:t>rACC</a:t>
             </a:r>
             <a:r>
-              <a:rPr lang="en-US" dirty="0"/>
+              <a:rPr lang="en-US" sz="1600" dirty="0">
+                <a:latin typeface="Times New Roman" panose="02020603050405020304" pitchFamily="18" charset="0"/>
+                <a:cs typeface="Times New Roman" panose="02020603050405020304" pitchFamily="18" charset="0"/>
+              </a:rPr>
               <a:t> is a critical node in the depression network from deep brain stimulation study (</a:t>
             </a:r>
             <a:r>
-              <a:rPr lang="en-US" dirty="0" err="1">
-                <a:effectLst/>
+              <a:rPr lang="en-US" sz="1600" dirty="0" err="1">
+                <a:effectLst/>
+                <a:latin typeface="Times New Roman" panose="02020603050405020304" pitchFamily="18" charset="0"/>
+                <a:cs typeface="Times New Roman" panose="02020603050405020304" pitchFamily="18" charset="0"/>
               </a:rPr>
               <a:t>Mayberg</a:t>
             </a:r>
             <a:r>
-              <a:rPr lang="en-US" dirty="0">
-                <a:effectLst/>
+              <a:rPr lang="en-US" sz="1600" dirty="0">
+                <a:effectLst/>
+                <a:latin typeface="Times New Roman" panose="02020603050405020304" pitchFamily="18" charset="0"/>
+                <a:cs typeface="Times New Roman" panose="02020603050405020304" pitchFamily="18" charset="0"/>
               </a:rPr>
               <a:t> et al., 2005). </a:t>
             </a:r>
             <a:r>
-              <a:rPr lang="en-US" dirty="0"/>
+              <a:rPr lang="en-US" sz="1600" dirty="0">
+                <a:latin typeface="Times New Roman" panose="02020603050405020304" pitchFamily="18" charset="0"/>
+                <a:cs typeface="Times New Roman" panose="02020603050405020304" pitchFamily="18" charset="0"/>
+              </a:rPr>
               <a:t>EEG </a:t>
             </a:r>
             <a:r>
-              <a:rPr lang="en-US" b="0" i="0" dirty="0">
-                <a:effectLst/>
+              <a:rPr lang="en-US" sz="1600" b="0" i="0" dirty="0">
+                <a:effectLst/>
+                <a:latin typeface="Times New Roman" panose="02020603050405020304" pitchFamily="18" charset="0"/>
+                <a:cs typeface="Times New Roman" panose="02020603050405020304" pitchFamily="18" charset="0"/>
               </a:rPr>
               <a:t>recordings and HSRD17 are each </a:t>
             </a:r>
             <a:r>
-              <a:rPr lang="en-US" b="0" i="0" u="sng" dirty="0">
-                <a:effectLst/>
+              <a:rPr lang="en-US" sz="1600" b="0" i="0" u="sng" dirty="0">
+                <a:effectLst/>
+                <a:latin typeface="Times New Roman" panose="02020603050405020304" pitchFamily="18" charset="0"/>
+                <a:cs typeface="Times New Roman" panose="02020603050405020304" pitchFamily="18" charset="0"/>
               </a:rPr>
               <a:t>based on well-established constructs </a:t>
             </a:r>
             <a:r>
-              <a:rPr lang="en-US" b="0" i="0" dirty="0">
-                <a:effectLst/>
-              </a:rPr>
-              <a:t>in the literature (Williams et al., 2011; </a:t>
-            </a:r>
-            <a:r>
-              <a:rPr lang="en-US" b="0" i="0" dirty="0" err="1">
-                <a:effectLst/>
+              <a:rPr lang="en-US" sz="1600" b="0" i="0" dirty="0">
+                <a:effectLst/>
+                <a:latin typeface="Times New Roman" panose="02020603050405020304" pitchFamily="18" charset="0"/>
+                <a:cs typeface="Times New Roman" panose="02020603050405020304" pitchFamily="18" charset="0"/>
+              </a:rPr>
+              <a:t>in the literature (Alexandre  </a:t>
+            </a:r>
+            <a:r>
+              <a:rPr lang="en-US" sz="1600" b="0" i="1" dirty="0">
+                <a:effectLst/>
+                <a:latin typeface="Times New Roman" panose="02020603050405020304" pitchFamily="18" charset="0"/>
+                <a:cs typeface="Times New Roman" panose="02020603050405020304" pitchFamily="18" charset="0"/>
+              </a:rPr>
+              <a:t>et al</a:t>
+            </a:r>
+            <a:r>
+              <a:rPr lang="en-US" sz="1600" b="0" i="0" dirty="0">
+                <a:effectLst/>
+                <a:latin typeface="Times New Roman" panose="02020603050405020304" pitchFamily="18" charset="0"/>
+                <a:cs typeface="Times New Roman" panose="02020603050405020304" pitchFamily="18" charset="0"/>
+              </a:rPr>
+              <a:t>., 2013; Williams </a:t>
+            </a:r>
+            <a:r>
+              <a:rPr lang="en-US" sz="1600" b="0" i="1" dirty="0">
+                <a:effectLst/>
+                <a:latin typeface="Times New Roman" panose="02020603050405020304" pitchFamily="18" charset="0"/>
+                <a:cs typeface="Times New Roman" panose="02020603050405020304" pitchFamily="18" charset="0"/>
+              </a:rPr>
+              <a:t>et al</a:t>
+            </a:r>
+            <a:r>
+              <a:rPr lang="en-US" sz="1600" b="0" i="0" dirty="0">
+                <a:effectLst/>
+                <a:latin typeface="Times New Roman" panose="02020603050405020304" pitchFamily="18" charset="0"/>
+                <a:cs typeface="Times New Roman" panose="02020603050405020304" pitchFamily="18" charset="0"/>
+              </a:rPr>
+              <a:t>., 2011; </a:t>
+            </a:r>
+            <a:r>
+              <a:rPr lang="en-US" sz="1600" b="0" i="0" dirty="0" err="1">
+                <a:effectLst/>
+                <a:latin typeface="Times New Roman" panose="02020603050405020304" pitchFamily="18" charset="0"/>
+                <a:cs typeface="Times New Roman" panose="02020603050405020304" pitchFamily="18" charset="0"/>
               </a:rPr>
               <a:t>haMILTON</a:t>
             </a:r>
             <a:r>
-              <a:rPr lang="en-US" b="0" i="0" dirty="0">
-                <a:effectLst/>
+              <a:rPr lang="en-US" sz="1600" b="0" i="0" dirty="0">
+                <a:effectLst/>
+                <a:latin typeface="Times New Roman" panose="02020603050405020304" pitchFamily="18" charset="0"/>
+                <a:cs typeface="Times New Roman" panose="02020603050405020304" pitchFamily="18" charset="0"/>
               </a:rPr>
               <a:t>, 1960)</a:t>
             </a:r>
+            <a:endParaRPr lang="en-US" sz="1600" dirty="0">
+              <a:latin typeface="Times New Roman" panose="02020603050405020304" pitchFamily="18" charset="0"/>
+              <a:cs typeface="Times New Roman" panose="02020603050405020304" pitchFamily="18" charset="0"/>
+            </a:endParaRPr>
+          </a:p>
+          <a:p>
             <a:endParaRPr lang="en-US" dirty="0"/>
-          </a:p>
-          <a:p>
-            <a:endParaRPr lang="en-US" dirty="0"/>
-          </a:p>
-        </p:txBody>
-      </p:sp>
-      <p:sp>
-        <p:nvSpPr>
-          <p:cNvPr id="12" name="TextBox 11">
-            <a:extLst>
-              <a:ext uri="{FF2B5EF4-FFF2-40B4-BE49-F238E27FC236}">
-                <a16:creationId xmlns:a16="http://schemas.microsoft.com/office/drawing/2014/main" id="{33C78960-4460-4C55-2885-D1DE5494CCCB}"/>
-              </a:ext>
-            </a:extLst>
-          </p:cNvPr>
-          <p:cNvSpPr txBox="1"/>
-          <p:nvPr/>
-        </p:nvSpPr>
-        <p:spPr>
-          <a:xfrm>
-            <a:off x="4909842" y="5568155"/>
-            <a:ext cx="7282158" cy="923330"/>
-          </a:xfrm>
-          <a:prstGeom prst="rect">
-            <a:avLst/>
-          </a:prstGeom>
-          <a:noFill/>
-        </p:spPr>
-        <p:txBody>
-          <a:bodyPr wrap="square" rtlCol="0">
-            <a:spAutoFit/>
-          </a:bodyPr>
-          <a:lstStyle/>
-          <a:p>
-            <a:pPr marL="285750" indent="-285750">
-              <a:buFont typeface="Arial" panose="020B0604020202020204" pitchFamily="34" charset="0"/>
-              <a:buChar char="•"/>
-            </a:pPr>
-            <a:r>
-              <a:rPr lang="en-US" dirty="0"/>
-              <a:t>Future implications </a:t>
-            </a:r>
-          </a:p>
-          <a:p>
-            <a:r>
-              <a:rPr lang="en-US" dirty="0"/>
-              <a:t>	Remove the trial-and-error process in psychiatry and move towards neuroscience-informed precision medicine.</a:t>
-            </a:r>
-          </a:p>
-        </p:txBody>
-      </p:sp>
-      <p:sp>
-        <p:nvSpPr>
-          <p:cNvPr id="14" name="TextBox 13">
-            <a:extLst>
-              <a:ext uri="{FF2B5EF4-FFF2-40B4-BE49-F238E27FC236}">
-                <a16:creationId xmlns:a16="http://schemas.microsoft.com/office/drawing/2014/main" id="{32A9FC35-C812-8822-23B7-5EE482DA3CA4}"/>
-              </a:ext>
-            </a:extLst>
-          </p:cNvPr>
-          <p:cNvSpPr txBox="1"/>
-          <p:nvPr/>
-        </p:nvSpPr>
-        <p:spPr>
-          <a:xfrm>
-            <a:off x="4837558" y="2394627"/>
-            <a:ext cx="7229017" cy="923330"/>
-          </a:xfrm>
-          <a:prstGeom prst="rect">
-            <a:avLst/>
-          </a:prstGeom>
-          <a:noFill/>
-        </p:spPr>
-        <p:txBody>
-          <a:bodyPr wrap="square" rtlCol="0">
-            <a:spAutoFit/>
-          </a:bodyPr>
-          <a:lstStyle/>
-          <a:p>
-            <a:pPr marL="285750" indent="-285750">
-              <a:buFont typeface="Arial" panose="020B0604020202020204" pitchFamily="34" charset="0"/>
-              <a:buChar char="•"/>
-            </a:pPr>
-            <a:r>
-              <a:rPr lang="en-US" dirty="0"/>
-              <a:t>Hypothesis</a:t>
-            </a:r>
-          </a:p>
-          <a:p>
-            <a:pPr lvl="1"/>
-            <a:r>
-              <a:rPr lang="en-US" dirty="0"/>
-              <a:t>phasic (not continuous) theta (</a:t>
-            </a:r>
-            <a:r>
-              <a:rPr lang="en-US" dirty="0" err="1"/>
-              <a:t>rACC</a:t>
-            </a:r>
-            <a:r>
-              <a:rPr lang="en-US" dirty="0"/>
-              <a:t>) is associated with an improved treatment outcome. </a:t>
-            </a:r>
           </a:p>
         </p:txBody>
       </p:sp>
@@ -7235,8 +8211,8 @@
         </p:nvSpPr>
         <p:spPr>
           <a:xfrm>
-            <a:off x="4809491" y="930039"/>
-            <a:ext cx="6281056" cy="1200329"/>
+            <a:off x="4712134" y="1628021"/>
+            <a:ext cx="7479866" cy="584775"/>
           </a:xfrm>
           <a:prstGeom prst="rect">
             <a:avLst/>
@@ -7254,33 +8230,342 @@
               <a:buChar char="•"/>
             </a:pPr>
             <a:r>
-              <a:rPr lang="en-US" u="sng" dirty="0"/>
+              <a:rPr lang="en-US" sz="1600" u="sng" dirty="0">
+                <a:latin typeface="Times New Roman" panose="02020603050405020304" pitchFamily="18" charset="0"/>
+                <a:cs typeface="Times New Roman" panose="02020603050405020304" pitchFamily="18" charset="0"/>
+              </a:rPr>
               <a:t>International multi-center</a:t>
             </a:r>
             <a:r>
-              <a:rPr lang="en-US" dirty="0"/>
-              <a:t> (20 sites) and phase-IV clinical trial. International</a:t>
-            </a:r>
-            <a:r>
-              <a:rPr lang="en-US" dirty="0">
+              <a:rPr lang="en-US" sz="1600" dirty="0">
+                <a:latin typeface="Times New Roman" panose="02020603050405020304" pitchFamily="18" charset="0"/>
+                <a:cs typeface="Times New Roman" panose="02020603050405020304" pitchFamily="18" charset="0"/>
+              </a:rPr>
+              <a:t> </a:t>
+            </a:r>
+            <a:r>
+              <a:rPr lang="en-US" sz="1600" u="sng" dirty="0">
+                <a:latin typeface="Times New Roman" panose="02020603050405020304" pitchFamily="18" charset="0"/>
+                <a:cs typeface="Times New Roman" panose="02020603050405020304" pitchFamily="18" charset="0"/>
+              </a:rPr>
+              <a:t>(20 sites</a:t>
+            </a:r>
+            <a:r>
+              <a:rPr lang="en-US" sz="1600" dirty="0">
+                <a:latin typeface="Times New Roman" panose="02020603050405020304" pitchFamily="18" charset="0"/>
+                <a:cs typeface="Times New Roman" panose="02020603050405020304" pitchFamily="18" charset="0"/>
+              </a:rPr>
+              <a:t>) and phase-IV clinical trial </a:t>
+            </a:r>
+            <a:r>
+              <a:rPr lang="en-US" sz="1600" dirty="0">
+                <a:latin typeface="Times New Roman" panose="02020603050405020304" pitchFamily="18" charset="0"/>
                 <a:ea typeface="+mn-lt"/>
-                <a:cs typeface="+mn-lt"/>
-              </a:rPr>
-              <a:t> Study to Predict Optimized Treatment - in Depression (</a:t>
-            </a:r>
-            <a:r>
-              <a:rPr lang="en-US" dirty="0" err="1">
+                <a:cs typeface="Times New Roman" panose="02020603050405020304" pitchFamily="18" charset="0"/>
+              </a:rPr>
+              <a:t>to Predict Optimized Treatment - in Depression (</a:t>
+            </a:r>
+            <a:r>
+              <a:rPr lang="en-US" sz="1600" dirty="0" err="1">
+                <a:latin typeface="Times New Roman" panose="02020603050405020304" pitchFamily="18" charset="0"/>
                 <a:ea typeface="+mn-lt"/>
-                <a:cs typeface="+mn-lt"/>
+                <a:cs typeface="Times New Roman" panose="02020603050405020304" pitchFamily="18" charset="0"/>
               </a:rPr>
               <a:t>iSPOT</a:t>
             </a:r>
             <a:r>
-              <a:rPr lang="en-US" dirty="0">
+              <a:rPr lang="en-US" sz="1600" dirty="0">
+                <a:latin typeface="Times New Roman" panose="02020603050405020304" pitchFamily="18" charset="0"/>
                 <a:ea typeface="+mn-lt"/>
-                <a:cs typeface="+mn-lt"/>
-              </a:rPr>
-              <a:t>-D) (Williams et al., 2011) </a:t>
+                <a:cs typeface="Times New Roman" panose="02020603050405020304" pitchFamily="18" charset="0"/>
+              </a:rPr>
+              <a:t>-D) (Williams </a:t>
+            </a:r>
+            <a:r>
+              <a:rPr lang="en-US" sz="1600" i="1" dirty="0">
+                <a:latin typeface="Times New Roman" panose="02020603050405020304" pitchFamily="18" charset="0"/>
+                <a:ea typeface="+mn-lt"/>
+                <a:cs typeface="Times New Roman" panose="02020603050405020304" pitchFamily="18" charset="0"/>
+              </a:rPr>
+              <a:t>et al</a:t>
+            </a:r>
+            <a:r>
+              <a:rPr lang="en-US" sz="1600" dirty="0">
+                <a:latin typeface="Times New Roman" panose="02020603050405020304" pitchFamily="18" charset="0"/>
+                <a:ea typeface="+mn-lt"/>
+                <a:cs typeface="Times New Roman" panose="02020603050405020304" pitchFamily="18" charset="0"/>
+              </a:rPr>
+              <a:t>., 2011) </a:t>
+            </a:r>
+          </a:p>
+        </p:txBody>
+      </p:sp>
+      <p:sp>
+        <p:nvSpPr>
+          <p:cNvPr id="5" name="TextBox 4">
+            <a:extLst>
+              <a:ext uri="{FF2B5EF4-FFF2-40B4-BE49-F238E27FC236}">
+                <a16:creationId xmlns:a16="http://schemas.microsoft.com/office/drawing/2014/main" id="{42B4E58F-09ED-A11F-843A-7DBA3D83BFBB}"/>
+              </a:ext>
+            </a:extLst>
+          </p:cNvPr>
+          <p:cNvSpPr txBox="1"/>
+          <p:nvPr/>
+        </p:nvSpPr>
+        <p:spPr>
+          <a:xfrm>
+            <a:off x="4827919" y="646331"/>
+            <a:ext cx="7383416" cy="830997"/>
+          </a:xfrm>
+          <a:prstGeom prst="rect">
+            <a:avLst/>
+          </a:prstGeom>
+          <a:noFill/>
+        </p:spPr>
+        <p:txBody>
+          <a:bodyPr wrap="square">
+            <a:spAutoFit/>
+          </a:bodyPr>
+          <a:lstStyle/>
+          <a:p>
+            <a:pPr marL="285750" indent="-285750">
+              <a:buFont typeface="Arial" panose="020B0604020202020204" pitchFamily="34" charset="0"/>
+              <a:buChar char="•"/>
+            </a:pPr>
+            <a:r>
+              <a:rPr lang="en-US" sz="1600" u="sng" dirty="0">
+                <a:latin typeface="Times New Roman" panose="02020603050405020304" pitchFamily="18" charset="0"/>
+                <a:cs typeface="Times New Roman" panose="02020603050405020304" pitchFamily="18" charset="0"/>
+              </a:rPr>
+              <a:t>Hypothesis</a:t>
+            </a:r>
+          </a:p>
+          <a:p>
+            <a:pPr lvl="1"/>
+            <a:r>
+              <a:rPr lang="en-US" sz="1600" dirty="0">
+                <a:latin typeface="Times New Roman" panose="02020603050405020304" pitchFamily="18" charset="0"/>
+                <a:cs typeface="Times New Roman" panose="02020603050405020304" pitchFamily="18" charset="0"/>
+              </a:rPr>
+              <a:t>phasic (not continuous) theta (</a:t>
+            </a:r>
+            <a:r>
+              <a:rPr lang="en-US" sz="1600" dirty="0" err="1">
+                <a:latin typeface="Times New Roman" panose="02020603050405020304" pitchFamily="18" charset="0"/>
+                <a:cs typeface="Times New Roman" panose="02020603050405020304" pitchFamily="18" charset="0"/>
+              </a:rPr>
+              <a:t>rACC</a:t>
+            </a:r>
+            <a:r>
+              <a:rPr lang="en-US" sz="1600" dirty="0">
+                <a:latin typeface="Times New Roman" panose="02020603050405020304" pitchFamily="18" charset="0"/>
+                <a:cs typeface="Times New Roman" panose="02020603050405020304" pitchFamily="18" charset="0"/>
+              </a:rPr>
+              <a:t>) density is associated with an improved treatment outcome in patients with MDD. </a:t>
+            </a:r>
+          </a:p>
+        </p:txBody>
+      </p:sp>
+      <p:sp>
+        <p:nvSpPr>
+          <p:cNvPr id="10" name="TextBox 9">
+            <a:extLst>
+              <a:ext uri="{FF2B5EF4-FFF2-40B4-BE49-F238E27FC236}">
+                <a16:creationId xmlns:a16="http://schemas.microsoft.com/office/drawing/2014/main" id="{36B4099C-BDEB-069A-FF54-B00638AE1236}"/>
+              </a:ext>
+            </a:extLst>
+          </p:cNvPr>
+          <p:cNvSpPr txBox="1"/>
+          <p:nvPr/>
+        </p:nvSpPr>
+        <p:spPr>
+          <a:xfrm>
+            <a:off x="4785661" y="2609711"/>
+            <a:ext cx="7406339" cy="1815882"/>
+          </a:xfrm>
+          <a:prstGeom prst="rect">
+            <a:avLst/>
+          </a:prstGeom>
+          <a:noFill/>
+        </p:spPr>
+        <p:txBody>
+          <a:bodyPr wrap="square" rtlCol="0">
+            <a:spAutoFit/>
+          </a:bodyPr>
+          <a:lstStyle/>
+          <a:p>
+            <a:pPr marL="285750" indent="-285750">
+              <a:buFont typeface="Arial"/>
+              <a:buChar char="•"/>
+            </a:pPr>
+            <a:r>
+              <a:rPr lang="en-US" sz="1600" dirty="0">
+                <a:latin typeface="Times New Roman" panose="02020603050405020304" pitchFamily="18" charset="0"/>
+                <a:cs typeface="Times New Roman" panose="02020603050405020304" pitchFamily="18" charset="0"/>
+              </a:rPr>
+              <a:t>Participants were </a:t>
+            </a:r>
+            <a:r>
+              <a:rPr lang="en-US" sz="1600" u="sng" dirty="0">
+                <a:latin typeface="Times New Roman" panose="02020603050405020304" pitchFamily="18" charset="0"/>
+                <a:cs typeface="Times New Roman" panose="02020603050405020304" pitchFamily="18" charset="0"/>
+              </a:rPr>
+              <a:t>randomized</a:t>
+            </a:r>
+            <a:r>
+              <a:rPr lang="en-US" sz="1600" dirty="0">
+                <a:latin typeface="Times New Roman" panose="02020603050405020304" pitchFamily="18" charset="0"/>
+                <a:cs typeface="Times New Roman" panose="02020603050405020304" pitchFamily="18" charset="0"/>
+              </a:rPr>
+              <a:t> into three treatment groups </a:t>
+            </a:r>
+            <a:r>
+              <a:rPr lang="en-US" sz="1600" dirty="0">
+                <a:latin typeface="Times New Roman" panose="02020603050405020304" pitchFamily="18" charset="0"/>
+                <a:ea typeface="+mn-lt"/>
+                <a:cs typeface="Times New Roman" panose="02020603050405020304" pitchFamily="18" charset="0"/>
+              </a:rPr>
+              <a:t>in a 1:1:1 ratio (Will only focus on two groups for this reproduction project)</a:t>
+            </a:r>
+            <a:r>
+              <a:rPr lang="en-US" sz="1600" dirty="0">
+                <a:latin typeface="Times New Roman" panose="02020603050405020304" pitchFamily="18" charset="0"/>
+                <a:cs typeface="Times New Roman" panose="02020603050405020304" pitchFamily="18" charset="0"/>
+              </a:rPr>
+              <a:t>: </a:t>
+            </a:r>
+            <a:endParaRPr lang="en-US" sz="1600" dirty="0">
+              <a:latin typeface="Times New Roman" panose="02020603050405020304" pitchFamily="18" charset="0"/>
+              <a:ea typeface="+mn-lt"/>
+              <a:cs typeface="Times New Roman" panose="02020603050405020304" pitchFamily="18" charset="0"/>
+            </a:endParaRPr>
+          </a:p>
+          <a:p>
+            <a:pPr marL="742950" lvl="1" indent="-285750">
+              <a:buFont typeface="Arial"/>
+              <a:buChar char="•"/>
+            </a:pPr>
+            <a:r>
+              <a:rPr lang="en-US" sz="1600" dirty="0" err="1">
+                <a:latin typeface="Times New Roman" panose="02020603050405020304" pitchFamily="18" charset="0"/>
+                <a:ea typeface="+mn-lt"/>
+                <a:cs typeface="Times New Roman" panose="02020603050405020304" pitchFamily="18" charset="0"/>
+              </a:rPr>
+              <a:t>Sertaline</a:t>
+            </a:r>
+            <a:r>
+              <a:rPr lang="en-US" sz="1600" dirty="0">
+                <a:latin typeface="Times New Roman" panose="02020603050405020304" pitchFamily="18" charset="0"/>
+                <a:ea typeface="+mn-lt"/>
+                <a:cs typeface="Times New Roman" panose="02020603050405020304" pitchFamily="18" charset="0"/>
+              </a:rPr>
+              <a:t> (</a:t>
+            </a:r>
+            <a:r>
+              <a:rPr lang="en-US" sz="1600" u="sng" dirty="0">
+                <a:latin typeface="Times New Roman" panose="02020603050405020304" pitchFamily="18" charset="0"/>
+                <a:ea typeface="+mn-lt"/>
+                <a:cs typeface="Times New Roman" panose="02020603050405020304" pitchFamily="18" charset="0"/>
+              </a:rPr>
+              <a:t>SSRI</a:t>
+            </a:r>
+            <a:r>
+              <a:rPr lang="en-US" sz="1600" dirty="0">
+                <a:latin typeface="Times New Roman" panose="02020603050405020304" pitchFamily="18" charset="0"/>
+                <a:ea typeface="+mn-lt"/>
+                <a:cs typeface="Times New Roman" panose="02020603050405020304" pitchFamily="18" charset="0"/>
+              </a:rPr>
+              <a:t>): Selective serotonin reuptake inhibitor.</a:t>
+            </a:r>
+          </a:p>
+          <a:p>
+            <a:pPr marL="1200150" lvl="2" indent="-285750">
+              <a:buFont typeface="Arial"/>
+              <a:buChar char="•"/>
+            </a:pPr>
+            <a:r>
+              <a:rPr lang="en-US" sz="1600" dirty="0">
+                <a:latin typeface="Times New Roman" panose="02020603050405020304" pitchFamily="18" charset="0"/>
+                <a:ea typeface="+mn-lt"/>
+                <a:cs typeface="Times New Roman" panose="02020603050405020304" pitchFamily="18" charset="0"/>
+              </a:rPr>
+              <a:t>N = 336 at baseline visit. </a:t>
+            </a:r>
+            <a:r>
+              <a:rPr lang="en-US" sz="1600" u="sng" dirty="0">
+                <a:latin typeface="Times New Roman" panose="02020603050405020304" pitchFamily="18" charset="0"/>
+                <a:ea typeface="+mn-lt"/>
+                <a:cs typeface="Times New Roman" panose="02020603050405020304" pitchFamily="18" charset="0"/>
+              </a:rPr>
+              <a:t>N = 251at timepoint 2</a:t>
+            </a:r>
+            <a:r>
+              <a:rPr lang="en-US" sz="1600" dirty="0">
+                <a:latin typeface="Times New Roman" panose="02020603050405020304" pitchFamily="18" charset="0"/>
+                <a:ea typeface="+mn-lt"/>
+                <a:cs typeface="Times New Roman" panose="02020603050405020304" pitchFamily="18" charset="0"/>
+              </a:rPr>
+              <a:t> (week-8 visit)</a:t>
+            </a:r>
+          </a:p>
+          <a:p>
+            <a:pPr marL="742950" lvl="1" indent="-285750">
+              <a:buFont typeface="Arial"/>
+              <a:buChar char="•"/>
+            </a:pPr>
+            <a:r>
+              <a:rPr lang="en-US" sz="1600" dirty="0">
+                <a:latin typeface="Times New Roman" panose="02020603050405020304" pitchFamily="18" charset="0"/>
+                <a:ea typeface="+mn-lt"/>
+                <a:cs typeface="Times New Roman" panose="02020603050405020304" pitchFamily="18" charset="0"/>
+              </a:rPr>
+              <a:t>Venlafaxine XR (</a:t>
+            </a:r>
+            <a:r>
+              <a:rPr lang="en-US" sz="1600" u="sng" dirty="0">
+                <a:latin typeface="Times New Roman" panose="02020603050405020304" pitchFamily="18" charset="0"/>
+                <a:ea typeface="+mn-lt"/>
+                <a:cs typeface="Times New Roman" panose="02020603050405020304" pitchFamily="18" charset="0"/>
+              </a:rPr>
+              <a:t>SNRI</a:t>
+            </a:r>
+            <a:r>
+              <a:rPr lang="en-US" sz="1600" dirty="0">
+                <a:latin typeface="Times New Roman" panose="02020603050405020304" pitchFamily="18" charset="0"/>
+                <a:ea typeface="+mn-lt"/>
+                <a:cs typeface="Times New Roman" panose="02020603050405020304" pitchFamily="18" charset="0"/>
+              </a:rPr>
+              <a:t>): Extended-Release Serotonin-norepinephrine reuptake inhibitor.</a:t>
+            </a:r>
+          </a:p>
+          <a:p>
+            <a:pPr marL="1200150" lvl="2" indent="-285750">
+              <a:buFont typeface="Arial"/>
+              <a:buChar char="•"/>
+            </a:pPr>
+            <a:r>
+              <a:rPr lang="en-US" sz="1600" dirty="0">
+                <a:latin typeface="Times New Roman" panose="02020603050405020304" pitchFamily="18" charset="0"/>
+                <a:ea typeface="+mn-lt"/>
+                <a:cs typeface="Times New Roman" panose="02020603050405020304" pitchFamily="18" charset="0"/>
+              </a:rPr>
+              <a:t>N = 336 at baseline visit. </a:t>
+            </a:r>
+            <a:r>
+              <a:rPr lang="en-US" sz="1600" u="sng" dirty="0">
+                <a:latin typeface="Times New Roman" panose="02020603050405020304" pitchFamily="18" charset="0"/>
+                <a:ea typeface="+mn-lt"/>
+                <a:cs typeface="Times New Roman" panose="02020603050405020304" pitchFamily="18" charset="0"/>
+              </a:rPr>
+              <a:t>N = 235 at timepoint 2 </a:t>
+            </a:r>
+            <a:r>
+              <a:rPr lang="en-US" sz="1600" dirty="0">
+                <a:latin typeface="Times New Roman" panose="02020603050405020304" pitchFamily="18" charset="0"/>
+                <a:ea typeface="+mn-lt"/>
+                <a:cs typeface="Times New Roman" panose="02020603050405020304" pitchFamily="18" charset="0"/>
+              </a:rPr>
+              <a:t>(week-8 visit)</a:t>
             </a:r>
           </a:p>
         </p:txBody>
@@ -7295,770 +8580,14 @@
   <p:clrMapOvr>
     <a:masterClrMapping/>
   </p:clrMapOvr>
-</p:sld>
-</file>
-
-<file path=ppt/slides/slide3.xml><?xml version="1.0" encoding="utf-8"?>
-<p:sld xmlns:a="http://schemas.openxmlformats.org/drawingml/2006/main" xmlns:r="http://schemas.openxmlformats.org/officeDocument/2006/relationships" xmlns:p="http://schemas.openxmlformats.org/presentationml/2006/main">
-  <p:cSld>
-    <p:spTree>
-      <p:nvGrpSpPr>
-        <p:cNvPr id="1" name=""/>
-        <p:cNvGrpSpPr/>
-        <p:nvPr/>
-      </p:nvGrpSpPr>
-      <p:grpSpPr>
-        <a:xfrm>
-          <a:off x="0" y="0"/>
-          <a:ext cx="0" cy="0"/>
-          <a:chOff x="0" y="0"/>
-          <a:chExt cx="0" cy="0"/>
-        </a:xfrm>
-      </p:grpSpPr>
-      <p:pic>
-        <p:nvPicPr>
-          <p:cNvPr id="7" name="Picture 3" descr="Grunge Background Free Stock Photo - Public Domain Pictures">
-            <a:extLst>
-              <a:ext uri="{FF2B5EF4-FFF2-40B4-BE49-F238E27FC236}">
-                <a16:creationId xmlns:a16="http://schemas.microsoft.com/office/drawing/2014/main" id="{F7CD85B8-094D-1D64-E63C-AB624435E8A0}"/>
-              </a:ext>
-            </a:extLst>
-          </p:cNvPr>
-          <p:cNvPicPr>
-            <a:picLocks noChangeAspect="1"/>
-          </p:cNvPicPr>
-          <p:nvPr/>
-        </p:nvPicPr>
-        <p:blipFill>
-          <a:blip r:embed="rId3"/>
-          <a:stretch>
-            <a:fillRect/>
-          </a:stretch>
-        </p:blipFill>
-        <p:spPr>
-          <a:xfrm>
-            <a:off x="0" y="0"/>
-            <a:ext cx="12211334" cy="6844350"/>
-          </a:xfrm>
-          <a:prstGeom prst="rect">
-            <a:avLst/>
-          </a:prstGeom>
-        </p:spPr>
-      </p:pic>
-      <p:sp>
-        <p:nvSpPr>
-          <p:cNvPr id="2" name="Title 1">
-            <a:extLst>
-              <a:ext uri="{FF2B5EF4-FFF2-40B4-BE49-F238E27FC236}">
-                <a16:creationId xmlns:a16="http://schemas.microsoft.com/office/drawing/2014/main" id="{019BC587-43F7-2D23-8ABC-7BE1EE8DDF51}"/>
-              </a:ext>
-            </a:extLst>
-          </p:cNvPr>
-          <p:cNvSpPr>
-            <a:spLocks noGrp="1"/>
-          </p:cNvSpPr>
-          <p:nvPr>
-            <p:ph type="title"/>
-          </p:nvPr>
-        </p:nvSpPr>
-        <p:spPr>
-          <a:xfrm>
-            <a:off x="5095576" y="156519"/>
-            <a:ext cx="3059884" cy="687859"/>
-          </a:xfrm>
-        </p:spPr>
-        <p:txBody>
-          <a:bodyPr>
-            <a:normAutofit fontScale="90000"/>
-          </a:bodyPr>
-          <a:lstStyle/>
-          <a:p>
-            <a:r>
-              <a:rPr lang="en-US" sz="3100" dirty="0">
-                <a:solidFill>
-                  <a:schemeClr val="tx1"/>
-                </a:solidFill>
-              </a:rPr>
-              <a:t>Methods</a:t>
-            </a:r>
-            <a:br>
-              <a:rPr lang="en-US" sz="3200" dirty="0"/>
-            </a:br>
-            <a:endParaRPr lang="en-US" dirty="0"/>
-          </a:p>
-        </p:txBody>
-      </p:sp>
-      <p:sp>
-        <p:nvSpPr>
-          <p:cNvPr id="4" name="Content Placeholder 3">
-            <a:extLst>
-              <a:ext uri="{FF2B5EF4-FFF2-40B4-BE49-F238E27FC236}">
-                <a16:creationId xmlns:a16="http://schemas.microsoft.com/office/drawing/2014/main" id="{97857A12-CE21-6D55-DE80-5A594AFDF1CC}"/>
-              </a:ext>
-            </a:extLst>
-          </p:cNvPr>
-          <p:cNvSpPr txBox="1">
-            <a:spLocks noGrp="1"/>
-          </p:cNvSpPr>
-          <p:nvPr>
-            <p:ph idx="1"/>
-          </p:nvPr>
-        </p:nvSpPr>
-        <p:spPr>
-          <a:xfrm>
-            <a:off x="0" y="517512"/>
-            <a:ext cx="12032672" cy="7974491"/>
-          </a:xfrm>
-          <a:prstGeom prst="rect">
-            <a:avLst/>
-          </a:prstGeom>
-          <a:noFill/>
-        </p:spPr>
-        <p:txBody>
-          <a:bodyPr rot="0" spcFirstLastPara="0" vertOverflow="overflow" horzOverflow="overflow" vert="horz" wrap="square" lIns="91440" tIns="45720" rIns="91440" bIns="45720" numCol="1" spcCol="0" rtlCol="0" fromWordArt="0" anchor="t" anchorCtr="0" forceAA="0" compatLnSpc="1">
-            <a:prstTxWarp prst="textNoShape">
-              <a:avLst/>
-            </a:prstTxWarp>
-            <a:spAutoFit/>
-          </a:bodyPr>
-          <a:lstStyle/>
-          <a:p>
-            <a:pPr marL="0" indent="0">
-              <a:buNone/>
-            </a:pPr>
-            <a:endParaRPr lang="en-US" dirty="0"/>
-          </a:p>
-          <a:p>
-            <a:pPr marL="285750" indent="-285750">
-              <a:buFont typeface="Arial"/>
-              <a:buChar char="•"/>
-            </a:pPr>
-            <a:r>
-              <a:rPr lang="en-US" dirty="0"/>
-              <a:t>Participants were </a:t>
-            </a:r>
-            <a:r>
-              <a:rPr lang="en-US" u="sng" dirty="0"/>
-              <a:t>randomized</a:t>
-            </a:r>
-            <a:r>
-              <a:rPr lang="en-US" dirty="0"/>
-              <a:t> into three treatment groups </a:t>
-            </a:r>
-            <a:r>
-              <a:rPr lang="en-US" dirty="0">
-                <a:ea typeface="+mn-lt"/>
-                <a:cs typeface="+mn-lt"/>
-              </a:rPr>
-              <a:t>in a 1:1:1 ratio (Will only focus on two groups for this project)</a:t>
-            </a:r>
-            <a:r>
-              <a:rPr lang="en-US" dirty="0"/>
-              <a:t>: </a:t>
-            </a:r>
-            <a:endParaRPr lang="en-US" dirty="0">
-              <a:ea typeface="+mn-lt"/>
-              <a:cs typeface="+mn-lt"/>
-            </a:endParaRPr>
-          </a:p>
-          <a:p>
-            <a:pPr marL="742950" lvl="1" indent="-285750">
-              <a:buFont typeface="Arial"/>
-              <a:buChar char="•"/>
-            </a:pPr>
-            <a:r>
-              <a:rPr lang="en-US" sz="2000" dirty="0" err="1">
-                <a:ea typeface="+mn-lt"/>
-                <a:cs typeface="+mn-lt"/>
-              </a:rPr>
-              <a:t>Sertaline</a:t>
-            </a:r>
-            <a:r>
-              <a:rPr lang="en-US" sz="2000" dirty="0">
-                <a:ea typeface="+mn-lt"/>
-                <a:cs typeface="+mn-lt"/>
-              </a:rPr>
-              <a:t> (</a:t>
-            </a:r>
-            <a:r>
-              <a:rPr lang="en-US" sz="2000" u="sng" dirty="0">
-                <a:ea typeface="+mn-lt"/>
-                <a:cs typeface="+mn-lt"/>
-              </a:rPr>
-              <a:t>SSRI</a:t>
-            </a:r>
-            <a:r>
-              <a:rPr lang="en-US" sz="2000" dirty="0">
-                <a:ea typeface="+mn-lt"/>
-                <a:cs typeface="+mn-lt"/>
-              </a:rPr>
-              <a:t>):</a:t>
-            </a:r>
-            <a:r>
-              <a:rPr lang="en-US" sz="2000" b="1" dirty="0">
-                <a:ea typeface="+mn-lt"/>
-                <a:cs typeface="+mn-lt"/>
-              </a:rPr>
-              <a:t> </a:t>
-            </a:r>
-            <a:r>
-              <a:rPr lang="en-US" sz="2000" dirty="0">
-                <a:ea typeface="+mn-lt"/>
-                <a:cs typeface="+mn-lt"/>
-              </a:rPr>
-              <a:t>Selective serotonin reuptake inhibitor.  </a:t>
-            </a:r>
-          </a:p>
-          <a:p>
-            <a:pPr lvl="2"/>
-            <a:r>
-              <a:rPr lang="en-US" sz="2000" dirty="0">
-                <a:ea typeface="+mn-lt"/>
-                <a:cs typeface="+mn-lt"/>
-              </a:rPr>
-              <a:t>N = 336 AT BASELINE VISIT. N = 251 AT TIMEPOINT 2 (week-8 visit)</a:t>
-            </a:r>
-          </a:p>
-          <a:p>
-            <a:pPr marL="742950" lvl="1" indent="-285750">
-              <a:buFont typeface="Arial"/>
-              <a:buChar char="•"/>
-            </a:pPr>
-            <a:r>
-              <a:rPr lang="en-US" sz="2000" dirty="0">
-                <a:ea typeface="+mn-lt"/>
-                <a:cs typeface="+mn-lt"/>
-              </a:rPr>
-              <a:t>Venlafaxine XR (</a:t>
-            </a:r>
-            <a:r>
-              <a:rPr lang="en-US" sz="2000" u="sng" dirty="0">
-                <a:ea typeface="+mn-lt"/>
-                <a:cs typeface="+mn-lt"/>
-              </a:rPr>
-              <a:t>SNRI</a:t>
-            </a:r>
-            <a:r>
-              <a:rPr lang="en-US" sz="2000" dirty="0">
-                <a:ea typeface="+mn-lt"/>
-                <a:cs typeface="+mn-lt"/>
-              </a:rPr>
-              <a:t>):</a:t>
-            </a:r>
-            <a:r>
-              <a:rPr lang="en-US" sz="2000" b="1" dirty="0">
-                <a:ea typeface="+mn-lt"/>
-                <a:cs typeface="+mn-lt"/>
-              </a:rPr>
-              <a:t> </a:t>
-            </a:r>
-            <a:r>
-              <a:rPr lang="en-US" sz="2000" dirty="0">
-                <a:ea typeface="+mn-lt"/>
-                <a:cs typeface="+mn-lt"/>
-              </a:rPr>
-              <a:t>Extended-Release Serotonin-norepinephrine reuptake inhibitor.  </a:t>
-            </a:r>
-          </a:p>
-          <a:p>
-            <a:pPr lvl="2"/>
-            <a:r>
-              <a:rPr lang="en-US" sz="2000" dirty="0">
-                <a:ea typeface="+mn-lt"/>
-                <a:cs typeface="+mn-lt"/>
-              </a:rPr>
-              <a:t>N = 336 at baseline visit. N = 235</a:t>
-            </a:r>
-            <a:endParaRPr lang="en-US" sz="2000" b="1" dirty="0">
-              <a:ea typeface="+mn-lt"/>
-              <a:cs typeface="+mn-lt"/>
-            </a:endParaRPr>
-          </a:p>
-          <a:p>
-            <a:pPr marL="742950" lvl="1" indent="-285750">
-              <a:buFont typeface="Arial"/>
-              <a:buChar char="•"/>
-            </a:pPr>
-            <a:endParaRPr lang="en-US" dirty="0">
-              <a:ea typeface="+mn-lt"/>
-              <a:cs typeface="+mn-lt"/>
-            </a:endParaRPr>
-          </a:p>
-          <a:p>
-            <a:pPr marL="285750" indent="-285750">
-              <a:buFont typeface="Arial"/>
-              <a:buChar char="•"/>
-            </a:pPr>
-            <a:r>
-              <a:rPr lang="en-US" dirty="0">
-                <a:ea typeface="+mn-lt"/>
-                <a:cs typeface="+mn-lt"/>
-              </a:rPr>
-              <a:t>Resting-state eyes closed and eyes opened on a 26-channel saline EEG (</a:t>
-            </a:r>
-            <a:r>
-              <a:rPr lang="en-US" dirty="0" err="1">
-                <a:ea typeface="+mn-lt"/>
-                <a:cs typeface="+mn-lt"/>
-              </a:rPr>
-              <a:t>Quikcap</a:t>
-            </a:r>
-            <a:r>
-              <a:rPr lang="en-US" dirty="0">
-                <a:ea typeface="+mn-lt"/>
-                <a:cs typeface="+mn-lt"/>
-              </a:rPr>
-              <a:t>; </a:t>
-            </a:r>
-            <a:r>
-              <a:rPr lang="en-US" dirty="0" err="1">
-                <a:ea typeface="+mn-lt"/>
-                <a:cs typeface="+mn-lt"/>
-              </a:rPr>
-              <a:t>NuAmps</a:t>
-            </a:r>
-            <a:r>
-              <a:rPr lang="en-US" dirty="0">
-                <a:ea typeface="+mn-lt"/>
-                <a:cs typeface="+mn-lt"/>
-              </a:rPr>
-              <a:t>) and obtained Hamilton Rating Scale Scores for Depression (HRSD17) at </a:t>
-            </a:r>
-            <a:r>
-              <a:rPr lang="en-US" u="sng" dirty="0">
-                <a:ea typeface="+mn-lt"/>
-                <a:cs typeface="+mn-lt"/>
-              </a:rPr>
-              <a:t>two-time points</a:t>
-            </a:r>
-            <a:r>
-              <a:rPr lang="en-US" dirty="0">
-                <a:ea typeface="+mn-lt"/>
-                <a:cs typeface="+mn-lt"/>
-              </a:rPr>
-              <a:t> (baseline and week-8 visit).  The HRSD17 was obtained by trained clinicians who have passed inter-rater </a:t>
-            </a:r>
-            <a:r>
-              <a:rPr lang="en-US" u="sng" dirty="0">
-                <a:ea typeface="+mn-lt"/>
-                <a:cs typeface="+mn-lt"/>
-              </a:rPr>
-              <a:t>reliability</a:t>
-            </a:r>
-            <a:r>
-              <a:rPr lang="en-US" dirty="0">
-                <a:ea typeface="+mn-lt"/>
-                <a:cs typeface="+mn-lt"/>
-              </a:rPr>
-              <a:t> training. </a:t>
-            </a:r>
-          </a:p>
-          <a:p>
-            <a:pPr marL="285750" indent="-285750">
-              <a:buFont typeface="Arial"/>
-              <a:buChar char="•"/>
-            </a:pPr>
-            <a:endParaRPr lang="en-US" dirty="0">
-              <a:ea typeface="+mn-lt"/>
-              <a:cs typeface="+mn-lt"/>
-            </a:endParaRPr>
-          </a:p>
-          <a:p>
-            <a:pPr marL="285750" indent="-285750">
-              <a:buFont typeface="Arial"/>
-              <a:buChar char="•"/>
-            </a:pPr>
-            <a:r>
-              <a:rPr lang="en-US" dirty="0">
-                <a:ea typeface="+mn-lt"/>
-                <a:cs typeface="+mn-lt"/>
-              </a:rPr>
-              <a:t>Source localization of theta wave density with </a:t>
-            </a:r>
-            <a:r>
-              <a:rPr lang="en-US" dirty="0" err="1">
-                <a:ea typeface="+mn-lt"/>
-                <a:cs typeface="+mn-lt"/>
-              </a:rPr>
-              <a:t>eLORETA</a:t>
-            </a:r>
-            <a:r>
-              <a:rPr lang="en-US" dirty="0">
-                <a:ea typeface="+mn-lt"/>
-                <a:cs typeface="+mn-lt"/>
-              </a:rPr>
-              <a:t> software at the </a:t>
-            </a:r>
-            <a:r>
-              <a:rPr lang="en-US" dirty="0" err="1">
-                <a:ea typeface="+mn-lt"/>
-                <a:cs typeface="+mn-lt"/>
-              </a:rPr>
-              <a:t>rACC</a:t>
-            </a:r>
-            <a:r>
-              <a:rPr lang="en-US" dirty="0">
-                <a:ea typeface="+mn-lt"/>
-                <a:cs typeface="+mn-lt"/>
-              </a:rPr>
-              <a:t>. </a:t>
-            </a:r>
-            <a:r>
-              <a:rPr lang="en-US" dirty="0" err="1">
-                <a:ea typeface="+mn-lt"/>
-                <a:cs typeface="+mn-lt"/>
-              </a:rPr>
-              <a:t>eLORETA</a:t>
-            </a:r>
-            <a:r>
-              <a:rPr lang="en-US" dirty="0">
-                <a:ea typeface="+mn-lt"/>
-                <a:cs typeface="+mn-lt"/>
-              </a:rPr>
-              <a:t> was tested under multiple computer-controlled conditions and with human EEG recordings under diverse stimulations conditions to </a:t>
-            </a:r>
-            <a:r>
-              <a:rPr lang="en-US" u="sng" dirty="0">
-                <a:ea typeface="+mn-lt"/>
-                <a:cs typeface="+mn-lt"/>
-              </a:rPr>
-              <a:t>validate</a:t>
-            </a:r>
-            <a:r>
-              <a:rPr lang="en-US" dirty="0">
-                <a:ea typeface="+mn-lt"/>
-                <a:cs typeface="+mn-lt"/>
-              </a:rPr>
-              <a:t> its source localization method (Pascual et al, 2011).</a:t>
-            </a:r>
-          </a:p>
-          <a:p>
-            <a:endParaRPr lang="en-US" dirty="0">
-              <a:ea typeface="+mn-lt"/>
-              <a:cs typeface="+mn-lt"/>
-            </a:endParaRPr>
-          </a:p>
-          <a:p>
-            <a:pPr marL="285750" indent="-285750">
-              <a:buFont typeface="Arial"/>
-              <a:buChar char="•"/>
-            </a:pPr>
-            <a:endParaRPr lang="en-US" dirty="0"/>
-          </a:p>
-          <a:p>
-            <a:pPr marL="742950" lvl="1" indent="-285750">
-              <a:buFont typeface="Arial"/>
-              <a:buChar char="•"/>
-            </a:pPr>
-            <a:endParaRPr lang="en-US" dirty="0"/>
-          </a:p>
-          <a:p>
-            <a:endParaRPr lang="en-US" dirty="0"/>
-          </a:p>
-        </p:txBody>
-      </p:sp>
-    </p:spTree>
-    <p:extLst>
-      <p:ext uri="{BB962C8B-B14F-4D97-AF65-F5344CB8AC3E}">
-        <p14:creationId xmlns:p14="http://schemas.microsoft.com/office/powerpoint/2010/main" val="885732996"/>
-      </p:ext>
-    </p:extLst>
-  </p:cSld>
-  <p:clrMapOvr>
-    <a:masterClrMapping/>
-  </p:clrMapOvr>
-</p:sld>
-</file>
-
-<file path=ppt/slides/slide4.xml><?xml version="1.0" encoding="utf-8"?>
-<p:sld xmlns:a="http://schemas.openxmlformats.org/drawingml/2006/main" xmlns:r="http://schemas.openxmlformats.org/officeDocument/2006/relationships" xmlns:p="http://schemas.openxmlformats.org/presentationml/2006/main">
-  <p:cSld>
-    <p:spTree>
-      <p:nvGrpSpPr>
-        <p:cNvPr id="1" name=""/>
-        <p:cNvGrpSpPr/>
-        <p:nvPr/>
-      </p:nvGrpSpPr>
-      <p:grpSpPr>
-        <a:xfrm>
-          <a:off x="0" y="0"/>
-          <a:ext cx="0" cy="0"/>
-          <a:chOff x="0" y="0"/>
-          <a:chExt cx="0" cy="0"/>
-        </a:xfrm>
-      </p:grpSpPr>
-      <p:pic>
-        <p:nvPicPr>
-          <p:cNvPr id="5" name="Picture 3" descr="Grunge Background Free Stock Photo - Public Domain Pictures">
-            <a:extLst>
-              <a:ext uri="{FF2B5EF4-FFF2-40B4-BE49-F238E27FC236}">
-                <a16:creationId xmlns:a16="http://schemas.microsoft.com/office/drawing/2014/main" id="{53ADCB85-A5EA-B8D1-C25C-504153365151}"/>
-              </a:ext>
-            </a:extLst>
-          </p:cNvPr>
-          <p:cNvPicPr>
-            <a:picLocks noChangeAspect="1"/>
-          </p:cNvPicPr>
-          <p:nvPr/>
-        </p:nvPicPr>
-        <p:blipFill>
-          <a:blip r:embed="rId2"/>
-          <a:stretch>
-            <a:fillRect/>
-          </a:stretch>
-        </p:blipFill>
-        <p:spPr>
-          <a:xfrm>
-            <a:off x="0" y="13650"/>
-            <a:ext cx="12211334" cy="6844350"/>
-          </a:xfrm>
-          <a:prstGeom prst="rect">
-            <a:avLst/>
-          </a:prstGeom>
-        </p:spPr>
-      </p:pic>
-      <p:sp>
-        <p:nvSpPr>
-          <p:cNvPr id="2" name="TextBox 1">
-            <a:extLst>
-              <a:ext uri="{FF2B5EF4-FFF2-40B4-BE49-F238E27FC236}">
-                <a16:creationId xmlns:a16="http://schemas.microsoft.com/office/drawing/2014/main" id="{8B0C8475-EC27-C867-4396-D3EC5957DDD3}"/>
-              </a:ext>
-            </a:extLst>
-          </p:cNvPr>
-          <p:cNvSpPr txBox="1"/>
-          <p:nvPr/>
-        </p:nvSpPr>
-        <p:spPr>
-          <a:xfrm>
-            <a:off x="3147464" y="143490"/>
-            <a:ext cx="6783961" cy="523220"/>
-          </a:xfrm>
-          <a:prstGeom prst="rect">
-            <a:avLst/>
-          </a:prstGeom>
-          <a:noFill/>
-        </p:spPr>
-        <p:txBody>
-          <a:bodyPr rot="0" spcFirstLastPara="0" vert="horz" wrap="square" lIns="91440" tIns="45720" rIns="91440" bIns="45720" numCol="1" spcCol="0" rtlCol="0" fromWordArt="0" anchor="t" anchorCtr="0" forceAA="0" compatLnSpc="1">
-            <a:prstTxWarp prst="textNoShape">
-              <a:avLst/>
-            </a:prstTxWarp>
-            <a:spAutoFit/>
-          </a:bodyPr>
-          <a:lstStyle>
-            <a:defPPr>
-              <a:defRPr lang="en-US"/>
-            </a:defPPr>
-            <a:lvl1pPr marL="0" algn="l" defTabSz="914400" rtl="0" eaLnBrk="1" latinLnBrk="0" hangingPunct="1">
-              <a:defRPr sz="1800" kern="1200">
-                <a:solidFill>
-                  <a:schemeClr val="tx1"/>
-                </a:solidFill>
-                <a:latin typeface="+mn-lt"/>
-                <a:ea typeface="+mn-ea"/>
-                <a:cs typeface="+mn-cs"/>
-              </a:defRPr>
-            </a:lvl1pPr>
-            <a:lvl2pPr marL="457200" algn="l" defTabSz="914400" rtl="0" eaLnBrk="1" latinLnBrk="0" hangingPunct="1">
-              <a:defRPr sz="1800" kern="1200">
-                <a:solidFill>
-                  <a:schemeClr val="tx1"/>
-                </a:solidFill>
-                <a:latin typeface="+mn-lt"/>
-                <a:ea typeface="+mn-ea"/>
-                <a:cs typeface="+mn-cs"/>
-              </a:defRPr>
-            </a:lvl2pPr>
-            <a:lvl3pPr marL="914400" algn="l" defTabSz="914400" rtl="0" eaLnBrk="1" latinLnBrk="0" hangingPunct="1">
-              <a:defRPr sz="1800" kern="1200">
-                <a:solidFill>
-                  <a:schemeClr val="tx1"/>
-                </a:solidFill>
-                <a:latin typeface="+mn-lt"/>
-                <a:ea typeface="+mn-ea"/>
-                <a:cs typeface="+mn-cs"/>
-              </a:defRPr>
-            </a:lvl3pPr>
-            <a:lvl4pPr marL="1371600" algn="l" defTabSz="914400" rtl="0" eaLnBrk="1" latinLnBrk="0" hangingPunct="1">
-              <a:defRPr sz="1800" kern="1200">
-                <a:solidFill>
-                  <a:schemeClr val="tx1"/>
-                </a:solidFill>
-                <a:latin typeface="+mn-lt"/>
-                <a:ea typeface="+mn-ea"/>
-                <a:cs typeface="+mn-cs"/>
-              </a:defRPr>
-            </a:lvl4pPr>
-            <a:lvl5pPr marL="1828800" algn="l" defTabSz="914400" rtl="0" eaLnBrk="1" latinLnBrk="0" hangingPunct="1">
-              <a:defRPr sz="1800" kern="1200">
-                <a:solidFill>
-                  <a:schemeClr val="tx1"/>
-                </a:solidFill>
-                <a:latin typeface="+mn-lt"/>
-                <a:ea typeface="+mn-ea"/>
-                <a:cs typeface="+mn-cs"/>
-              </a:defRPr>
-            </a:lvl5pPr>
-            <a:lvl6pPr marL="2286000" algn="l" defTabSz="914400" rtl="0" eaLnBrk="1" latinLnBrk="0" hangingPunct="1">
-              <a:defRPr sz="1800" kern="1200">
-                <a:solidFill>
-                  <a:schemeClr val="tx1"/>
-                </a:solidFill>
-                <a:latin typeface="+mn-lt"/>
-                <a:ea typeface="+mn-ea"/>
-                <a:cs typeface="+mn-cs"/>
-              </a:defRPr>
-            </a:lvl6pPr>
-            <a:lvl7pPr marL="2743200" algn="l" defTabSz="914400" rtl="0" eaLnBrk="1" latinLnBrk="0" hangingPunct="1">
-              <a:defRPr sz="1800" kern="1200">
-                <a:solidFill>
-                  <a:schemeClr val="tx1"/>
-                </a:solidFill>
-                <a:latin typeface="+mn-lt"/>
-                <a:ea typeface="+mn-ea"/>
-                <a:cs typeface="+mn-cs"/>
-              </a:defRPr>
-            </a:lvl7pPr>
-            <a:lvl8pPr marL="3200400" algn="l" defTabSz="914400" rtl="0" eaLnBrk="1" latinLnBrk="0" hangingPunct="1">
-              <a:defRPr sz="1800" kern="1200">
-                <a:solidFill>
-                  <a:schemeClr val="tx1"/>
-                </a:solidFill>
-                <a:latin typeface="+mn-lt"/>
-                <a:ea typeface="+mn-ea"/>
-                <a:cs typeface="+mn-cs"/>
-              </a:defRPr>
-            </a:lvl8pPr>
-            <a:lvl9pPr marL="3657600" algn="l" defTabSz="914400" rtl="0" eaLnBrk="1" latinLnBrk="0" hangingPunct="1">
-              <a:defRPr sz="1800" kern="1200">
-                <a:solidFill>
-                  <a:schemeClr val="tx1"/>
-                </a:solidFill>
-                <a:latin typeface="+mn-lt"/>
-                <a:ea typeface="+mn-ea"/>
-                <a:cs typeface="+mn-cs"/>
-              </a:defRPr>
-            </a:lvl9pPr>
-          </a:lstStyle>
-          <a:p>
-            <a:r>
-              <a:rPr lang="en-US" sz="2800" dirty="0">
-                <a:latin typeface="+mj-lt"/>
-              </a:rPr>
-              <a:t>Results and Key Analysis of Interest</a:t>
-            </a:r>
-            <a:r>
-              <a:rPr lang="en-US" sz="2800" b="1" dirty="0">
-                <a:latin typeface="+mj-lt"/>
-              </a:rPr>
-              <a:t> </a:t>
-            </a:r>
-          </a:p>
-        </p:txBody>
-      </p:sp>
-      <p:sp>
-        <p:nvSpPr>
-          <p:cNvPr id="4" name="TextBox 3">
-            <a:extLst>
-              <a:ext uri="{FF2B5EF4-FFF2-40B4-BE49-F238E27FC236}">
-                <a16:creationId xmlns:a16="http://schemas.microsoft.com/office/drawing/2014/main" id="{C9BF4FAB-C559-DEDC-991A-D46C1D5A4478}"/>
-              </a:ext>
-            </a:extLst>
-          </p:cNvPr>
-          <p:cNvSpPr txBox="1"/>
-          <p:nvPr/>
-        </p:nvSpPr>
-        <p:spPr>
-          <a:xfrm>
-            <a:off x="500743" y="1023257"/>
-            <a:ext cx="11386457" cy="1600438"/>
-          </a:xfrm>
-          <a:prstGeom prst="rect">
-            <a:avLst/>
-          </a:prstGeom>
-          <a:noFill/>
-        </p:spPr>
-        <p:txBody>
-          <a:bodyPr wrap="square" rtlCol="0">
-            <a:spAutoFit/>
-          </a:bodyPr>
-          <a:lstStyle/>
-          <a:p>
-            <a:r>
-              <a:rPr lang="en-US" sz="1400" b="0" i="0" dirty="0">
-                <a:effectLst/>
-              </a:rPr>
-              <a:t>The primary research outcome is treatment response, defined as a ≥50% decrease from the baseline HRSD</a:t>
-            </a:r>
-            <a:r>
-              <a:rPr lang="en-US" sz="1400" b="0" i="0" baseline="-25000" dirty="0">
-                <a:effectLst/>
-              </a:rPr>
-              <a:t>17</a:t>
-            </a:r>
-            <a:r>
-              <a:rPr lang="en-US" sz="1400" b="0" i="0" dirty="0">
-                <a:effectLst/>
-              </a:rPr>
-              <a:t>. Secondary outcomes include remission, defined as a score of ≤7 on the HRSD</a:t>
-            </a:r>
-            <a:r>
-              <a:rPr lang="en-US" sz="1400" b="0" i="0" baseline="-25000" dirty="0">
-                <a:effectLst/>
-              </a:rPr>
-              <a:t>17</a:t>
-            </a:r>
-            <a:r>
-              <a:rPr lang="en-US" sz="1400" b="0" i="0" dirty="0">
-                <a:effectLst/>
-              </a:rPr>
-              <a:t>.</a:t>
-            </a:r>
-          </a:p>
-          <a:p>
-            <a:endParaRPr lang="en-US" sz="1400" dirty="0"/>
-          </a:p>
-          <a:p>
-            <a:r>
-              <a:rPr lang="en-US" sz="1400" b="0" i="0" dirty="0">
-                <a:effectLst/>
-              </a:rPr>
-              <a:t>Regression models will be used to assess the predictive effect of each characteristic on outcome.</a:t>
-            </a:r>
-          </a:p>
-          <a:p>
-            <a:endParaRPr lang="en-US" sz="1400" dirty="0"/>
-          </a:p>
-          <a:p>
-            <a:r>
-              <a:rPr lang="en-US" sz="1400" dirty="0"/>
-              <a:t>Remitters vs. non-remitters</a:t>
-            </a:r>
-          </a:p>
-          <a:p>
-            <a:r>
-              <a:rPr lang="en-US" sz="1400" dirty="0"/>
-              <a:t>Responders vs. </a:t>
-            </a:r>
-            <a:r>
-              <a:rPr lang="en-US" sz="1400"/>
-              <a:t>non-responders.</a:t>
-            </a:r>
-            <a:endParaRPr lang="en-US" sz="1400" dirty="0"/>
-          </a:p>
-        </p:txBody>
-      </p:sp>
-    </p:spTree>
-    <p:extLst>
-      <p:ext uri="{BB962C8B-B14F-4D97-AF65-F5344CB8AC3E}">
-        <p14:creationId xmlns:p14="http://schemas.microsoft.com/office/powerpoint/2010/main" val="271879793"/>
-      </p:ext>
-    </p:extLst>
-  </p:cSld>
-  <p:clrMapOvr>
-    <a:masterClrMapping/>
-  </p:clrMapOvr>
+  <mc:AlternateContent xmlns:mc="http://schemas.openxmlformats.org/markup-compatibility/2006" xmlns:p14="http://schemas.microsoft.com/office/powerpoint/2010/main">
+    <mc:Choice Requires="p14">
+      <p:transition spd="slow" p14:dur="2000" advTm="39482"/>
+    </mc:Choice>
+    <mc:Fallback xmlns="">
+      <p:transition spd="slow" advTm="39482"/>
+    </mc:Fallback>
+  </mc:AlternateContent>
 </p:sld>
 </file>
 
@@ -8101,7 +8630,7 @@
         </p:blipFill>
         <p:spPr>
           <a:xfrm>
-            <a:off x="-728" y="13331"/>
+            <a:off x="0" y="13650"/>
             <a:ext cx="12211334" cy="6844350"/>
           </a:xfrm>
           <a:prstGeom prst="rect">
@@ -8123,7 +8652,7 @@
         </p:nvSpPr>
         <p:spPr>
           <a:xfrm>
-            <a:off x="3810000" y="231463"/>
+            <a:off x="4633483" y="0"/>
             <a:ext cx="4572000" cy="523220"/>
           </a:xfrm>
           <a:prstGeom prst="rect">
@@ -8142,7 +8671,192 @@
           <a:p>
             <a:r>
               <a:rPr lang="en-US" sz="2800" dirty="0"/>
-              <a:t>Analytic Pipeline Progress </a:t>
+              <a:t>Analytic Pipeline  </a:t>
+            </a:r>
+          </a:p>
+        </p:txBody>
+      </p:sp>
+      <p:pic>
+        <p:nvPicPr>
+          <p:cNvPr id="4" name="Picture 3">
+            <a:extLst>
+              <a:ext uri="{FF2B5EF4-FFF2-40B4-BE49-F238E27FC236}">
+                <a16:creationId xmlns:a16="http://schemas.microsoft.com/office/drawing/2014/main" id="{FF2AAEAE-1F7B-636F-859E-C1E80F96174E}"/>
+              </a:ext>
+            </a:extLst>
+          </p:cNvPr>
+          <p:cNvPicPr>
+            <a:picLocks noChangeAspect="1"/>
+          </p:cNvPicPr>
+          <p:nvPr/>
+        </p:nvPicPr>
+        <p:blipFill>
+          <a:blip r:embed="rId3">
+            <a:extLst>
+              <a:ext uri="{28A0092B-C50C-407E-A947-70E740481C1C}">
+                <a14:useLocalDpi xmlns:a14="http://schemas.microsoft.com/office/drawing/2010/main" val="0"/>
+              </a:ext>
+            </a:extLst>
+          </a:blip>
+          <a:stretch>
+            <a:fillRect/>
+          </a:stretch>
+        </p:blipFill>
+        <p:spPr>
+          <a:xfrm>
+            <a:off x="235974" y="608804"/>
+            <a:ext cx="4881715" cy="5654041"/>
+          </a:xfrm>
+          <a:prstGeom prst="rect">
+            <a:avLst/>
+          </a:prstGeom>
+        </p:spPr>
+      </p:pic>
+      <p:sp>
+        <p:nvSpPr>
+          <p:cNvPr id="6" name="TextBox 5">
+            <a:extLst>
+              <a:ext uri="{FF2B5EF4-FFF2-40B4-BE49-F238E27FC236}">
+                <a16:creationId xmlns:a16="http://schemas.microsoft.com/office/drawing/2014/main" id="{0A037583-5359-878B-CC59-DBB441FA28EE}"/>
+              </a:ext>
+            </a:extLst>
+          </p:cNvPr>
+          <p:cNvSpPr txBox="1"/>
+          <p:nvPr/>
+        </p:nvSpPr>
+        <p:spPr>
+          <a:xfrm>
+            <a:off x="235974" y="6262845"/>
+            <a:ext cx="4881715" cy="461665"/>
+          </a:xfrm>
+          <a:prstGeom prst="rect">
+            <a:avLst/>
+          </a:prstGeom>
+          <a:noFill/>
+        </p:spPr>
+        <p:txBody>
+          <a:bodyPr rot="0" spcFirstLastPara="0" vertOverflow="overflow" horzOverflow="overflow" vert="horz" wrap="square" lIns="91440" tIns="45720" rIns="91440" bIns="45720" numCol="1" spcCol="0" rtlCol="0" fromWordArt="0" anchor="t" anchorCtr="0" forceAA="0" compatLnSpc="1">
+            <a:prstTxWarp prst="textNoShape">
+              <a:avLst/>
+            </a:prstTxWarp>
+            <a:spAutoFit/>
+          </a:bodyPr>
+          <a:lstStyle/>
+          <a:p>
+            <a:r>
+              <a:rPr lang="en-US" sz="1200" b="1" dirty="0">
+                <a:latin typeface="Times New Roman" panose="02020603050405020304" pitchFamily="18" charset="0"/>
+                <a:cs typeface="Times New Roman" panose="02020603050405020304" pitchFamily="18" charset="0"/>
+              </a:rPr>
+              <a:t>Fig 3</a:t>
+            </a:r>
+            <a:r>
+              <a:rPr lang="en-US" sz="1200" dirty="0">
+                <a:latin typeface="Times New Roman" panose="02020603050405020304" pitchFamily="18" charset="0"/>
+                <a:cs typeface="Times New Roman" panose="02020603050405020304" pitchFamily="18" charset="0"/>
+              </a:rPr>
+              <a:t>: Typical EEG workflow of MNE software on python (Alexandre </a:t>
+            </a:r>
+            <a:r>
+              <a:rPr lang="en-US" sz="1200" i="1" dirty="0">
+                <a:latin typeface="Times New Roman" panose="02020603050405020304" pitchFamily="18" charset="0"/>
+                <a:cs typeface="Times New Roman" panose="02020603050405020304" pitchFamily="18" charset="0"/>
+              </a:rPr>
+              <a:t>et al., 2013) .</a:t>
+            </a:r>
+            <a:endParaRPr lang="en-US" sz="1200" dirty="0">
+              <a:latin typeface="Times New Roman" panose="02020603050405020304" pitchFamily="18" charset="0"/>
+              <a:cs typeface="Times New Roman" panose="02020603050405020304" pitchFamily="18" charset="0"/>
+            </a:endParaRPr>
+          </a:p>
+        </p:txBody>
+      </p:sp>
+      <p:sp>
+        <p:nvSpPr>
+          <p:cNvPr id="7" name="TextBox 6">
+            <a:extLst>
+              <a:ext uri="{FF2B5EF4-FFF2-40B4-BE49-F238E27FC236}">
+                <a16:creationId xmlns:a16="http://schemas.microsoft.com/office/drawing/2014/main" id="{CF3501F7-4AD4-9316-2BB4-CF632E06218F}"/>
+              </a:ext>
+            </a:extLst>
+          </p:cNvPr>
+          <p:cNvSpPr txBox="1"/>
+          <p:nvPr/>
+        </p:nvSpPr>
+        <p:spPr>
+          <a:xfrm>
+            <a:off x="5117689" y="1637504"/>
+            <a:ext cx="7093645" cy="2862322"/>
+          </a:xfrm>
+          <a:prstGeom prst="rect">
+            <a:avLst/>
+          </a:prstGeom>
+          <a:noFill/>
+        </p:spPr>
+        <p:txBody>
+          <a:bodyPr wrap="square" rtlCol="0">
+            <a:spAutoFit/>
+          </a:bodyPr>
+          <a:lstStyle/>
+          <a:p>
+            <a:pPr marL="285750" indent="-285750">
+              <a:buFont typeface="Arial" panose="020B0604020202020204" pitchFamily="34" charset="0"/>
+              <a:buChar char="•"/>
+            </a:pPr>
+            <a:r>
+              <a:rPr lang="en-US" dirty="0"/>
+              <a:t>Data is contained in a cloud system. I will use a cluster network to analyze large data sets.</a:t>
+            </a:r>
+          </a:p>
+          <a:p>
+            <a:endParaRPr lang="en-US" dirty="0"/>
+          </a:p>
+          <a:p>
+            <a:pPr marL="285750" indent="-285750">
+              <a:buFont typeface="Arial" panose="020B0604020202020204" pitchFamily="34" charset="0"/>
+              <a:buChar char="•"/>
+            </a:pPr>
+            <a:r>
+              <a:rPr lang="en-US" dirty="0"/>
+              <a:t>The programming language is Python. </a:t>
+            </a:r>
+          </a:p>
+          <a:p>
+            <a:pPr marL="285750" indent="-285750">
+              <a:buFont typeface="Arial" panose="020B0604020202020204" pitchFamily="34" charset="0"/>
+              <a:buChar char="•"/>
+            </a:pPr>
+            <a:r>
+              <a:rPr lang="en-US" dirty="0"/>
+              <a:t>Python library is MNE which contains the </a:t>
+            </a:r>
+            <a:r>
+              <a:rPr lang="en-US" dirty="0" err="1"/>
+              <a:t>eLORETA</a:t>
+            </a:r>
+            <a:r>
+              <a:rPr lang="en-US" dirty="0"/>
+              <a:t> algorithm for free.   </a:t>
+            </a:r>
+          </a:p>
+          <a:p>
+            <a:endParaRPr lang="en-US" dirty="0"/>
+          </a:p>
+          <a:p>
+            <a:pPr marL="285750" indent="-285750">
+              <a:buFont typeface="Arial" panose="020B0604020202020204" pitchFamily="34" charset="0"/>
+              <a:buChar char="•"/>
+            </a:pPr>
+            <a:endParaRPr lang="en-US" dirty="0"/>
+          </a:p>
+          <a:p>
+            <a:pPr marL="285750" indent="-285750">
+              <a:buFont typeface="Arial" panose="020B0604020202020204" pitchFamily="34" charset="0"/>
+              <a:buChar char="•"/>
+            </a:pPr>
+            <a:r>
+              <a:rPr lang="en-US" dirty="0"/>
+              <a:t>Original study cost ~ $ 20 million. So far, my reproduction study has cost me $ 0.   </a:t>
             </a:r>
           </a:p>
         </p:txBody>
@@ -8157,6 +8871,14 @@
   <p:clrMapOvr>
     <a:masterClrMapping/>
   </p:clrMapOvr>
+  <mc:AlternateContent xmlns:mc="http://schemas.openxmlformats.org/markup-compatibility/2006" xmlns:p14="http://schemas.microsoft.com/office/powerpoint/2010/main">
+    <mc:Choice Requires="p14">
+      <p:transition spd="slow" p14:dur="2000" advTm="44927"/>
+    </mc:Choice>
+    <mc:Fallback xmlns="">
+      <p:transition spd="slow" advTm="44927"/>
+    </mc:Fallback>
+  </mc:AlternateContent>
 </p:sld>
 </file>
 
@@ -8182,7 +8904,7 @@
           <p:cNvPr id="5" name="Picture 3" descr="Grunge Background Free Stock Photo - Public Domain Pictures">
             <a:extLst>
               <a:ext uri="{FF2B5EF4-FFF2-40B4-BE49-F238E27FC236}">
-                <a16:creationId xmlns:a16="http://schemas.microsoft.com/office/drawing/2014/main" id="{24E05567-18C0-B266-BC00-A1546256DCFD}"/>
+                <a16:creationId xmlns:a16="http://schemas.microsoft.com/office/drawing/2014/main" id="{53ADCB85-A5EA-B8D1-C25C-504153365151}"/>
               </a:ext>
             </a:extLst>
           </p:cNvPr>
@@ -8199,12 +8921,851 @@
         </p:blipFill>
         <p:spPr>
           <a:xfrm>
-            <a:off x="98854" y="13650"/>
+            <a:off x="0" y="0"/>
             <a:ext cx="12211334" cy="6844350"/>
           </a:xfrm>
           <a:prstGeom prst="rect">
             <a:avLst/>
           </a:prstGeom>
+        </p:spPr>
+      </p:pic>
+      <p:sp>
+        <p:nvSpPr>
+          <p:cNvPr id="2" name="TextBox 1">
+            <a:extLst>
+              <a:ext uri="{FF2B5EF4-FFF2-40B4-BE49-F238E27FC236}">
+                <a16:creationId xmlns:a16="http://schemas.microsoft.com/office/drawing/2014/main" id="{8B0C8475-EC27-C867-4396-D3EC5957DDD3}"/>
+              </a:ext>
+            </a:extLst>
+          </p:cNvPr>
+          <p:cNvSpPr txBox="1"/>
+          <p:nvPr/>
+        </p:nvSpPr>
+        <p:spPr>
+          <a:xfrm>
+            <a:off x="4998828" y="30623"/>
+            <a:ext cx="6783961" cy="523220"/>
+          </a:xfrm>
+          <a:prstGeom prst="rect">
+            <a:avLst/>
+          </a:prstGeom>
+          <a:noFill/>
+        </p:spPr>
+        <p:txBody>
+          <a:bodyPr rot="0" spcFirstLastPara="0" vert="horz" wrap="square" lIns="91440" tIns="45720" rIns="91440" bIns="45720" numCol="1" spcCol="0" rtlCol="0" fromWordArt="0" anchor="t" anchorCtr="0" forceAA="0" compatLnSpc="1">
+            <a:prstTxWarp prst="textNoShape">
+              <a:avLst/>
+            </a:prstTxWarp>
+            <a:spAutoFit/>
+          </a:bodyPr>
+          <a:lstStyle>
+            <a:defPPr>
+              <a:defRPr lang="en-US"/>
+            </a:defPPr>
+            <a:lvl1pPr marL="0" algn="l" defTabSz="914400" rtl="0" eaLnBrk="1" latinLnBrk="0" hangingPunct="1">
+              <a:defRPr sz="1800" kern="1200">
+                <a:solidFill>
+                  <a:schemeClr val="tx1"/>
+                </a:solidFill>
+                <a:latin typeface="+mn-lt"/>
+                <a:ea typeface="+mn-ea"/>
+                <a:cs typeface="+mn-cs"/>
+              </a:defRPr>
+            </a:lvl1pPr>
+            <a:lvl2pPr marL="457200" algn="l" defTabSz="914400" rtl="0" eaLnBrk="1" latinLnBrk="0" hangingPunct="1">
+              <a:defRPr sz="1800" kern="1200">
+                <a:solidFill>
+                  <a:schemeClr val="tx1"/>
+                </a:solidFill>
+                <a:latin typeface="+mn-lt"/>
+                <a:ea typeface="+mn-ea"/>
+                <a:cs typeface="+mn-cs"/>
+              </a:defRPr>
+            </a:lvl2pPr>
+            <a:lvl3pPr marL="914400" algn="l" defTabSz="914400" rtl="0" eaLnBrk="1" latinLnBrk="0" hangingPunct="1">
+              <a:defRPr sz="1800" kern="1200">
+                <a:solidFill>
+                  <a:schemeClr val="tx1"/>
+                </a:solidFill>
+                <a:latin typeface="+mn-lt"/>
+                <a:ea typeface="+mn-ea"/>
+                <a:cs typeface="+mn-cs"/>
+              </a:defRPr>
+            </a:lvl3pPr>
+            <a:lvl4pPr marL="1371600" algn="l" defTabSz="914400" rtl="0" eaLnBrk="1" latinLnBrk="0" hangingPunct="1">
+              <a:defRPr sz="1800" kern="1200">
+                <a:solidFill>
+                  <a:schemeClr val="tx1"/>
+                </a:solidFill>
+                <a:latin typeface="+mn-lt"/>
+                <a:ea typeface="+mn-ea"/>
+                <a:cs typeface="+mn-cs"/>
+              </a:defRPr>
+            </a:lvl4pPr>
+            <a:lvl5pPr marL="1828800" algn="l" defTabSz="914400" rtl="0" eaLnBrk="1" latinLnBrk="0" hangingPunct="1">
+              <a:defRPr sz="1800" kern="1200">
+                <a:solidFill>
+                  <a:schemeClr val="tx1"/>
+                </a:solidFill>
+                <a:latin typeface="+mn-lt"/>
+                <a:ea typeface="+mn-ea"/>
+                <a:cs typeface="+mn-cs"/>
+              </a:defRPr>
+            </a:lvl5pPr>
+            <a:lvl6pPr marL="2286000" algn="l" defTabSz="914400" rtl="0" eaLnBrk="1" latinLnBrk="0" hangingPunct="1">
+              <a:defRPr sz="1800" kern="1200">
+                <a:solidFill>
+                  <a:schemeClr val="tx1"/>
+                </a:solidFill>
+                <a:latin typeface="+mn-lt"/>
+                <a:ea typeface="+mn-ea"/>
+                <a:cs typeface="+mn-cs"/>
+              </a:defRPr>
+            </a:lvl6pPr>
+            <a:lvl7pPr marL="2743200" algn="l" defTabSz="914400" rtl="0" eaLnBrk="1" latinLnBrk="0" hangingPunct="1">
+              <a:defRPr sz="1800" kern="1200">
+                <a:solidFill>
+                  <a:schemeClr val="tx1"/>
+                </a:solidFill>
+                <a:latin typeface="+mn-lt"/>
+                <a:ea typeface="+mn-ea"/>
+                <a:cs typeface="+mn-cs"/>
+              </a:defRPr>
+            </a:lvl7pPr>
+            <a:lvl8pPr marL="3200400" algn="l" defTabSz="914400" rtl="0" eaLnBrk="1" latinLnBrk="0" hangingPunct="1">
+              <a:defRPr sz="1800" kern="1200">
+                <a:solidFill>
+                  <a:schemeClr val="tx1"/>
+                </a:solidFill>
+                <a:latin typeface="+mn-lt"/>
+                <a:ea typeface="+mn-ea"/>
+                <a:cs typeface="+mn-cs"/>
+              </a:defRPr>
+            </a:lvl8pPr>
+            <a:lvl9pPr marL="3657600" algn="l" defTabSz="914400" rtl="0" eaLnBrk="1" latinLnBrk="0" hangingPunct="1">
+              <a:defRPr sz="1800" kern="1200">
+                <a:solidFill>
+                  <a:schemeClr val="tx1"/>
+                </a:solidFill>
+                <a:latin typeface="+mn-lt"/>
+                <a:ea typeface="+mn-ea"/>
+                <a:cs typeface="+mn-cs"/>
+              </a:defRPr>
+            </a:lvl9pPr>
+          </a:lstStyle>
+          <a:p>
+            <a:r>
+              <a:rPr lang="en-US" sz="2800" dirty="0">
+                <a:latin typeface="+mj-lt"/>
+              </a:rPr>
+              <a:t>Results and Key Analysis of Interest</a:t>
+            </a:r>
+            <a:r>
+              <a:rPr lang="en-US" sz="2800" b="1" dirty="0">
+                <a:latin typeface="+mj-lt"/>
+              </a:rPr>
+              <a:t> </a:t>
+            </a:r>
+          </a:p>
+        </p:txBody>
+      </p:sp>
+      <p:sp>
+        <p:nvSpPr>
+          <p:cNvPr id="4" name="TextBox 3">
+            <a:extLst>
+              <a:ext uri="{FF2B5EF4-FFF2-40B4-BE49-F238E27FC236}">
+                <a16:creationId xmlns:a16="http://schemas.microsoft.com/office/drawing/2014/main" id="{C9BF4FAB-C559-DEDC-991A-D46C1D5A4478}"/>
+              </a:ext>
+            </a:extLst>
+          </p:cNvPr>
+          <p:cNvSpPr txBox="1"/>
+          <p:nvPr/>
+        </p:nvSpPr>
+        <p:spPr>
+          <a:xfrm>
+            <a:off x="4405498" y="538569"/>
+            <a:ext cx="7805835" cy="3200876"/>
+          </a:xfrm>
+          <a:prstGeom prst="rect">
+            <a:avLst/>
+          </a:prstGeom>
+          <a:noFill/>
+        </p:spPr>
+        <p:txBody>
+          <a:bodyPr wrap="square" rtlCol="0">
+            <a:spAutoFit/>
+          </a:bodyPr>
+          <a:lstStyle/>
+          <a:p>
+            <a:pPr marL="285750" indent="-285750">
+              <a:buFont typeface="Arial" panose="020B0604020202020204" pitchFamily="34" charset="0"/>
+              <a:buChar char="•"/>
+            </a:pPr>
+            <a:r>
+              <a:rPr lang="en-US" sz="1600" b="0" i="0" dirty="0">
+                <a:effectLst/>
+                <a:latin typeface="Times New Roman" panose="02020603050405020304" pitchFamily="18" charset="0"/>
+                <a:cs typeface="Times New Roman" panose="02020603050405020304" pitchFamily="18" charset="0"/>
+              </a:rPr>
+              <a:t>[1] The </a:t>
+            </a:r>
+            <a:r>
+              <a:rPr lang="en-US" sz="1600" b="0" i="0" u="sng" dirty="0">
+                <a:effectLst/>
+                <a:latin typeface="Times New Roman" panose="02020603050405020304" pitchFamily="18" charset="0"/>
+                <a:cs typeface="Times New Roman" panose="02020603050405020304" pitchFamily="18" charset="0"/>
+              </a:rPr>
+              <a:t>primary</a:t>
+            </a:r>
+            <a:r>
+              <a:rPr lang="en-US" sz="1600" b="0" i="0" dirty="0">
+                <a:effectLst/>
+                <a:latin typeface="Times New Roman" panose="02020603050405020304" pitchFamily="18" charset="0"/>
+                <a:cs typeface="Times New Roman" panose="02020603050405020304" pitchFamily="18" charset="0"/>
+              </a:rPr>
+              <a:t> research outcome is </a:t>
+            </a:r>
+            <a:r>
+              <a:rPr lang="en-US" sz="1600" b="0" i="0" u="sng" dirty="0">
+                <a:effectLst/>
+                <a:latin typeface="Times New Roman" panose="02020603050405020304" pitchFamily="18" charset="0"/>
+                <a:cs typeface="Times New Roman" panose="02020603050405020304" pitchFamily="18" charset="0"/>
+              </a:rPr>
+              <a:t>treatment response</a:t>
+            </a:r>
+            <a:r>
+              <a:rPr lang="en-US" sz="1600" b="0" i="0" dirty="0">
+                <a:effectLst/>
+                <a:latin typeface="Times New Roman" panose="02020603050405020304" pitchFamily="18" charset="0"/>
+                <a:cs typeface="Times New Roman" panose="02020603050405020304" pitchFamily="18" charset="0"/>
+              </a:rPr>
+              <a:t>:</a:t>
+            </a:r>
+          </a:p>
+          <a:p>
+            <a:pPr marL="742950" lvl="1" indent="-285750">
+              <a:buFont typeface="Arial" panose="020B0604020202020204" pitchFamily="34" charset="0"/>
+              <a:buChar char="•"/>
+            </a:pPr>
+            <a:r>
+              <a:rPr lang="en-US" sz="1600" b="0" i="0" dirty="0">
+                <a:effectLst/>
+                <a:latin typeface="Times New Roman" panose="02020603050405020304" pitchFamily="18" charset="0"/>
+                <a:cs typeface="Times New Roman" panose="02020603050405020304" pitchFamily="18" charset="0"/>
+              </a:rPr>
+              <a:t>defined as a ≥50% decrease from the baseline HRSD</a:t>
+            </a:r>
+            <a:r>
+              <a:rPr lang="en-US" sz="1600" b="0" i="0" baseline="-25000" dirty="0">
+                <a:effectLst/>
+                <a:latin typeface="Times New Roman" panose="02020603050405020304" pitchFamily="18" charset="0"/>
+                <a:cs typeface="Times New Roman" panose="02020603050405020304" pitchFamily="18" charset="0"/>
+              </a:rPr>
+              <a:t>17</a:t>
+            </a:r>
+            <a:r>
+              <a:rPr lang="en-US" sz="1600" b="0" i="0" dirty="0">
+                <a:effectLst/>
+                <a:latin typeface="Times New Roman" panose="02020603050405020304" pitchFamily="18" charset="0"/>
+                <a:cs typeface="Times New Roman" panose="02020603050405020304" pitchFamily="18" charset="0"/>
+              </a:rPr>
+              <a:t>. </a:t>
+            </a:r>
+          </a:p>
+          <a:p>
+            <a:pPr marL="285750" indent="-285750">
+              <a:buFont typeface="Arial" panose="020B0604020202020204" pitchFamily="34" charset="0"/>
+              <a:buChar char="•"/>
+            </a:pPr>
+            <a:r>
+              <a:rPr lang="en-US" sz="1600" b="0" i="0" dirty="0">
+                <a:effectLst/>
+                <a:latin typeface="Times New Roman" panose="02020603050405020304" pitchFamily="18" charset="0"/>
+                <a:cs typeface="Times New Roman" panose="02020603050405020304" pitchFamily="18" charset="0"/>
+              </a:rPr>
+              <a:t>[2] </a:t>
+            </a:r>
+            <a:r>
+              <a:rPr lang="en-US" sz="1600" b="0" i="0" u="sng" dirty="0">
+                <a:effectLst/>
+                <a:latin typeface="Times New Roman" panose="02020603050405020304" pitchFamily="18" charset="0"/>
+                <a:cs typeface="Times New Roman" panose="02020603050405020304" pitchFamily="18" charset="0"/>
+              </a:rPr>
+              <a:t>Secondary</a:t>
+            </a:r>
+            <a:r>
+              <a:rPr lang="en-US" sz="1600" b="0" i="0" dirty="0">
+                <a:effectLst/>
+                <a:latin typeface="Times New Roman" panose="02020603050405020304" pitchFamily="18" charset="0"/>
+                <a:cs typeface="Times New Roman" panose="02020603050405020304" pitchFamily="18" charset="0"/>
+              </a:rPr>
+              <a:t> outcomes include </a:t>
+            </a:r>
+            <a:r>
+              <a:rPr lang="en-US" sz="1600" b="0" i="0" u="sng" dirty="0">
+                <a:effectLst/>
+                <a:latin typeface="Times New Roman" panose="02020603050405020304" pitchFamily="18" charset="0"/>
+                <a:cs typeface="Times New Roman" panose="02020603050405020304" pitchFamily="18" charset="0"/>
+              </a:rPr>
+              <a:t>remission</a:t>
+            </a:r>
+            <a:r>
+              <a:rPr lang="en-US" sz="1600" b="0" i="0" dirty="0">
+                <a:effectLst/>
+                <a:latin typeface="Times New Roman" panose="02020603050405020304" pitchFamily="18" charset="0"/>
+                <a:cs typeface="Times New Roman" panose="02020603050405020304" pitchFamily="18" charset="0"/>
+              </a:rPr>
+              <a:t> of MDD:</a:t>
+            </a:r>
+          </a:p>
+          <a:p>
+            <a:pPr marL="742950" lvl="1" indent="-285750">
+              <a:buFont typeface="Arial" panose="020B0604020202020204" pitchFamily="34" charset="0"/>
+              <a:buChar char="•"/>
+            </a:pPr>
+            <a:r>
+              <a:rPr lang="en-US" sz="1600" b="0" i="0" dirty="0">
+                <a:effectLst/>
+                <a:latin typeface="Times New Roman" panose="02020603050405020304" pitchFamily="18" charset="0"/>
+                <a:cs typeface="Times New Roman" panose="02020603050405020304" pitchFamily="18" charset="0"/>
+              </a:rPr>
+              <a:t>defined as a score of ≤7 on the HRSD</a:t>
+            </a:r>
+            <a:r>
+              <a:rPr lang="en-US" sz="1600" b="0" i="0" baseline="-25000" dirty="0">
+                <a:effectLst/>
+                <a:latin typeface="Times New Roman" panose="02020603050405020304" pitchFamily="18" charset="0"/>
+                <a:cs typeface="Times New Roman" panose="02020603050405020304" pitchFamily="18" charset="0"/>
+              </a:rPr>
+              <a:t>17</a:t>
+            </a:r>
+            <a:r>
+              <a:rPr lang="en-US" sz="1600" b="0" i="0" dirty="0">
+                <a:effectLst/>
+                <a:latin typeface="Times New Roman" panose="02020603050405020304" pitchFamily="18" charset="0"/>
+                <a:cs typeface="Times New Roman" panose="02020603050405020304" pitchFamily="18" charset="0"/>
+              </a:rPr>
+              <a:t>. </a:t>
+            </a:r>
+            <a:endParaRPr lang="en-US" sz="1600" dirty="0">
+              <a:latin typeface="Times New Roman" panose="02020603050405020304" pitchFamily="18" charset="0"/>
+              <a:cs typeface="Times New Roman" panose="02020603050405020304" pitchFamily="18" charset="0"/>
+            </a:endParaRPr>
+          </a:p>
+          <a:p>
+            <a:endParaRPr lang="en-US" sz="1600" dirty="0">
+              <a:latin typeface="Times New Roman" panose="02020603050405020304" pitchFamily="18" charset="0"/>
+              <a:cs typeface="Times New Roman" panose="02020603050405020304" pitchFamily="18" charset="0"/>
+            </a:endParaRPr>
+          </a:p>
+          <a:p>
+            <a:pPr marL="285750" indent="-285750">
+              <a:buFont typeface="Arial" panose="020B0604020202020204" pitchFamily="34" charset="0"/>
+              <a:buChar char="•"/>
+            </a:pPr>
+            <a:r>
+              <a:rPr lang="en-US" sz="1600" dirty="0">
+                <a:latin typeface="Times New Roman" panose="02020603050405020304" pitchFamily="18" charset="0"/>
+                <a:cs typeface="Times New Roman" panose="02020603050405020304" pitchFamily="18" charset="0"/>
+              </a:rPr>
+              <a:t>S</a:t>
+            </a:r>
+            <a:r>
+              <a:rPr lang="en-US" sz="1600" b="0" i="0" dirty="0">
+                <a:effectLst/>
+                <a:latin typeface="Times New Roman" panose="02020603050405020304" pitchFamily="18" charset="0"/>
+                <a:cs typeface="Times New Roman" panose="02020603050405020304" pitchFamily="18" charset="0"/>
+              </a:rPr>
+              <a:t>ignificant correlations were found between HRSD17 scores for treatment response and </a:t>
+            </a:r>
+            <a:r>
+              <a:rPr lang="en-US" sz="1600" b="0" i="0" dirty="0" err="1">
+                <a:effectLst/>
+                <a:latin typeface="Times New Roman" panose="02020603050405020304" pitchFamily="18" charset="0"/>
+                <a:cs typeface="Times New Roman" panose="02020603050405020304" pitchFamily="18" charset="0"/>
+              </a:rPr>
+              <a:t>rACC</a:t>
+            </a:r>
+            <a:r>
+              <a:rPr lang="en-US" sz="1600" b="0" i="0" dirty="0">
+                <a:effectLst/>
+                <a:latin typeface="Times New Roman" panose="02020603050405020304" pitchFamily="18" charset="0"/>
+                <a:cs typeface="Times New Roman" panose="02020603050405020304" pitchFamily="18" charset="0"/>
+              </a:rPr>
+              <a:t> theta waves at the 8-week time point for the SNRI (</a:t>
+            </a:r>
+            <a:r>
+              <a:rPr lang="en-US" sz="1600" b="0" i="0" u="sng" dirty="0">
+                <a:effectLst/>
+                <a:latin typeface="Times New Roman" panose="02020603050405020304" pitchFamily="18" charset="0"/>
+                <a:cs typeface="Times New Roman" panose="02020603050405020304" pitchFamily="18" charset="0"/>
+              </a:rPr>
+              <a:t>P = 0.21; r = 0.093, and DF = 608) </a:t>
+            </a:r>
+            <a:r>
+              <a:rPr lang="en-US" sz="1600" b="0" i="0" dirty="0">
+                <a:effectLst/>
+                <a:latin typeface="Times New Roman" panose="02020603050405020304" pitchFamily="18" charset="0"/>
+                <a:cs typeface="Times New Roman" panose="02020603050405020304" pitchFamily="18" charset="0"/>
+              </a:rPr>
+              <a:t>as well as between percentage improvements on HRSD17 and </a:t>
+            </a:r>
+            <a:r>
+              <a:rPr lang="en-US" sz="1600" b="0" i="0" dirty="0" err="1">
+                <a:effectLst/>
+                <a:latin typeface="Times New Roman" panose="02020603050405020304" pitchFamily="18" charset="0"/>
+                <a:cs typeface="Times New Roman" panose="02020603050405020304" pitchFamily="18" charset="0"/>
+              </a:rPr>
+              <a:t>rACC</a:t>
+            </a:r>
+            <a:r>
+              <a:rPr lang="en-US" sz="1600" b="0" i="0" dirty="0">
+                <a:effectLst/>
+                <a:latin typeface="Times New Roman" panose="02020603050405020304" pitchFamily="18" charset="0"/>
+                <a:cs typeface="Times New Roman" panose="02020603050405020304" pitchFamily="18" charset="0"/>
+              </a:rPr>
+              <a:t> </a:t>
+            </a:r>
+            <a:r>
+              <a:rPr lang="en-US" sz="1600" b="0" i="0" u="sng" dirty="0">
+                <a:effectLst/>
+                <a:latin typeface="Times New Roman" panose="02020603050405020304" pitchFamily="18" charset="0"/>
+                <a:cs typeface="Times New Roman" panose="02020603050405020304" pitchFamily="18" charset="0"/>
+              </a:rPr>
+              <a:t>(p = .049; r = 0.80; DF = 608)</a:t>
+            </a:r>
+          </a:p>
+          <a:p>
+            <a:pPr marL="285750" indent="-285750">
+              <a:buFont typeface="Arial" panose="020B0604020202020204" pitchFamily="34" charset="0"/>
+              <a:buChar char="•"/>
+            </a:pPr>
+            <a:endParaRPr lang="en-US" sz="1600" dirty="0">
+              <a:effectLst/>
+              <a:latin typeface="Times New Roman" panose="02020603050405020304" pitchFamily="18" charset="0"/>
+              <a:cs typeface="Times New Roman" panose="02020603050405020304" pitchFamily="18" charset="0"/>
+            </a:endParaRPr>
+          </a:p>
+          <a:p>
+            <a:pPr marL="285750" indent="-285750">
+              <a:buFont typeface="Arial" panose="020B0604020202020204" pitchFamily="34" charset="0"/>
+              <a:buChar char="•"/>
+            </a:pPr>
+            <a:endParaRPr lang="en-US" sz="1400" b="0" i="0" u="sng" dirty="0">
+              <a:effectLst/>
+            </a:endParaRPr>
+          </a:p>
+          <a:p>
+            <a:pPr marL="285750" indent="-285750">
+              <a:buFont typeface="Arial" panose="020B0604020202020204" pitchFamily="34" charset="0"/>
+              <a:buChar char="•"/>
+            </a:pPr>
+            <a:endParaRPr lang="en-US" sz="1400" u="sng" dirty="0"/>
+          </a:p>
+          <a:p>
+            <a:endParaRPr lang="en-US" sz="1400" dirty="0"/>
+          </a:p>
+        </p:txBody>
+      </p:sp>
+      <p:pic>
+        <p:nvPicPr>
+          <p:cNvPr id="3076" name="Picture 4" descr="Imaging of electroencephalography recording of human">
+            <a:extLst>
+              <a:ext uri="{FF2B5EF4-FFF2-40B4-BE49-F238E27FC236}">
+                <a16:creationId xmlns:a16="http://schemas.microsoft.com/office/drawing/2014/main" id="{CA4E9D6E-CC37-2185-EAFE-6680AE5F03A6}"/>
+              </a:ext>
+            </a:extLst>
+          </p:cNvPr>
+          <p:cNvPicPr>
+            <a:picLocks noChangeAspect="1" noChangeArrowheads="1"/>
+          </p:cNvPicPr>
+          <p:nvPr/>
+        </p:nvPicPr>
+        <p:blipFill>
+          <a:blip r:embed="rId3">
+            <a:extLst>
+              <a:ext uri="{28A0092B-C50C-407E-A947-70E740481C1C}">
+                <a14:useLocalDpi xmlns:a14="http://schemas.microsoft.com/office/drawing/2010/main" val="0"/>
+              </a:ext>
+            </a:extLst>
+          </a:blip>
+          <a:srcRect/>
+          <a:stretch>
+            <a:fillRect/>
+          </a:stretch>
+        </p:blipFill>
+        <p:spPr bwMode="auto">
+          <a:xfrm>
+            <a:off x="166954" y="96550"/>
+            <a:ext cx="3810000" cy="2547075"/>
+          </a:xfrm>
+          <a:prstGeom prst="rect">
+            <a:avLst/>
+          </a:prstGeom>
+          <a:noFill/>
+          <a:extLst>
+            <a:ext uri="{909E8E84-426E-40DD-AFC4-6F175D3DCCD1}">
+              <a14:hiddenFill xmlns:a14="http://schemas.microsoft.com/office/drawing/2010/main">
+                <a:solidFill>
+                  <a:srgbClr val="FFFFFF"/>
+                </a:solidFill>
+              </a14:hiddenFill>
+            </a:ext>
+          </a:extLst>
+        </p:spPr>
+      </p:pic>
+      <p:sp>
+        <p:nvSpPr>
+          <p:cNvPr id="7" name="TextBox 6">
+            <a:extLst>
+              <a:ext uri="{FF2B5EF4-FFF2-40B4-BE49-F238E27FC236}">
+                <a16:creationId xmlns:a16="http://schemas.microsoft.com/office/drawing/2014/main" id="{1A67A009-015C-825B-90D2-F5FA1DBD8B6A}"/>
+              </a:ext>
+            </a:extLst>
+          </p:cNvPr>
+          <p:cNvSpPr txBox="1"/>
+          <p:nvPr/>
+        </p:nvSpPr>
+        <p:spPr>
+          <a:xfrm>
+            <a:off x="166954" y="2740175"/>
+            <a:ext cx="3810000" cy="461665"/>
+          </a:xfrm>
+          <a:prstGeom prst="rect">
+            <a:avLst/>
+          </a:prstGeom>
+          <a:noFill/>
+        </p:spPr>
+        <p:txBody>
+          <a:bodyPr wrap="square" rtlCol="0">
+            <a:spAutoFit/>
+          </a:bodyPr>
+          <a:lstStyle/>
+          <a:p>
+            <a:r>
+              <a:rPr lang="en-US" sz="1200" b="1" dirty="0"/>
+              <a:t>Fig 4: </a:t>
+            </a:r>
+            <a:r>
+              <a:rPr lang="en-US" sz="1200" dirty="0"/>
+              <a:t>Example of raw EEG signals from multiple channels.</a:t>
+            </a:r>
+          </a:p>
+        </p:txBody>
+      </p:sp>
+      <p:pic>
+        <p:nvPicPr>
+          <p:cNvPr id="9" name="Picture 8">
+            <a:extLst>
+              <a:ext uri="{FF2B5EF4-FFF2-40B4-BE49-F238E27FC236}">
+                <a16:creationId xmlns:a16="http://schemas.microsoft.com/office/drawing/2014/main" id="{025B76FB-5F85-DC29-14F0-ADE35871C90E}"/>
+              </a:ext>
+            </a:extLst>
+          </p:cNvPr>
+          <p:cNvPicPr>
+            <a:picLocks noChangeAspect="1"/>
+          </p:cNvPicPr>
+          <p:nvPr/>
+        </p:nvPicPr>
+        <p:blipFill>
+          <a:blip r:embed="rId4">
+            <a:extLst>
+              <a:ext uri="{28A0092B-C50C-407E-A947-70E740481C1C}">
+                <a14:useLocalDpi xmlns:a14="http://schemas.microsoft.com/office/drawing/2010/main" val="0"/>
+              </a:ext>
+            </a:extLst>
+          </a:blip>
+          <a:stretch>
+            <a:fillRect/>
+          </a:stretch>
+        </p:blipFill>
+        <p:spPr>
+          <a:xfrm>
+            <a:off x="205571" y="3278354"/>
+            <a:ext cx="6751871" cy="2572411"/>
+          </a:xfrm>
+          <a:prstGeom prst="rect">
+            <a:avLst/>
+          </a:prstGeom>
+        </p:spPr>
+      </p:pic>
+      <p:sp>
+        <p:nvSpPr>
+          <p:cNvPr id="10" name="TextBox 9">
+            <a:extLst>
+              <a:ext uri="{FF2B5EF4-FFF2-40B4-BE49-F238E27FC236}">
+                <a16:creationId xmlns:a16="http://schemas.microsoft.com/office/drawing/2014/main" id="{DEFEB96B-EA3D-4828-7A95-FADF43B2D17B}"/>
+              </a:ext>
+            </a:extLst>
+          </p:cNvPr>
+          <p:cNvSpPr txBox="1"/>
+          <p:nvPr/>
+        </p:nvSpPr>
+        <p:spPr>
+          <a:xfrm>
+            <a:off x="159967" y="5880029"/>
+            <a:ext cx="6751870" cy="830997"/>
+          </a:xfrm>
+          <a:prstGeom prst="rect">
+            <a:avLst/>
+          </a:prstGeom>
+          <a:noFill/>
+        </p:spPr>
+        <p:txBody>
+          <a:bodyPr wrap="square" rtlCol="0">
+            <a:spAutoFit/>
+          </a:bodyPr>
+          <a:lstStyle/>
+          <a:p>
+            <a:r>
+              <a:rPr lang="en-US" sz="1200" b="1" dirty="0"/>
+              <a:t>Fig 5: </a:t>
+            </a:r>
+            <a:r>
+              <a:rPr lang="en-US" sz="1200" dirty="0"/>
+              <a:t>The </a:t>
+            </a:r>
+            <a:r>
+              <a:rPr lang="en-US" sz="1200" dirty="0" err="1"/>
+              <a:t>rACC</a:t>
+            </a:r>
+            <a:r>
+              <a:rPr lang="en-US" sz="1200" dirty="0"/>
+              <a:t> region used to extract resting state theta power using </a:t>
+            </a:r>
+            <a:r>
+              <a:rPr lang="en-US" sz="1200" dirty="0" err="1"/>
+              <a:t>eLORETA</a:t>
+            </a:r>
+            <a:r>
+              <a:rPr lang="en-US" sz="1200" dirty="0"/>
+              <a:t>. Abbreviation: exact low-resolution brain electromagnetic tomography analysis (</a:t>
+            </a:r>
+            <a:r>
+              <a:rPr lang="en-US" sz="1200" dirty="0" err="1"/>
+              <a:t>Arns</a:t>
+            </a:r>
+            <a:r>
+              <a:rPr lang="en-US" sz="1200" dirty="0"/>
+              <a:t>, 2015). </a:t>
+            </a:r>
+            <a:r>
+              <a:rPr lang="en-US" sz="1200" dirty="0" err="1">
+                <a:effectLst/>
+                <a:latin typeface="Times New Roman" panose="02020603050405020304" pitchFamily="18" charset="0"/>
+                <a:cs typeface="Times New Roman" panose="02020603050405020304" pitchFamily="18" charset="0"/>
+              </a:rPr>
+              <a:t>rACC</a:t>
+            </a:r>
+            <a:r>
+              <a:rPr lang="en-US" sz="1200" dirty="0">
+                <a:effectLst/>
+                <a:latin typeface="Times New Roman" panose="02020603050405020304" pitchFamily="18" charset="0"/>
+                <a:cs typeface="Times New Roman" panose="02020603050405020304" pitchFamily="18" charset="0"/>
+              </a:rPr>
+              <a:t>; using the voxels reported by </a:t>
+            </a:r>
+            <a:r>
+              <a:rPr lang="en-US" sz="1200" dirty="0" err="1">
+                <a:effectLst/>
+                <a:latin typeface="Times New Roman" panose="02020603050405020304" pitchFamily="18" charset="0"/>
+                <a:cs typeface="Times New Roman" panose="02020603050405020304" pitchFamily="18" charset="0"/>
+              </a:rPr>
+              <a:t>Pizzagalli</a:t>
+            </a:r>
+            <a:r>
+              <a:rPr lang="en-US" sz="1200" dirty="0">
+                <a:effectLst/>
+                <a:latin typeface="Times New Roman" panose="02020603050405020304" pitchFamily="18" charset="0"/>
+                <a:cs typeface="Times New Roman" panose="02020603050405020304" pitchFamily="18" charset="0"/>
+              </a:rPr>
+              <a:t> and colleagues (</a:t>
+            </a:r>
+            <a:r>
+              <a:rPr lang="en-US" sz="1200" dirty="0" err="1">
+                <a:effectLst/>
+                <a:latin typeface="Times New Roman" panose="02020603050405020304" pitchFamily="18" charset="0"/>
+                <a:cs typeface="Times New Roman" panose="02020603050405020304" pitchFamily="18" charset="0"/>
+              </a:rPr>
+              <a:t>Pizzagalli</a:t>
+            </a:r>
+            <a:r>
+              <a:rPr lang="en-US" sz="1200" dirty="0">
+                <a:effectLst/>
+                <a:latin typeface="Times New Roman" panose="02020603050405020304" pitchFamily="18" charset="0"/>
+                <a:cs typeface="Times New Roman" panose="02020603050405020304" pitchFamily="18" charset="0"/>
+              </a:rPr>
+              <a:t> et al., 2001) </a:t>
+            </a:r>
+            <a:endParaRPr lang="en-US" sz="1200" dirty="0">
+              <a:latin typeface="Times New Roman" panose="02020603050405020304" pitchFamily="18" charset="0"/>
+              <a:cs typeface="Times New Roman" panose="02020603050405020304" pitchFamily="18" charset="0"/>
+            </a:endParaRPr>
+          </a:p>
+          <a:p>
+            <a:endParaRPr lang="en-US" sz="1200" dirty="0"/>
+          </a:p>
+        </p:txBody>
+      </p:sp>
+      <p:sp>
+        <p:nvSpPr>
+          <p:cNvPr id="13" name="TextBox 12">
+            <a:extLst>
+              <a:ext uri="{FF2B5EF4-FFF2-40B4-BE49-F238E27FC236}">
+                <a16:creationId xmlns:a16="http://schemas.microsoft.com/office/drawing/2014/main" id="{AA9EA4C3-2B35-0B7F-D311-A00D7E074670}"/>
+              </a:ext>
+            </a:extLst>
+          </p:cNvPr>
+          <p:cNvSpPr txBox="1"/>
+          <p:nvPr/>
+        </p:nvSpPr>
+        <p:spPr>
+          <a:xfrm>
+            <a:off x="7163013" y="3201840"/>
+            <a:ext cx="4599558" cy="1323439"/>
+          </a:xfrm>
+          <a:prstGeom prst="rect">
+            <a:avLst/>
+          </a:prstGeom>
+          <a:noFill/>
+        </p:spPr>
+        <p:txBody>
+          <a:bodyPr wrap="square">
+            <a:spAutoFit/>
+          </a:bodyPr>
+          <a:lstStyle/>
+          <a:p>
+            <a:pPr marL="285750" indent="-285750">
+              <a:buFont typeface="Arial" panose="020B0604020202020204" pitchFamily="34" charset="0"/>
+              <a:buChar char="•"/>
+            </a:pPr>
+            <a:r>
+              <a:rPr lang="en-US" sz="1600" dirty="0">
+                <a:latin typeface="Times New Roman" panose="02020603050405020304" pitchFamily="18" charset="0"/>
+                <a:cs typeface="Times New Roman" panose="02020603050405020304" pitchFamily="18" charset="0"/>
+              </a:rPr>
+              <a:t>Theta measures were log-transformed before statistical analysis.</a:t>
+            </a:r>
+          </a:p>
+          <a:p>
+            <a:r>
+              <a:rPr lang="en-US" sz="1600" dirty="0">
+                <a:latin typeface="Times New Roman" panose="02020603050405020304" pitchFamily="18" charset="0"/>
+                <a:cs typeface="Times New Roman" panose="02020603050405020304" pitchFamily="18" charset="0"/>
+              </a:rPr>
+              <a:t> </a:t>
+            </a:r>
+          </a:p>
+          <a:p>
+            <a:pPr marL="285750" indent="-285750">
+              <a:buFont typeface="Arial" panose="020B0604020202020204" pitchFamily="34" charset="0"/>
+              <a:buChar char="•"/>
+            </a:pPr>
+            <a:r>
+              <a:rPr lang="en-US" sz="1600" dirty="0">
+                <a:latin typeface="Times New Roman" panose="02020603050405020304" pitchFamily="18" charset="0"/>
+                <a:cs typeface="Times New Roman" panose="02020603050405020304" pitchFamily="18" charset="0"/>
+              </a:rPr>
+              <a:t>ANOVA was conducted with a within-subject factor site.</a:t>
+            </a:r>
+          </a:p>
+        </p:txBody>
+      </p:sp>
+    </p:spTree>
+    <p:extLst>
+      <p:ext uri="{BB962C8B-B14F-4D97-AF65-F5344CB8AC3E}">
+        <p14:creationId xmlns:p14="http://schemas.microsoft.com/office/powerpoint/2010/main" val="271879793"/>
+      </p:ext>
+    </p:extLst>
+  </p:cSld>
+  <p:clrMapOvr>
+    <a:masterClrMapping/>
+  </p:clrMapOvr>
+  <mc:AlternateContent xmlns:mc="http://schemas.openxmlformats.org/markup-compatibility/2006" xmlns:p14="http://schemas.microsoft.com/office/powerpoint/2010/main">
+    <mc:Choice Requires="p14">
+      <p:transition spd="slow" p14:dur="2000" advTm="53100"/>
+    </mc:Choice>
+    <mc:Fallback xmlns="">
+      <p:transition spd="slow" advTm="53100"/>
+    </mc:Fallback>
+  </mc:AlternateContent>
+</p:sld>
+</file>
+
+<file path=ppt/slides/slide7.xml><?xml version="1.0" encoding="utf-8"?>
+<p:sld xmlns:a="http://schemas.openxmlformats.org/drawingml/2006/main" xmlns:r="http://schemas.openxmlformats.org/officeDocument/2006/relationships" xmlns:p="http://schemas.openxmlformats.org/presentationml/2006/main">
+  <p:cSld>
+    <p:spTree>
+      <p:nvGrpSpPr>
+        <p:cNvPr id="1" name=""/>
+        <p:cNvGrpSpPr/>
+        <p:nvPr/>
+      </p:nvGrpSpPr>
+      <p:grpSpPr>
+        <a:xfrm>
+          <a:off x="0" y="0"/>
+          <a:ext cx="0" cy="0"/>
+          <a:chOff x="0" y="0"/>
+          <a:chExt cx="0" cy="0"/>
+        </a:xfrm>
+      </p:grpSpPr>
+      <p:pic>
+        <p:nvPicPr>
+          <p:cNvPr id="2050" name="Picture 2" descr="AI(Artificial Intelligence) concept.">
+            <a:extLst>
+              <a:ext uri="{FF2B5EF4-FFF2-40B4-BE49-F238E27FC236}">
+                <a16:creationId xmlns:a16="http://schemas.microsoft.com/office/drawing/2014/main" id="{995601AD-EDC6-BA5F-6D27-02A6D2422BD2}"/>
+              </a:ext>
+            </a:extLst>
+          </p:cNvPr>
+          <p:cNvPicPr>
+            <a:picLocks noChangeAspect="1" noChangeArrowheads="1"/>
+          </p:cNvPicPr>
+          <p:nvPr/>
+        </p:nvPicPr>
+        <p:blipFill>
+          <a:blip r:embed="rId2">
+            <a:extLst>
+              <a:ext uri="{BEBA8EAE-BF5A-486C-A8C5-ECC9F3942E4B}">
+                <a14:imgProps xmlns:a14="http://schemas.microsoft.com/office/drawing/2010/main">
+                  <a14:imgLayer r:embed="rId3">
+                    <a14:imgEffect>
+                      <a14:sharpenSoften amount="74000"/>
+                    </a14:imgEffect>
+                    <a14:imgEffect>
+                      <a14:brightnessContrast bright="11000" contrast="-74000"/>
+                    </a14:imgEffect>
+                  </a14:imgLayer>
+                </a14:imgProps>
+              </a:ext>
+              <a:ext uri="{28A0092B-C50C-407E-A947-70E740481C1C}">
+                <a14:useLocalDpi xmlns:a14="http://schemas.microsoft.com/office/drawing/2010/main" val="0"/>
+              </a:ext>
+            </a:extLst>
+          </a:blip>
+          <a:srcRect/>
+          <a:stretch>
+            <a:fillRect/>
+          </a:stretch>
+        </p:blipFill>
+        <p:spPr bwMode="auto">
+          <a:xfrm>
+            <a:off x="0" y="0"/>
+            <a:ext cx="12196762" cy="6858000"/>
+          </a:xfrm>
+          <a:prstGeom prst="rect">
+            <a:avLst/>
+          </a:prstGeom>
+          <a:noFill/>
+          <a:extLst>
+            <a:ext uri="{909E8E84-426E-40DD-AFC4-6F175D3DCCD1}">
+              <a14:hiddenFill xmlns:a14="http://schemas.microsoft.com/office/drawing/2010/main">
+                <a:solidFill>
+                  <a:srgbClr val="FFFFFF"/>
+                </a:solidFill>
+              </a14:hiddenFill>
+            </a:ext>
+          </a:extLst>
         </p:spPr>
       </p:pic>
       <p:sp>
@@ -8221,8 +9782,8 @@
         </p:nvSpPr>
         <p:spPr>
           <a:xfrm>
-            <a:off x="347576" y="844791"/>
-            <a:ext cx="11378783" cy="3600986"/>
+            <a:off x="0" y="520511"/>
+            <a:ext cx="12192000" cy="6724918"/>
           </a:xfrm>
           <a:prstGeom prst="rect">
             <a:avLst/>
@@ -8239,437 +9800,1363 @@
           <a:lstStyle/>
           <a:p>
             <a:r>
-              <a:rPr lang="en-US" sz="1200" b="0" i="0" dirty="0">
-                <a:effectLst/>
+              <a:rPr lang="en-US" sz="1100" b="0" i="0" dirty="0">
+                <a:effectLst/>
+                <a:latin typeface="Times New Roman" panose="02020603050405020304" pitchFamily="18" charset="0"/>
+                <a:cs typeface="Times New Roman" panose="02020603050405020304" pitchFamily="18" charset="0"/>
+              </a:rPr>
+              <a:t>Alexandre </a:t>
+            </a:r>
+            <a:r>
+              <a:rPr lang="en-US" sz="1100" b="0" i="0" dirty="0" err="1">
+                <a:effectLst/>
+                <a:latin typeface="Times New Roman" panose="02020603050405020304" pitchFamily="18" charset="0"/>
+                <a:cs typeface="Times New Roman" panose="02020603050405020304" pitchFamily="18" charset="0"/>
+              </a:rPr>
+              <a:t>Gramfort</a:t>
+            </a:r>
+            <a:r>
+              <a:rPr lang="en-US" sz="1100" b="0" i="0" dirty="0">
+                <a:effectLst/>
+                <a:latin typeface="Times New Roman" panose="02020603050405020304" pitchFamily="18" charset="0"/>
+                <a:cs typeface="Times New Roman" panose="02020603050405020304" pitchFamily="18" charset="0"/>
+              </a:rPr>
+              <a:t>, Martin </a:t>
+            </a:r>
+            <a:r>
+              <a:rPr lang="en-US" sz="1100" b="0" i="0" dirty="0" err="1">
+                <a:effectLst/>
+                <a:latin typeface="Times New Roman" panose="02020603050405020304" pitchFamily="18" charset="0"/>
+                <a:cs typeface="Times New Roman" panose="02020603050405020304" pitchFamily="18" charset="0"/>
+              </a:rPr>
+              <a:t>Luessi</a:t>
+            </a:r>
+            <a:r>
+              <a:rPr lang="en-US" sz="1100" b="0" i="0" dirty="0">
+                <a:effectLst/>
+                <a:latin typeface="Times New Roman" panose="02020603050405020304" pitchFamily="18" charset="0"/>
+                <a:cs typeface="Times New Roman" panose="02020603050405020304" pitchFamily="18" charset="0"/>
+              </a:rPr>
+              <a:t>, Eric Larson, Denis A. </a:t>
+            </a:r>
+            <a:r>
+              <a:rPr lang="en-US" sz="1100" b="0" i="0" dirty="0" err="1">
+                <a:effectLst/>
+                <a:latin typeface="Times New Roman" panose="02020603050405020304" pitchFamily="18" charset="0"/>
+                <a:cs typeface="Times New Roman" panose="02020603050405020304" pitchFamily="18" charset="0"/>
+              </a:rPr>
+              <a:t>Engemann</a:t>
+            </a:r>
+            <a:r>
+              <a:rPr lang="en-US" sz="1100" b="0" i="0" dirty="0">
+                <a:effectLst/>
+                <a:latin typeface="Times New Roman" panose="02020603050405020304" pitchFamily="18" charset="0"/>
+                <a:cs typeface="Times New Roman" panose="02020603050405020304" pitchFamily="18" charset="0"/>
+              </a:rPr>
+              <a:t>, Daniel </a:t>
+            </a:r>
+            <a:r>
+              <a:rPr lang="en-US" sz="1100" b="0" i="0" dirty="0" err="1">
+                <a:effectLst/>
+                <a:latin typeface="Times New Roman" panose="02020603050405020304" pitchFamily="18" charset="0"/>
+                <a:cs typeface="Times New Roman" panose="02020603050405020304" pitchFamily="18" charset="0"/>
+              </a:rPr>
+              <a:t>Strohmeier</a:t>
+            </a:r>
+            <a:r>
+              <a:rPr lang="en-US" sz="1100" b="0" i="0" dirty="0">
+                <a:effectLst/>
+                <a:latin typeface="Times New Roman" panose="02020603050405020304" pitchFamily="18" charset="0"/>
+                <a:cs typeface="Times New Roman" panose="02020603050405020304" pitchFamily="18" charset="0"/>
+              </a:rPr>
+              <a:t>, Christian </a:t>
+            </a:r>
+            <a:r>
+              <a:rPr lang="en-US" sz="1100" b="0" i="0" dirty="0" err="1">
+                <a:effectLst/>
+                <a:latin typeface="Times New Roman" panose="02020603050405020304" pitchFamily="18" charset="0"/>
+                <a:cs typeface="Times New Roman" panose="02020603050405020304" pitchFamily="18" charset="0"/>
+              </a:rPr>
+              <a:t>Brodbeck</a:t>
+            </a:r>
+            <a:r>
+              <a:rPr lang="en-US" sz="1100" b="0" i="0" dirty="0">
+                <a:effectLst/>
+                <a:latin typeface="Times New Roman" panose="02020603050405020304" pitchFamily="18" charset="0"/>
+                <a:cs typeface="Times New Roman" panose="02020603050405020304" pitchFamily="18" charset="0"/>
+              </a:rPr>
+              <a:t>, Roman </a:t>
+            </a:r>
+            <a:r>
+              <a:rPr lang="en-US" sz="1100" b="0" i="0" dirty="0" err="1">
+                <a:effectLst/>
+                <a:latin typeface="Times New Roman" panose="02020603050405020304" pitchFamily="18" charset="0"/>
+                <a:cs typeface="Times New Roman" panose="02020603050405020304" pitchFamily="18" charset="0"/>
+              </a:rPr>
+              <a:t>Goj</a:t>
+            </a:r>
+            <a:r>
+              <a:rPr lang="en-US" sz="1100" b="0" i="0" dirty="0">
+                <a:effectLst/>
+                <a:latin typeface="Times New Roman" panose="02020603050405020304" pitchFamily="18" charset="0"/>
+                <a:cs typeface="Times New Roman" panose="02020603050405020304" pitchFamily="18" charset="0"/>
+              </a:rPr>
+              <a:t>, Mainak Jas, </a:t>
+            </a:r>
+            <a:r>
+              <a:rPr lang="en-US" sz="1100" b="0" i="0" dirty="0" err="1">
+                <a:effectLst/>
+                <a:latin typeface="Times New Roman" panose="02020603050405020304" pitchFamily="18" charset="0"/>
+                <a:cs typeface="Times New Roman" panose="02020603050405020304" pitchFamily="18" charset="0"/>
+              </a:rPr>
+              <a:t>Teon</a:t>
+            </a:r>
+            <a:r>
+              <a:rPr lang="en-US" sz="1100" b="0" i="0" dirty="0">
+                <a:effectLst/>
+                <a:latin typeface="Times New Roman" panose="02020603050405020304" pitchFamily="18" charset="0"/>
+                <a:cs typeface="Times New Roman" panose="02020603050405020304" pitchFamily="18" charset="0"/>
+              </a:rPr>
+              <a:t> Brooks, Lauri </a:t>
+            </a:r>
+            <a:r>
+              <a:rPr lang="en-US" sz="1100" b="0" i="0" dirty="0" err="1">
+                <a:effectLst/>
+                <a:latin typeface="Times New Roman" panose="02020603050405020304" pitchFamily="18" charset="0"/>
+                <a:cs typeface="Times New Roman" panose="02020603050405020304" pitchFamily="18" charset="0"/>
+              </a:rPr>
+              <a:t>Parkkonen</a:t>
+            </a:r>
+            <a:r>
+              <a:rPr lang="en-US" sz="1100" b="0" i="0" dirty="0">
+                <a:effectLst/>
+                <a:latin typeface="Times New Roman" panose="02020603050405020304" pitchFamily="18" charset="0"/>
+                <a:cs typeface="Times New Roman" panose="02020603050405020304" pitchFamily="18" charset="0"/>
+              </a:rPr>
+              <a:t>, and Matti S. </a:t>
+            </a:r>
+            <a:r>
+              <a:rPr lang="en-US" sz="1100" b="0" i="0" dirty="0" err="1">
+                <a:effectLst/>
+                <a:latin typeface="Times New Roman" panose="02020603050405020304" pitchFamily="18" charset="0"/>
+                <a:cs typeface="Times New Roman" panose="02020603050405020304" pitchFamily="18" charset="0"/>
+              </a:rPr>
+              <a:t>Hämäläinen</a:t>
+            </a:r>
+            <a:r>
+              <a:rPr lang="en-US" sz="1100" b="0" i="0" dirty="0">
+                <a:effectLst/>
+                <a:latin typeface="Times New Roman" panose="02020603050405020304" pitchFamily="18" charset="0"/>
+                <a:cs typeface="Times New Roman" panose="02020603050405020304" pitchFamily="18" charset="0"/>
+              </a:rPr>
+              <a:t>. MEG and EEG data analysis with MNE-Python. </a:t>
+            </a:r>
+            <a:r>
+              <a:rPr lang="en-US" sz="1100" b="0" i="1" dirty="0">
+                <a:effectLst/>
+                <a:latin typeface="Times New Roman" panose="02020603050405020304" pitchFamily="18" charset="0"/>
+                <a:cs typeface="Times New Roman" panose="02020603050405020304" pitchFamily="18" charset="0"/>
+              </a:rPr>
+              <a:t>Frontiers in Neuroscience</a:t>
+            </a:r>
+            <a:r>
+              <a:rPr lang="en-US" sz="1100" b="0" i="0" dirty="0">
+                <a:effectLst/>
+                <a:latin typeface="Times New Roman" panose="02020603050405020304" pitchFamily="18" charset="0"/>
+                <a:cs typeface="Times New Roman" panose="02020603050405020304" pitchFamily="18" charset="0"/>
+              </a:rPr>
+              <a:t>, 7(267):1–13, 2013. </a:t>
+            </a:r>
+            <a:r>
+              <a:rPr lang="en-US" sz="1100" b="0" i="0" u="none" strike="noStrike" dirty="0">
+                <a:effectLst/>
+                <a:latin typeface="Times New Roman" panose="02020603050405020304" pitchFamily="18" charset="0"/>
+                <a:cs typeface="Times New Roman" panose="02020603050405020304" pitchFamily="18" charset="0"/>
+              </a:rPr>
+              <a:t>doi:10.3389/fnins.2013.00267</a:t>
+            </a:r>
+            <a:r>
+              <a:rPr lang="en-US" sz="1100" b="0" i="0" dirty="0">
+                <a:effectLst/>
+                <a:latin typeface="Times New Roman" panose="02020603050405020304" pitchFamily="18" charset="0"/>
+                <a:cs typeface="Times New Roman" panose="02020603050405020304" pitchFamily="18" charset="0"/>
+              </a:rPr>
+              <a:t>.</a:t>
+            </a:r>
+            <a:br>
+              <a:rPr lang="en-US" sz="1100" b="0" i="0" dirty="0">
+                <a:effectLst/>
+                <a:latin typeface="Times New Roman" panose="02020603050405020304" pitchFamily="18" charset="0"/>
+                <a:cs typeface="Times New Roman" panose="02020603050405020304" pitchFamily="18" charset="0"/>
+              </a:rPr>
+            </a:br>
+            <a:br>
+              <a:rPr lang="en-US" sz="1100" b="0" i="0" dirty="0">
+                <a:effectLst/>
+                <a:latin typeface="Times New Roman" panose="02020603050405020304" pitchFamily="18" charset="0"/>
+                <a:cs typeface="Times New Roman" panose="02020603050405020304" pitchFamily="18" charset="0"/>
+              </a:rPr>
+            </a:br>
+            <a:r>
+              <a:rPr lang="en-US" sz="1100" b="0" i="0" dirty="0">
+                <a:effectLst/>
+                <a:latin typeface="Times New Roman" panose="02020603050405020304" pitchFamily="18" charset="0"/>
+                <a:cs typeface="Times New Roman" panose="02020603050405020304" pitchFamily="18" charset="0"/>
+              </a:rPr>
+              <a:t>Alexandre </a:t>
+            </a:r>
+            <a:r>
+              <a:rPr lang="en-US" sz="1100" b="0" i="0" dirty="0" err="1">
+                <a:effectLst/>
+                <a:latin typeface="Times New Roman" panose="02020603050405020304" pitchFamily="18" charset="0"/>
+                <a:cs typeface="Times New Roman" panose="02020603050405020304" pitchFamily="18" charset="0"/>
+              </a:rPr>
+              <a:t>Gramfort</a:t>
+            </a:r>
+            <a:r>
+              <a:rPr lang="en-US" sz="1100" b="0" i="0" dirty="0">
+                <a:effectLst/>
+                <a:latin typeface="Times New Roman" panose="02020603050405020304" pitchFamily="18" charset="0"/>
+                <a:cs typeface="Times New Roman" panose="02020603050405020304" pitchFamily="18" charset="0"/>
+              </a:rPr>
+              <a:t>, Martin </a:t>
+            </a:r>
+            <a:r>
+              <a:rPr lang="en-US" sz="1100" b="0" i="0" dirty="0" err="1">
+                <a:effectLst/>
+                <a:latin typeface="Times New Roman" panose="02020603050405020304" pitchFamily="18" charset="0"/>
+                <a:cs typeface="Times New Roman" panose="02020603050405020304" pitchFamily="18" charset="0"/>
+              </a:rPr>
+              <a:t>Luessi</a:t>
+            </a:r>
+            <a:r>
+              <a:rPr lang="en-US" sz="1100" b="0" i="0" dirty="0">
+                <a:effectLst/>
+                <a:latin typeface="Times New Roman" panose="02020603050405020304" pitchFamily="18" charset="0"/>
+                <a:cs typeface="Times New Roman" panose="02020603050405020304" pitchFamily="18" charset="0"/>
+              </a:rPr>
+              <a:t>, Eric Larson, Denis A. </a:t>
+            </a:r>
+            <a:r>
+              <a:rPr lang="en-US" sz="1100" b="0" i="0" dirty="0" err="1">
+                <a:effectLst/>
+                <a:latin typeface="Times New Roman" panose="02020603050405020304" pitchFamily="18" charset="0"/>
+                <a:cs typeface="Times New Roman" panose="02020603050405020304" pitchFamily="18" charset="0"/>
+              </a:rPr>
+              <a:t>Engemann</a:t>
+            </a:r>
+            <a:r>
+              <a:rPr lang="en-US" sz="1100" b="0" i="0" dirty="0">
+                <a:effectLst/>
+                <a:latin typeface="Times New Roman" panose="02020603050405020304" pitchFamily="18" charset="0"/>
+                <a:cs typeface="Times New Roman" panose="02020603050405020304" pitchFamily="18" charset="0"/>
+              </a:rPr>
+              <a:t>, Daniel </a:t>
+            </a:r>
+            <a:r>
+              <a:rPr lang="en-US" sz="1100" b="0" i="0" dirty="0" err="1">
+                <a:effectLst/>
+                <a:latin typeface="Times New Roman" panose="02020603050405020304" pitchFamily="18" charset="0"/>
+                <a:cs typeface="Times New Roman" panose="02020603050405020304" pitchFamily="18" charset="0"/>
+              </a:rPr>
+              <a:t>Strohmeier</a:t>
+            </a:r>
+            <a:r>
+              <a:rPr lang="en-US" sz="1100" b="0" i="0" dirty="0">
+                <a:effectLst/>
+                <a:latin typeface="Times New Roman" panose="02020603050405020304" pitchFamily="18" charset="0"/>
+                <a:cs typeface="Times New Roman" panose="02020603050405020304" pitchFamily="18" charset="0"/>
+              </a:rPr>
+              <a:t>, Christian </a:t>
+            </a:r>
+            <a:r>
+              <a:rPr lang="en-US" sz="1100" b="0" i="0" dirty="0" err="1">
+                <a:effectLst/>
+                <a:latin typeface="Times New Roman" panose="02020603050405020304" pitchFamily="18" charset="0"/>
+                <a:cs typeface="Times New Roman" panose="02020603050405020304" pitchFamily="18" charset="0"/>
+              </a:rPr>
+              <a:t>Brodbeck</a:t>
+            </a:r>
+            <a:r>
+              <a:rPr lang="en-US" sz="1100" b="0" i="0" dirty="0">
+                <a:effectLst/>
+                <a:latin typeface="Times New Roman" panose="02020603050405020304" pitchFamily="18" charset="0"/>
+                <a:cs typeface="Times New Roman" panose="02020603050405020304" pitchFamily="18" charset="0"/>
+              </a:rPr>
+              <a:t>, Lauri </a:t>
+            </a:r>
+            <a:r>
+              <a:rPr lang="en-US" sz="1100" b="0" i="0" dirty="0" err="1">
+                <a:effectLst/>
+                <a:latin typeface="Times New Roman" panose="02020603050405020304" pitchFamily="18" charset="0"/>
+                <a:cs typeface="Times New Roman" panose="02020603050405020304" pitchFamily="18" charset="0"/>
+              </a:rPr>
+              <a:t>Parkkonen</a:t>
+            </a:r>
+            <a:r>
+              <a:rPr lang="en-US" sz="1100" b="0" i="0" dirty="0">
+                <a:effectLst/>
+                <a:latin typeface="Times New Roman" panose="02020603050405020304" pitchFamily="18" charset="0"/>
+                <a:cs typeface="Times New Roman" panose="02020603050405020304" pitchFamily="18" charset="0"/>
+              </a:rPr>
+              <a:t>, and Matti S. </a:t>
+            </a:r>
+            <a:r>
+              <a:rPr lang="en-US" sz="1100" b="0" i="0" dirty="0" err="1">
+                <a:effectLst/>
+                <a:latin typeface="Times New Roman" panose="02020603050405020304" pitchFamily="18" charset="0"/>
+                <a:cs typeface="Times New Roman" panose="02020603050405020304" pitchFamily="18" charset="0"/>
+              </a:rPr>
+              <a:t>Hämäläinen</a:t>
+            </a:r>
+            <a:r>
+              <a:rPr lang="en-US" sz="1100" b="0" i="0" dirty="0">
+                <a:effectLst/>
+                <a:latin typeface="Times New Roman" panose="02020603050405020304" pitchFamily="18" charset="0"/>
+                <a:cs typeface="Times New Roman" panose="02020603050405020304" pitchFamily="18" charset="0"/>
+              </a:rPr>
+              <a:t>. MNE software for processing MEG and EEG data. </a:t>
+            </a:r>
+            <a:r>
+              <a:rPr lang="en-US" sz="1100" b="0" i="1" dirty="0" err="1">
+                <a:effectLst/>
+                <a:latin typeface="Times New Roman" panose="02020603050405020304" pitchFamily="18" charset="0"/>
+                <a:cs typeface="Times New Roman" panose="02020603050405020304" pitchFamily="18" charset="0"/>
+              </a:rPr>
+              <a:t>NeuroImage</a:t>
+            </a:r>
+            <a:r>
+              <a:rPr lang="en-US" sz="1100" b="0" i="0" dirty="0">
+                <a:effectLst/>
+                <a:latin typeface="Times New Roman" panose="02020603050405020304" pitchFamily="18" charset="0"/>
+                <a:cs typeface="Times New Roman" panose="02020603050405020304" pitchFamily="18" charset="0"/>
+              </a:rPr>
+              <a:t>, 86:446–460, 2014.</a:t>
+            </a:r>
+            <a:r>
+              <a:rPr lang="en-US" sz="1100" b="0" i="0" u="sng" dirty="0">
+                <a:effectLst/>
+                <a:latin typeface="Times New Roman" panose="02020603050405020304" pitchFamily="18" charset="0"/>
+                <a:cs typeface="Times New Roman" panose="02020603050405020304" pitchFamily="18" charset="0"/>
+              </a:rPr>
+              <a:t> </a:t>
+            </a:r>
+            <a:r>
+              <a:rPr lang="en-US" sz="1100" b="0" i="0" strike="noStrike" dirty="0">
+                <a:effectLst/>
+                <a:latin typeface="Times New Roman" panose="02020603050405020304" pitchFamily="18" charset="0"/>
+                <a:cs typeface="Times New Roman" panose="02020603050405020304" pitchFamily="18" charset="0"/>
+              </a:rPr>
+              <a:t>doi:10.1016/j.neuroimage.2013.10.027</a:t>
+            </a:r>
+            <a:r>
+              <a:rPr lang="en-US" sz="1100" b="0" i="0" dirty="0">
+                <a:effectLst/>
+                <a:latin typeface="Times New Roman" panose="02020603050405020304" pitchFamily="18" charset="0"/>
+                <a:cs typeface="Times New Roman" panose="02020603050405020304" pitchFamily="18" charset="0"/>
+              </a:rPr>
+              <a:t>.</a:t>
+            </a:r>
+          </a:p>
+          <a:p>
+            <a:endParaRPr lang="en-US" sz="1100" dirty="0">
+              <a:latin typeface="Times New Roman" panose="02020603050405020304" pitchFamily="18" charset="0"/>
+              <a:cs typeface="Times New Roman" panose="02020603050405020304" pitchFamily="18" charset="0"/>
+            </a:endParaRPr>
+          </a:p>
+          <a:p>
+            <a:r>
+              <a:rPr lang="en-US" sz="1100" b="0" i="0" dirty="0" err="1">
+                <a:effectLst/>
+                <a:latin typeface="Times New Roman" panose="02020603050405020304" pitchFamily="18" charset="0"/>
+                <a:cs typeface="Times New Roman" panose="02020603050405020304" pitchFamily="18" charset="0"/>
+              </a:rPr>
+              <a:t>Arns</a:t>
+            </a:r>
+            <a:r>
+              <a:rPr lang="en-US" sz="1100" b="0" i="0" dirty="0">
+                <a:effectLst/>
+                <a:latin typeface="Times New Roman" panose="02020603050405020304" pitchFamily="18" charset="0"/>
+                <a:cs typeface="Times New Roman" panose="02020603050405020304" pitchFamily="18" charset="0"/>
+              </a:rPr>
+              <a:t>, M., </a:t>
+            </a:r>
+            <a:r>
+              <a:rPr lang="en-US" sz="1100" b="0" i="0" dirty="0" err="1">
+                <a:effectLst/>
+                <a:latin typeface="Times New Roman" panose="02020603050405020304" pitchFamily="18" charset="0"/>
+                <a:cs typeface="Times New Roman" panose="02020603050405020304" pitchFamily="18" charset="0"/>
+              </a:rPr>
+              <a:t>Etkin</a:t>
+            </a:r>
+            <a:r>
+              <a:rPr lang="en-US" sz="1100" b="0" i="0" dirty="0">
+                <a:effectLst/>
+                <a:latin typeface="Times New Roman" panose="02020603050405020304" pitchFamily="18" charset="0"/>
+                <a:cs typeface="Times New Roman" panose="02020603050405020304" pitchFamily="18" charset="0"/>
+              </a:rPr>
+              <a:t>, A., </a:t>
+            </a:r>
+            <a:r>
+              <a:rPr lang="en-US" sz="1100" b="0" i="0" dirty="0" err="1">
+                <a:effectLst/>
+                <a:latin typeface="Times New Roman" panose="02020603050405020304" pitchFamily="18" charset="0"/>
+                <a:cs typeface="Times New Roman" panose="02020603050405020304" pitchFamily="18" charset="0"/>
+              </a:rPr>
+              <a:t>Hegerl</a:t>
+            </a:r>
+            <a:r>
+              <a:rPr lang="en-US" sz="1100" b="0" i="0" dirty="0">
+                <a:effectLst/>
+                <a:latin typeface="Times New Roman" panose="02020603050405020304" pitchFamily="18" charset="0"/>
+                <a:cs typeface="Times New Roman" panose="02020603050405020304" pitchFamily="18" charset="0"/>
+              </a:rPr>
+              <a:t>, U., Williams, L. M., </a:t>
+            </a:r>
+            <a:r>
+              <a:rPr lang="en-US" sz="1100" b="0" i="0" dirty="0" err="1">
+                <a:effectLst/>
+                <a:latin typeface="Times New Roman" panose="02020603050405020304" pitchFamily="18" charset="0"/>
+                <a:cs typeface="Times New Roman" panose="02020603050405020304" pitchFamily="18" charset="0"/>
+              </a:rPr>
+              <a:t>DeBattista</a:t>
+            </a:r>
+            <a:r>
+              <a:rPr lang="en-US" sz="1100" b="0" i="0" dirty="0">
+                <a:effectLst/>
+                <a:latin typeface="Times New Roman" panose="02020603050405020304" pitchFamily="18" charset="0"/>
+                <a:cs typeface="Times New Roman" panose="02020603050405020304" pitchFamily="18" charset="0"/>
+              </a:rPr>
+              <a:t>, C., Palmer, D. M., Fitzgerald, P. B., Harris, A., </a:t>
+            </a:r>
+            <a:r>
+              <a:rPr lang="en-US" sz="1100" b="0" i="0" dirty="0" err="1">
+                <a:effectLst/>
+                <a:latin typeface="Times New Roman" panose="02020603050405020304" pitchFamily="18" charset="0"/>
+                <a:cs typeface="Times New Roman" panose="02020603050405020304" pitchFamily="18" charset="0"/>
+              </a:rPr>
+              <a:t>deBeuss</a:t>
+            </a:r>
+            <a:r>
+              <a:rPr lang="en-US" sz="1100" b="0" i="0" dirty="0">
+                <a:effectLst/>
+                <a:latin typeface="Times New Roman" panose="02020603050405020304" pitchFamily="18" charset="0"/>
+                <a:cs typeface="Times New Roman" panose="02020603050405020304" pitchFamily="18" charset="0"/>
+              </a:rPr>
+              <a:t>, R., &amp; Gordon, E. (2015). Frontal and rostral anterior cingulate (</a:t>
+            </a:r>
+            <a:r>
+              <a:rPr lang="en-US" sz="1100" b="0" i="0" dirty="0" err="1">
+                <a:effectLst/>
+                <a:latin typeface="Times New Roman" panose="02020603050405020304" pitchFamily="18" charset="0"/>
+                <a:cs typeface="Times New Roman" panose="02020603050405020304" pitchFamily="18" charset="0"/>
+              </a:rPr>
+              <a:t>rACC</a:t>
+            </a:r>
+            <a:r>
+              <a:rPr lang="en-US" sz="1100" b="0" i="0" dirty="0">
+                <a:effectLst/>
+                <a:latin typeface="Times New Roman" panose="02020603050405020304" pitchFamily="18" charset="0"/>
+                <a:cs typeface="Times New Roman" panose="02020603050405020304" pitchFamily="18" charset="0"/>
+              </a:rPr>
+              <a:t>) theta EEG in depression: implications for treatment outcome?. </a:t>
+            </a:r>
+            <a:r>
+              <a:rPr lang="en-US" sz="1100" b="0" i="1" dirty="0">
+                <a:effectLst/>
+                <a:latin typeface="Times New Roman" panose="02020603050405020304" pitchFamily="18" charset="0"/>
+                <a:cs typeface="Times New Roman" panose="02020603050405020304" pitchFamily="18" charset="0"/>
+              </a:rPr>
+              <a:t>European neuropsychopharmacology : the journal of the European College of Neuropsychopharmacology</a:t>
+            </a:r>
+            <a:r>
+              <a:rPr lang="en-US" sz="1100" b="0" i="0" dirty="0">
+                <a:effectLst/>
+                <a:latin typeface="Times New Roman" panose="02020603050405020304" pitchFamily="18" charset="0"/>
+                <a:cs typeface="Times New Roman" panose="02020603050405020304" pitchFamily="18" charset="0"/>
+              </a:rPr>
+              <a:t>, </a:t>
+            </a:r>
+            <a:r>
+              <a:rPr lang="en-US" sz="1100" b="0" i="1" dirty="0">
+                <a:effectLst/>
+                <a:latin typeface="Times New Roman" panose="02020603050405020304" pitchFamily="18" charset="0"/>
+                <a:cs typeface="Times New Roman" panose="02020603050405020304" pitchFamily="18" charset="0"/>
+              </a:rPr>
+              <a:t>25</a:t>
+            </a:r>
+            <a:r>
+              <a:rPr lang="en-US" sz="1100" b="0" i="0" dirty="0">
+                <a:effectLst/>
+                <a:latin typeface="Times New Roman" panose="02020603050405020304" pitchFamily="18" charset="0"/>
+                <a:cs typeface="Times New Roman" panose="02020603050405020304" pitchFamily="18" charset="0"/>
+              </a:rPr>
+              <a:t>(8), 1190–1200.</a:t>
+            </a:r>
+          </a:p>
+          <a:p>
+            <a:endParaRPr lang="en-US" sz="1100" dirty="0">
+              <a:latin typeface="Times New Roman" panose="02020603050405020304" pitchFamily="18" charset="0"/>
+              <a:cs typeface="Times New Roman" panose="02020603050405020304" pitchFamily="18" charset="0"/>
+            </a:endParaRPr>
+          </a:p>
+          <a:p>
+            <a:pPr algn="l"/>
+            <a:r>
+              <a:rPr lang="en-US" sz="1100" dirty="0" err="1">
+                <a:latin typeface="Times New Roman" panose="02020603050405020304" pitchFamily="18" charset="0"/>
+                <a:cs typeface="Times New Roman" panose="02020603050405020304" pitchFamily="18" charset="0"/>
+              </a:rPr>
+              <a:t>C</a:t>
+            </a:r>
+            <a:r>
+              <a:rPr lang="en-US" sz="1100" b="0" i="0" dirty="0" err="1">
+                <a:effectLst/>
+                <a:latin typeface="Times New Roman" panose="02020603050405020304" pitchFamily="18" charset="0"/>
+                <a:cs typeface="Times New Roman" panose="02020603050405020304" pitchFamily="18" charset="0"/>
+              </a:rPr>
+              <a:t>hesnut</a:t>
+            </a:r>
+            <a:r>
+              <a:rPr lang="en-US" sz="1100" b="0" i="0" dirty="0">
+                <a:effectLst/>
+                <a:latin typeface="Times New Roman" panose="02020603050405020304" pitchFamily="18" charset="0"/>
+                <a:cs typeface="Times New Roman" panose="02020603050405020304" pitchFamily="18" charset="0"/>
+              </a:rPr>
+              <a:t>, M., </a:t>
+            </a:r>
+            <a:r>
+              <a:rPr lang="en-US" sz="1100" b="0" i="0" dirty="0" err="1">
+                <a:effectLst/>
+                <a:latin typeface="Times New Roman" panose="02020603050405020304" pitchFamily="18" charset="0"/>
+                <a:cs typeface="Times New Roman" panose="02020603050405020304" pitchFamily="18" charset="0"/>
+              </a:rPr>
+              <a:t>Harati</a:t>
+            </a:r>
+            <a:r>
+              <a:rPr lang="en-US" sz="1100" b="0" i="0" dirty="0">
+                <a:effectLst/>
+                <a:latin typeface="Times New Roman" panose="02020603050405020304" pitchFamily="18" charset="0"/>
+                <a:cs typeface="Times New Roman" panose="02020603050405020304" pitchFamily="18" charset="0"/>
+              </a:rPr>
+              <a:t>, S., Paredes, P., Khan, Y., </a:t>
+            </a:r>
+            <a:r>
+              <a:rPr lang="en-US" sz="1100" b="0" i="0" dirty="0" err="1">
+                <a:effectLst/>
+                <a:latin typeface="Times New Roman" panose="02020603050405020304" pitchFamily="18" charset="0"/>
+                <a:cs typeface="Times New Roman" panose="02020603050405020304" pitchFamily="18" charset="0"/>
+              </a:rPr>
+              <a:t>Foudeh</a:t>
+            </a:r>
+            <a:r>
+              <a:rPr lang="en-US" sz="1100" b="0" i="0" dirty="0">
+                <a:effectLst/>
+                <a:latin typeface="Times New Roman" panose="02020603050405020304" pitchFamily="18" charset="0"/>
+                <a:cs typeface="Times New Roman" panose="02020603050405020304" pitchFamily="18" charset="0"/>
+              </a:rPr>
+              <a:t>, A., Kim, J., Bao, Z., &amp; Williams, L. M. (2021). Stress Markers for Mental States and Biotypes of Depression and Anxiety: A Scoping Review and Preliminary Illustrative Analysis. </a:t>
+            </a:r>
+            <a:r>
+              <a:rPr lang="en-US" sz="1100" b="0" i="1" dirty="0">
+                <a:effectLst/>
+                <a:latin typeface="Times New Roman" panose="02020603050405020304" pitchFamily="18" charset="0"/>
+                <a:cs typeface="Times New Roman" panose="02020603050405020304" pitchFamily="18" charset="0"/>
+              </a:rPr>
+              <a:t>Chronic stress (Thousand Oaks, Calif.)</a:t>
+            </a:r>
+            <a:r>
+              <a:rPr lang="en-US" sz="1100" b="0" i="0" dirty="0">
+                <a:effectLst/>
+                <a:latin typeface="Times New Roman" panose="02020603050405020304" pitchFamily="18" charset="0"/>
+                <a:cs typeface="Times New Roman" panose="02020603050405020304" pitchFamily="18" charset="0"/>
+              </a:rPr>
+              <a:t>, </a:t>
+            </a:r>
+            <a:r>
+              <a:rPr lang="en-US" sz="1100" b="0" i="1" dirty="0">
+                <a:effectLst/>
+                <a:latin typeface="Times New Roman" panose="02020603050405020304" pitchFamily="18" charset="0"/>
+                <a:cs typeface="Times New Roman" panose="02020603050405020304" pitchFamily="18" charset="0"/>
+              </a:rPr>
+              <a:t>5</a:t>
+            </a:r>
+            <a:r>
+              <a:rPr lang="en-US" sz="1100" b="0" i="0" dirty="0">
+                <a:effectLst/>
+                <a:latin typeface="Times New Roman" panose="02020603050405020304" pitchFamily="18" charset="0"/>
+                <a:cs typeface="Times New Roman" panose="02020603050405020304" pitchFamily="18" charset="0"/>
+              </a:rPr>
+              <a:t>, 24705470211000338. https://</a:t>
+            </a:r>
+            <a:r>
+              <a:rPr lang="en-US" sz="1100" b="0" i="0" dirty="0" err="1">
+                <a:effectLst/>
+                <a:latin typeface="Times New Roman" panose="02020603050405020304" pitchFamily="18" charset="0"/>
+                <a:cs typeface="Times New Roman" panose="02020603050405020304" pitchFamily="18" charset="0"/>
+              </a:rPr>
+              <a:t>doi.org</a:t>
+            </a:r>
+            <a:r>
+              <a:rPr lang="en-US" sz="1100" b="0" i="0" dirty="0">
+                <a:effectLst/>
+                <a:latin typeface="Times New Roman" panose="02020603050405020304" pitchFamily="18" charset="0"/>
+                <a:cs typeface="Times New Roman" panose="02020603050405020304" pitchFamily="18" charset="0"/>
+              </a:rPr>
+              <a:t>/10.1177/24705470211000338</a:t>
+            </a:r>
+          </a:p>
+          <a:p>
+            <a:pPr algn="l"/>
+            <a:br>
+              <a:rPr lang="en-US" sz="1100" b="0" i="0" dirty="0">
+                <a:effectLst/>
+                <a:latin typeface="Times New Roman" panose="02020603050405020304" pitchFamily="18" charset="0"/>
+                <a:cs typeface="Times New Roman" panose="02020603050405020304" pitchFamily="18" charset="0"/>
+              </a:rPr>
+            </a:br>
+            <a:r>
+              <a:rPr lang="en-US" sz="1100" b="0" i="0" dirty="0">
+                <a:effectLst/>
+                <a:latin typeface="Times New Roman" panose="02020603050405020304" pitchFamily="18" charset="0"/>
+                <a:cs typeface="Times New Roman" panose="02020603050405020304" pitchFamily="18" charset="0"/>
               </a:rPr>
               <a:t>HAMILTON M. (1960). A rating scale for depression. </a:t>
             </a:r>
             <a:r>
-              <a:rPr lang="en-US" sz="1200" b="0" i="1" dirty="0">
-                <a:effectLst/>
+              <a:rPr lang="en-US" sz="1100" b="0" i="1" dirty="0">
+                <a:effectLst/>
+                <a:latin typeface="Times New Roman" panose="02020603050405020304" pitchFamily="18" charset="0"/>
+                <a:cs typeface="Times New Roman" panose="02020603050405020304" pitchFamily="18" charset="0"/>
               </a:rPr>
               <a:t>Journal of neurology, neurosurgery, and psychiatry</a:t>
             </a:r>
             <a:r>
-              <a:rPr lang="en-US" sz="1200" b="0" i="0" dirty="0">
-                <a:effectLst/>
+              <a:rPr lang="en-US" sz="1100" b="0" i="0" dirty="0">
+                <a:effectLst/>
+                <a:latin typeface="Times New Roman" panose="02020603050405020304" pitchFamily="18" charset="0"/>
+                <a:cs typeface="Times New Roman" panose="02020603050405020304" pitchFamily="18" charset="0"/>
               </a:rPr>
               <a:t>, </a:t>
             </a:r>
             <a:r>
-              <a:rPr lang="en-US" sz="1200" b="0" i="1" dirty="0">
-                <a:effectLst/>
+              <a:rPr lang="en-US" sz="1100" b="0" i="1" dirty="0">
+                <a:effectLst/>
+                <a:latin typeface="Times New Roman" panose="02020603050405020304" pitchFamily="18" charset="0"/>
+                <a:cs typeface="Times New Roman" panose="02020603050405020304" pitchFamily="18" charset="0"/>
               </a:rPr>
               <a:t>23</a:t>
             </a:r>
             <a:r>
-              <a:rPr lang="en-US" sz="1200" b="0" i="0" dirty="0">
-                <a:effectLst/>
+              <a:rPr lang="en-US" sz="1100" b="0" i="0" dirty="0">
+                <a:effectLst/>
+                <a:latin typeface="Times New Roman" panose="02020603050405020304" pitchFamily="18" charset="0"/>
+                <a:cs typeface="Times New Roman" panose="02020603050405020304" pitchFamily="18" charset="0"/>
               </a:rPr>
               <a:t>(1), 56–62. https://</a:t>
             </a:r>
             <a:r>
-              <a:rPr lang="en-US" sz="1200" b="0" i="0" dirty="0" err="1">
-                <a:effectLst/>
+              <a:rPr lang="en-US" sz="1100" b="0" i="0" dirty="0" err="1">
+                <a:effectLst/>
+                <a:latin typeface="Times New Roman" panose="02020603050405020304" pitchFamily="18" charset="0"/>
+                <a:cs typeface="Times New Roman" panose="02020603050405020304" pitchFamily="18" charset="0"/>
               </a:rPr>
               <a:t>doi.org</a:t>
             </a:r>
             <a:r>
-              <a:rPr lang="en-US" sz="1200" b="0" i="0" dirty="0">
-                <a:effectLst/>
+              <a:rPr lang="en-US" sz="1100" b="0" i="0" dirty="0">
+                <a:effectLst/>
+                <a:latin typeface="Times New Roman" panose="02020603050405020304" pitchFamily="18" charset="0"/>
+                <a:cs typeface="Times New Roman" panose="02020603050405020304" pitchFamily="18" charset="0"/>
               </a:rPr>
               <a:t>/10.1136/jnnp.23.1.56</a:t>
             </a:r>
-            <a:endParaRPr lang="en-US" sz="1200" dirty="0"/>
+            <a:endParaRPr lang="en-US" sz="1100" dirty="0">
+              <a:latin typeface="Times New Roman" panose="02020603050405020304" pitchFamily="18" charset="0"/>
+              <a:cs typeface="Times New Roman" panose="02020603050405020304" pitchFamily="18" charset="0"/>
+            </a:endParaRPr>
+          </a:p>
+          <a:p>
+            <a:endParaRPr lang="en-US" sz="1100" b="0" i="0" dirty="0">
+              <a:effectLst/>
+              <a:latin typeface="Times New Roman" panose="02020603050405020304" pitchFamily="18" charset="0"/>
+              <a:cs typeface="Times New Roman" panose="02020603050405020304" pitchFamily="18" charset="0"/>
+            </a:endParaRPr>
+          </a:p>
+          <a:p>
+            <a:r>
+              <a:rPr lang="en-US" sz="1100" b="0" i="0" dirty="0" err="1">
+                <a:effectLst/>
+                <a:latin typeface="Times New Roman" panose="02020603050405020304" pitchFamily="18" charset="0"/>
+                <a:cs typeface="Times New Roman" panose="02020603050405020304" pitchFamily="18" charset="0"/>
+              </a:rPr>
+              <a:t>Jaworska</a:t>
+            </a:r>
+            <a:r>
+              <a:rPr lang="en-US" sz="1100" b="0" i="0" dirty="0">
+                <a:effectLst/>
+                <a:latin typeface="Times New Roman" panose="02020603050405020304" pitchFamily="18" charset="0"/>
+                <a:cs typeface="Times New Roman" panose="02020603050405020304" pitchFamily="18" charset="0"/>
+              </a:rPr>
+              <a:t>, N., </a:t>
+            </a:r>
+            <a:r>
+              <a:rPr lang="en-US" sz="1100" b="0" i="0" dirty="0" err="1">
+                <a:effectLst/>
+                <a:latin typeface="Times New Roman" panose="02020603050405020304" pitchFamily="18" charset="0"/>
+                <a:cs typeface="Times New Roman" panose="02020603050405020304" pitchFamily="18" charset="0"/>
+              </a:rPr>
+              <a:t>Blier</a:t>
+            </a:r>
+            <a:r>
+              <a:rPr lang="en-US" sz="1100" b="0" i="0" dirty="0">
+                <a:effectLst/>
+                <a:latin typeface="Times New Roman" panose="02020603050405020304" pitchFamily="18" charset="0"/>
+                <a:cs typeface="Times New Roman" panose="02020603050405020304" pitchFamily="18" charset="0"/>
+              </a:rPr>
+              <a:t>, P., </a:t>
+            </a:r>
+            <a:r>
+              <a:rPr lang="en-US" sz="1100" b="0" i="0" dirty="0" err="1">
+                <a:effectLst/>
+                <a:latin typeface="Times New Roman" panose="02020603050405020304" pitchFamily="18" charset="0"/>
+                <a:cs typeface="Times New Roman" panose="02020603050405020304" pitchFamily="18" charset="0"/>
+              </a:rPr>
+              <a:t>Fusee</a:t>
+            </a:r>
+            <a:r>
+              <a:rPr lang="en-US" sz="1100" b="0" i="0" dirty="0">
+                <a:effectLst/>
+                <a:latin typeface="Times New Roman" panose="02020603050405020304" pitchFamily="18" charset="0"/>
+                <a:cs typeface="Times New Roman" panose="02020603050405020304" pitchFamily="18" charset="0"/>
+              </a:rPr>
+              <a:t>, W., &amp; Knott, V. (2012). </a:t>
+            </a:r>
+            <a:r>
+              <a:rPr lang="el-GR" sz="1100" b="0" i="0" dirty="0">
+                <a:effectLst/>
+                <a:latin typeface="Times New Roman" panose="02020603050405020304" pitchFamily="18" charset="0"/>
+                <a:cs typeface="Times New Roman" panose="02020603050405020304" pitchFamily="18" charset="0"/>
+              </a:rPr>
+              <a:t>α </a:t>
+            </a:r>
+            <a:r>
+              <a:rPr lang="en-US" sz="1100" b="0" i="0" dirty="0">
+                <a:effectLst/>
+                <a:latin typeface="Times New Roman" panose="02020603050405020304" pitchFamily="18" charset="0"/>
+                <a:cs typeface="Times New Roman" panose="02020603050405020304" pitchFamily="18" charset="0"/>
+              </a:rPr>
+              <a:t>Power, </a:t>
+            </a:r>
+            <a:r>
+              <a:rPr lang="el-GR" sz="1100" b="0" i="0" dirty="0">
+                <a:effectLst/>
+                <a:latin typeface="Times New Roman" panose="02020603050405020304" pitchFamily="18" charset="0"/>
+                <a:cs typeface="Times New Roman" panose="02020603050405020304" pitchFamily="18" charset="0"/>
+              </a:rPr>
+              <a:t>α </a:t>
+            </a:r>
+            <a:r>
+              <a:rPr lang="en-US" sz="1100" b="0" i="0" dirty="0">
+                <a:effectLst/>
+                <a:latin typeface="Times New Roman" panose="02020603050405020304" pitchFamily="18" charset="0"/>
+                <a:cs typeface="Times New Roman" panose="02020603050405020304" pitchFamily="18" charset="0"/>
+              </a:rPr>
+              <a:t>asymmetry and anterior cingulate cortex activity in depressed males and females. </a:t>
+            </a:r>
+            <a:r>
+              <a:rPr lang="en-US" sz="1100" b="0" i="1" dirty="0">
+                <a:effectLst/>
+                <a:latin typeface="Times New Roman" panose="02020603050405020304" pitchFamily="18" charset="0"/>
+                <a:cs typeface="Times New Roman" panose="02020603050405020304" pitchFamily="18" charset="0"/>
+              </a:rPr>
+              <a:t>Journal of    psychiatric research</a:t>
+            </a:r>
+            <a:r>
+              <a:rPr lang="en-US" sz="1100" b="0" i="0" dirty="0">
+                <a:effectLst/>
+                <a:latin typeface="Times New Roman" panose="02020603050405020304" pitchFamily="18" charset="0"/>
+                <a:cs typeface="Times New Roman" panose="02020603050405020304" pitchFamily="18" charset="0"/>
+              </a:rPr>
+              <a:t>, </a:t>
+            </a:r>
+            <a:r>
+              <a:rPr lang="en-US" sz="1100" b="0" i="1" dirty="0">
+                <a:effectLst/>
+                <a:latin typeface="Times New Roman" panose="02020603050405020304" pitchFamily="18" charset="0"/>
+                <a:cs typeface="Times New Roman" panose="02020603050405020304" pitchFamily="18" charset="0"/>
+              </a:rPr>
+              <a:t>46</a:t>
+            </a:r>
+            <a:r>
+              <a:rPr lang="en-US" sz="1100" b="0" i="0" dirty="0">
+                <a:effectLst/>
+                <a:latin typeface="Times New Roman" panose="02020603050405020304" pitchFamily="18" charset="0"/>
+                <a:cs typeface="Times New Roman" panose="02020603050405020304" pitchFamily="18" charset="0"/>
+              </a:rPr>
+              <a:t>(11), 1483–1491. https://doi.org/10.1016/j.jpsychires.2012.08.003</a:t>
+            </a:r>
+          </a:p>
+          <a:p>
+            <a:endParaRPr lang="en-US" sz="1100" dirty="0">
+              <a:latin typeface="Times New Roman" panose="02020603050405020304" pitchFamily="18" charset="0"/>
+              <a:ea typeface="+mn-lt"/>
+              <a:cs typeface="Times New Roman" panose="02020603050405020304" pitchFamily="18" charset="0"/>
+            </a:endParaRPr>
+          </a:p>
+          <a:p>
+            <a:r>
+              <a:rPr lang="en-US" sz="1100" b="0" i="0" dirty="0" err="1">
+                <a:effectLst/>
+                <a:latin typeface="Times New Roman" panose="02020603050405020304" pitchFamily="18" charset="0"/>
+                <a:cs typeface="Times New Roman" panose="02020603050405020304" pitchFamily="18" charset="0"/>
+              </a:rPr>
+              <a:t>Korb</a:t>
+            </a:r>
+            <a:r>
+              <a:rPr lang="en-US" sz="1100" b="0" i="0" dirty="0">
+                <a:effectLst/>
+                <a:latin typeface="Times New Roman" panose="02020603050405020304" pitchFamily="18" charset="0"/>
+                <a:cs typeface="Times New Roman" panose="02020603050405020304" pitchFamily="18" charset="0"/>
+              </a:rPr>
+              <a:t>, A. S., Cook, I. A., Hunter, A. M., &amp; </a:t>
+            </a:r>
+            <a:r>
+              <a:rPr lang="en-US" sz="1100" b="0" i="0" dirty="0" err="1">
+                <a:effectLst/>
+                <a:latin typeface="Times New Roman" panose="02020603050405020304" pitchFamily="18" charset="0"/>
+                <a:cs typeface="Times New Roman" panose="02020603050405020304" pitchFamily="18" charset="0"/>
+              </a:rPr>
+              <a:t>Leuchter</a:t>
+            </a:r>
+            <a:r>
+              <a:rPr lang="en-US" sz="1100" b="0" i="0" dirty="0">
+                <a:effectLst/>
+                <a:latin typeface="Times New Roman" panose="02020603050405020304" pitchFamily="18" charset="0"/>
+                <a:cs typeface="Times New Roman" panose="02020603050405020304" pitchFamily="18" charset="0"/>
+              </a:rPr>
+              <a:t>, A. F. (2008). Brain electrical source differences between depressed subjects and healthy controls. </a:t>
+            </a:r>
+            <a:r>
+              <a:rPr lang="en-US" sz="1100" b="0" i="1" dirty="0">
+                <a:effectLst/>
+                <a:latin typeface="Times New Roman" panose="02020603050405020304" pitchFamily="18" charset="0"/>
+                <a:cs typeface="Times New Roman" panose="02020603050405020304" pitchFamily="18" charset="0"/>
+              </a:rPr>
+              <a:t>Brain topography</a:t>
+            </a:r>
+            <a:r>
+              <a:rPr lang="en-US" sz="1100" b="0" i="0" dirty="0">
+                <a:effectLst/>
+                <a:latin typeface="Times New Roman" panose="02020603050405020304" pitchFamily="18" charset="0"/>
+                <a:cs typeface="Times New Roman" panose="02020603050405020304" pitchFamily="18" charset="0"/>
+              </a:rPr>
+              <a:t>, </a:t>
+            </a:r>
+            <a:r>
+              <a:rPr lang="en-US" sz="1100" b="0" i="1" dirty="0">
+                <a:effectLst/>
+                <a:latin typeface="Times New Roman" panose="02020603050405020304" pitchFamily="18" charset="0"/>
+                <a:cs typeface="Times New Roman" panose="02020603050405020304" pitchFamily="18" charset="0"/>
+              </a:rPr>
+              <a:t>21</a:t>
+            </a:r>
+            <a:r>
+              <a:rPr lang="en-US" sz="1100" b="0" i="0" dirty="0">
+                <a:effectLst/>
+                <a:latin typeface="Times New Roman" panose="02020603050405020304" pitchFamily="18" charset="0"/>
+                <a:cs typeface="Times New Roman" panose="02020603050405020304" pitchFamily="18" charset="0"/>
+              </a:rPr>
+              <a:t>(2), 138–146. https://doi.org/10.1007/s10548-008-0070-5</a:t>
+            </a:r>
+          </a:p>
+          <a:p>
+            <a:endParaRPr lang="en-US" sz="1100" dirty="0">
+              <a:latin typeface="Times New Roman" panose="02020603050405020304" pitchFamily="18" charset="0"/>
+              <a:ea typeface="+mn-lt"/>
+              <a:cs typeface="Times New Roman" panose="02020603050405020304" pitchFamily="18" charset="0"/>
+            </a:endParaRPr>
+          </a:p>
+          <a:p>
+            <a:r>
+              <a:rPr lang="en-US" sz="1100" b="0" i="0" dirty="0">
+                <a:effectLst/>
+                <a:latin typeface="Times New Roman" panose="02020603050405020304" pitchFamily="18" charset="0"/>
+                <a:cs typeface="Times New Roman" panose="02020603050405020304" pitchFamily="18" charset="0"/>
+              </a:rPr>
+              <a:t>Lyon, A., </a:t>
+            </a:r>
+            <a:r>
+              <a:rPr lang="en-US" sz="1100" b="0" i="0" dirty="0" err="1">
+                <a:effectLst/>
+                <a:latin typeface="Times New Roman" panose="02020603050405020304" pitchFamily="18" charset="0"/>
+                <a:cs typeface="Times New Roman" panose="02020603050405020304" pitchFamily="18" charset="0"/>
+              </a:rPr>
+              <a:t>Mincholé</a:t>
+            </a:r>
+            <a:r>
+              <a:rPr lang="en-US" sz="1100" b="0" i="0" dirty="0">
+                <a:effectLst/>
+                <a:latin typeface="Times New Roman" panose="02020603050405020304" pitchFamily="18" charset="0"/>
+                <a:cs typeface="Times New Roman" panose="02020603050405020304" pitchFamily="18" charset="0"/>
+              </a:rPr>
+              <a:t>, A., Martínez, J. P., Laguna, P., &amp; Rodriguez, B. (2018). Computational techniques for ECG analysis and interpretation in light of their contribution to medical advances. </a:t>
+            </a:r>
+            <a:r>
+              <a:rPr lang="en-US" sz="1100" b="0" i="1" dirty="0">
+                <a:effectLst/>
+                <a:latin typeface="Times New Roman" panose="02020603050405020304" pitchFamily="18" charset="0"/>
+                <a:cs typeface="Times New Roman" panose="02020603050405020304" pitchFamily="18" charset="0"/>
+              </a:rPr>
+              <a:t>Journal of the Royal Society, Interface</a:t>
+            </a:r>
+            <a:r>
+              <a:rPr lang="en-US" sz="1100" b="0" i="0" dirty="0">
+                <a:effectLst/>
+                <a:latin typeface="Times New Roman" panose="02020603050405020304" pitchFamily="18" charset="0"/>
+                <a:cs typeface="Times New Roman" panose="02020603050405020304" pitchFamily="18" charset="0"/>
+              </a:rPr>
+              <a:t>, </a:t>
+            </a:r>
+            <a:r>
+              <a:rPr lang="en-US" sz="1100" b="0" i="1" dirty="0">
+                <a:effectLst/>
+                <a:latin typeface="Times New Roman" panose="02020603050405020304" pitchFamily="18" charset="0"/>
+                <a:cs typeface="Times New Roman" panose="02020603050405020304" pitchFamily="18" charset="0"/>
+              </a:rPr>
+              <a:t>15</a:t>
+            </a:r>
+            <a:r>
+              <a:rPr lang="en-US" sz="1100" b="0" i="0" dirty="0">
+                <a:effectLst/>
+                <a:latin typeface="Times New Roman" panose="02020603050405020304" pitchFamily="18" charset="0"/>
+                <a:cs typeface="Times New Roman" panose="02020603050405020304" pitchFamily="18" charset="0"/>
+              </a:rPr>
+              <a:t>(138), 20170821.</a:t>
+            </a:r>
+            <a:endParaRPr lang="en-US" sz="1100" dirty="0">
+              <a:latin typeface="Times New Roman" panose="02020603050405020304" pitchFamily="18" charset="0"/>
+              <a:ea typeface="+mn-lt"/>
+              <a:cs typeface="Times New Roman" panose="02020603050405020304" pitchFamily="18" charset="0"/>
+            </a:endParaRPr>
+          </a:p>
+          <a:p>
+            <a:endParaRPr lang="en-US" sz="1100" dirty="0">
+              <a:latin typeface="Times New Roman" panose="02020603050405020304" pitchFamily="18" charset="0"/>
+              <a:ea typeface="+mn-lt"/>
+              <a:cs typeface="Times New Roman" panose="02020603050405020304" pitchFamily="18" charset="0"/>
+            </a:endParaRPr>
+          </a:p>
+          <a:p>
+            <a:r>
+              <a:rPr lang="en-US" sz="1100" dirty="0">
+                <a:latin typeface="Times New Roman" panose="02020603050405020304" pitchFamily="18" charset="0"/>
+                <a:ea typeface="+mn-lt"/>
+                <a:cs typeface="Times New Roman" panose="02020603050405020304" pitchFamily="18" charset="0"/>
+              </a:rPr>
+              <a:t>Pascual-</a:t>
+            </a:r>
+            <a:r>
+              <a:rPr lang="en-US" sz="1100" dirty="0" err="1">
+                <a:latin typeface="Times New Roman" panose="02020603050405020304" pitchFamily="18" charset="0"/>
+                <a:ea typeface="+mn-lt"/>
+                <a:cs typeface="Times New Roman" panose="02020603050405020304" pitchFamily="18" charset="0"/>
+              </a:rPr>
+              <a:t>Marqui</a:t>
+            </a:r>
+            <a:r>
+              <a:rPr lang="en-US" sz="1100" dirty="0">
+                <a:latin typeface="Times New Roman" panose="02020603050405020304" pitchFamily="18" charset="0"/>
+                <a:ea typeface="+mn-lt"/>
+                <a:cs typeface="Times New Roman" panose="02020603050405020304" pitchFamily="18" charset="0"/>
+              </a:rPr>
+              <a:t>, R. D., Lehmann, D., </a:t>
+            </a:r>
+            <a:r>
+              <a:rPr lang="en-US" sz="1100" dirty="0" err="1">
+                <a:latin typeface="Times New Roman" panose="02020603050405020304" pitchFamily="18" charset="0"/>
+                <a:ea typeface="+mn-lt"/>
+                <a:cs typeface="Times New Roman" panose="02020603050405020304" pitchFamily="18" charset="0"/>
+              </a:rPr>
+              <a:t>Koukkou</a:t>
+            </a:r>
+            <a:r>
+              <a:rPr lang="en-US" sz="1100" dirty="0">
+                <a:latin typeface="Times New Roman" panose="02020603050405020304" pitchFamily="18" charset="0"/>
+                <a:ea typeface="+mn-lt"/>
+                <a:cs typeface="Times New Roman" panose="02020603050405020304" pitchFamily="18" charset="0"/>
+              </a:rPr>
+              <a:t>, M., Kochi, K., Anderer, P., </a:t>
+            </a:r>
+            <a:r>
+              <a:rPr lang="en-US" sz="1100" dirty="0" err="1">
+                <a:latin typeface="Times New Roman" panose="02020603050405020304" pitchFamily="18" charset="0"/>
+                <a:ea typeface="+mn-lt"/>
+                <a:cs typeface="Times New Roman" panose="02020603050405020304" pitchFamily="18" charset="0"/>
+              </a:rPr>
+              <a:t>Saletu</a:t>
+            </a:r>
+            <a:r>
+              <a:rPr lang="en-US" sz="1100" dirty="0">
+                <a:latin typeface="Times New Roman" panose="02020603050405020304" pitchFamily="18" charset="0"/>
+                <a:ea typeface="+mn-lt"/>
+                <a:cs typeface="Times New Roman" panose="02020603050405020304" pitchFamily="18" charset="0"/>
+              </a:rPr>
+              <a:t>, B., Tanaka, H., Hirata, K., John, E. R., </a:t>
+            </a:r>
+            <a:r>
+              <a:rPr lang="en-US" sz="1100" dirty="0" err="1">
+                <a:latin typeface="Times New Roman" panose="02020603050405020304" pitchFamily="18" charset="0"/>
+                <a:ea typeface="+mn-lt"/>
+                <a:cs typeface="Times New Roman" panose="02020603050405020304" pitchFamily="18" charset="0"/>
+              </a:rPr>
+              <a:t>Prichep</a:t>
+            </a:r>
+            <a:r>
+              <a:rPr lang="en-US" sz="1100" dirty="0">
+                <a:latin typeface="Times New Roman" panose="02020603050405020304" pitchFamily="18" charset="0"/>
+                <a:ea typeface="+mn-lt"/>
+                <a:cs typeface="Times New Roman" panose="02020603050405020304" pitchFamily="18" charset="0"/>
+              </a:rPr>
+              <a:t>, L., Biscay-Lirio, R., &amp; Kinoshita, T. (2011). Assessing interactions in the brain with exact low-resolution electromagnetic tomography. </a:t>
+            </a:r>
+            <a:r>
+              <a:rPr lang="en-US" sz="1100" i="1" dirty="0">
+                <a:latin typeface="Times New Roman" panose="02020603050405020304" pitchFamily="18" charset="0"/>
+                <a:ea typeface="+mn-lt"/>
+                <a:cs typeface="Times New Roman" panose="02020603050405020304" pitchFamily="18" charset="0"/>
+              </a:rPr>
+              <a:t>Philosophical transactions. Series A, Mathematical, physical, and engineering sciences</a:t>
+            </a:r>
+            <a:r>
+              <a:rPr lang="en-US" sz="1100" dirty="0">
+                <a:latin typeface="Times New Roman" panose="02020603050405020304" pitchFamily="18" charset="0"/>
+                <a:ea typeface="+mn-lt"/>
+                <a:cs typeface="Times New Roman" panose="02020603050405020304" pitchFamily="18" charset="0"/>
+              </a:rPr>
+              <a:t>, </a:t>
+            </a:r>
+            <a:r>
+              <a:rPr lang="en-US" sz="1100" i="1" dirty="0">
+                <a:latin typeface="Times New Roman" panose="02020603050405020304" pitchFamily="18" charset="0"/>
+                <a:ea typeface="+mn-lt"/>
+                <a:cs typeface="Times New Roman" panose="02020603050405020304" pitchFamily="18" charset="0"/>
+              </a:rPr>
+              <a:t>369</a:t>
+            </a:r>
+            <a:r>
+              <a:rPr lang="en-US" sz="1100" dirty="0">
+                <a:latin typeface="Times New Roman" panose="02020603050405020304" pitchFamily="18" charset="0"/>
+                <a:ea typeface="+mn-lt"/>
+                <a:cs typeface="Times New Roman" panose="02020603050405020304" pitchFamily="18" charset="0"/>
+              </a:rPr>
+              <a:t>(1952), 3768–3784. https://doi.org/10.1098/rsta.2011.0081</a:t>
+            </a:r>
+          </a:p>
+          <a:p>
+            <a:endParaRPr lang="en-US" sz="1100" dirty="0">
+              <a:latin typeface="Times New Roman" panose="02020603050405020304" pitchFamily="18" charset="0"/>
+              <a:ea typeface="+mn-lt"/>
+              <a:cs typeface="Times New Roman" panose="02020603050405020304" pitchFamily="18" charset="0"/>
+            </a:endParaRPr>
+          </a:p>
+          <a:p>
+            <a:pPr algn="l"/>
+            <a:r>
+              <a:rPr lang="en-US" sz="1100" b="0" i="0" dirty="0" err="1">
+                <a:effectLst/>
+                <a:latin typeface="Times New Roman" panose="02020603050405020304" pitchFamily="18" charset="0"/>
+                <a:cs typeface="Times New Roman" panose="02020603050405020304" pitchFamily="18" charset="0"/>
+              </a:rPr>
+              <a:t>Pizzagalli</a:t>
+            </a:r>
+            <a:r>
+              <a:rPr lang="en-US" sz="1100" b="0" i="0" dirty="0">
+                <a:effectLst/>
+                <a:latin typeface="Times New Roman" panose="02020603050405020304" pitchFamily="18" charset="0"/>
+                <a:cs typeface="Times New Roman" panose="02020603050405020304" pitchFamily="18" charset="0"/>
+              </a:rPr>
+              <a:t> D. A. (2011). </a:t>
+            </a:r>
+            <a:r>
+              <a:rPr lang="en-US" sz="1100" b="0" i="0" dirty="0" err="1">
+                <a:effectLst/>
+                <a:latin typeface="Times New Roman" panose="02020603050405020304" pitchFamily="18" charset="0"/>
+                <a:cs typeface="Times New Roman" panose="02020603050405020304" pitchFamily="18" charset="0"/>
+              </a:rPr>
+              <a:t>Frontocingulate</a:t>
+            </a:r>
+            <a:r>
+              <a:rPr lang="en-US" sz="1100" b="0" i="0" dirty="0">
+                <a:effectLst/>
+                <a:latin typeface="Times New Roman" panose="02020603050405020304" pitchFamily="18" charset="0"/>
+                <a:cs typeface="Times New Roman" panose="02020603050405020304" pitchFamily="18" charset="0"/>
+              </a:rPr>
+              <a:t> dysfunction in depression: toward biomarkers of treatment response. </a:t>
+            </a:r>
+            <a:r>
+              <a:rPr lang="en-US" sz="1100" b="0" i="1" dirty="0">
+                <a:effectLst/>
+                <a:latin typeface="Times New Roman" panose="02020603050405020304" pitchFamily="18" charset="0"/>
+                <a:cs typeface="Times New Roman" panose="02020603050405020304" pitchFamily="18" charset="0"/>
+              </a:rPr>
+              <a:t>Neuropsychopharmacology : official publication of the American College of Neuropsychopharmacology</a:t>
+            </a:r>
+            <a:r>
+              <a:rPr lang="en-US" sz="1100" b="0" i="0" dirty="0">
+                <a:effectLst/>
+                <a:latin typeface="Times New Roman" panose="02020603050405020304" pitchFamily="18" charset="0"/>
+                <a:cs typeface="Times New Roman" panose="02020603050405020304" pitchFamily="18" charset="0"/>
+              </a:rPr>
+              <a:t>, </a:t>
+            </a:r>
+            <a:r>
+              <a:rPr lang="en-US" sz="1100" b="0" i="1" dirty="0">
+                <a:effectLst/>
+                <a:latin typeface="Times New Roman" panose="02020603050405020304" pitchFamily="18" charset="0"/>
+                <a:cs typeface="Times New Roman" panose="02020603050405020304" pitchFamily="18" charset="0"/>
+              </a:rPr>
+              <a:t>36</a:t>
+            </a:r>
+            <a:r>
+              <a:rPr lang="en-US" sz="1100" b="0" i="0" dirty="0">
+                <a:effectLst/>
+                <a:latin typeface="Times New Roman" panose="02020603050405020304" pitchFamily="18" charset="0"/>
+                <a:cs typeface="Times New Roman" panose="02020603050405020304" pitchFamily="18" charset="0"/>
+              </a:rPr>
+              <a:t>(1), 183–206. https://</a:t>
+            </a:r>
+            <a:r>
+              <a:rPr lang="en-US" sz="1100" b="0" i="0" dirty="0" err="1">
+                <a:effectLst/>
+                <a:latin typeface="Times New Roman" panose="02020603050405020304" pitchFamily="18" charset="0"/>
+                <a:cs typeface="Times New Roman" panose="02020603050405020304" pitchFamily="18" charset="0"/>
+              </a:rPr>
+              <a:t>doi.org</a:t>
+            </a:r>
+            <a:r>
+              <a:rPr lang="en-US" sz="1100" b="0" i="0" dirty="0">
+                <a:effectLst/>
+                <a:latin typeface="Times New Roman" panose="02020603050405020304" pitchFamily="18" charset="0"/>
+                <a:cs typeface="Times New Roman" panose="02020603050405020304" pitchFamily="18" charset="0"/>
+              </a:rPr>
+              <a:t>/10.1038/npp.2010.166</a:t>
+            </a:r>
+          </a:p>
+          <a:p>
+            <a:pPr algn="l"/>
+            <a:endParaRPr lang="en-US" sz="1100" dirty="0">
+              <a:latin typeface="Times New Roman" panose="02020603050405020304" pitchFamily="18" charset="0"/>
+              <a:cs typeface="Times New Roman" panose="02020603050405020304" pitchFamily="18" charset="0"/>
+            </a:endParaRPr>
+          </a:p>
+          <a:p>
+            <a:r>
+              <a:rPr lang="en-US" sz="1100" dirty="0">
+                <a:latin typeface="Times New Roman" panose="02020603050405020304" pitchFamily="18" charset="0"/>
+                <a:ea typeface="+mn-lt"/>
+                <a:cs typeface="Times New Roman" panose="02020603050405020304" pitchFamily="18" charset="0"/>
+              </a:rPr>
+              <a:t>Walter, W. G., &amp; Dovey, V. J. (1944). ELECTRO-ENCEPHALOGRAPHY IN CASES OF SUB-CORTICAL TUMOUR. </a:t>
+            </a:r>
+            <a:r>
+              <a:rPr lang="en-US" sz="1100" i="1" dirty="0">
+                <a:latin typeface="Times New Roman" panose="02020603050405020304" pitchFamily="18" charset="0"/>
+                <a:ea typeface="+mn-lt"/>
+                <a:cs typeface="Times New Roman" panose="02020603050405020304" pitchFamily="18" charset="0"/>
+              </a:rPr>
+              <a:t>Journal of neurology, neurosurgery, and psychiatry</a:t>
+            </a:r>
+            <a:r>
+              <a:rPr lang="en-US" sz="1100" dirty="0">
+                <a:latin typeface="Times New Roman" panose="02020603050405020304" pitchFamily="18" charset="0"/>
+                <a:ea typeface="+mn-lt"/>
+                <a:cs typeface="Times New Roman" panose="02020603050405020304" pitchFamily="18" charset="0"/>
+              </a:rPr>
+              <a:t>, </a:t>
+            </a:r>
+            <a:r>
+              <a:rPr lang="en-US" sz="1100" i="1" dirty="0">
+                <a:latin typeface="Times New Roman" panose="02020603050405020304" pitchFamily="18" charset="0"/>
+                <a:ea typeface="+mn-lt"/>
+                <a:cs typeface="Times New Roman" panose="02020603050405020304" pitchFamily="18" charset="0"/>
+              </a:rPr>
+              <a:t>7</a:t>
+            </a:r>
+            <a:r>
+              <a:rPr lang="en-US" sz="1100" dirty="0">
+                <a:latin typeface="Times New Roman" panose="02020603050405020304" pitchFamily="18" charset="0"/>
+                <a:ea typeface="+mn-lt"/>
+                <a:cs typeface="Times New Roman" panose="02020603050405020304" pitchFamily="18" charset="0"/>
+              </a:rPr>
+              <a:t>(3-4), 57–65. https://doi.org/10.1136/jnnp.7.3-4.57</a:t>
+            </a:r>
+          </a:p>
+          <a:p>
+            <a:endParaRPr lang="en-US" sz="1100" dirty="0">
+              <a:latin typeface="Times New Roman" panose="02020603050405020304" pitchFamily="18" charset="0"/>
+              <a:ea typeface="+mn-lt"/>
+              <a:cs typeface="Times New Roman" panose="02020603050405020304" pitchFamily="18" charset="0"/>
+            </a:endParaRPr>
+          </a:p>
+          <a:p>
+            <a:r>
+              <a:rPr lang="en-US" sz="1100" b="0" i="0" dirty="0">
+                <a:effectLst/>
+                <a:latin typeface="Times New Roman" panose="02020603050405020304" pitchFamily="18" charset="0"/>
+                <a:cs typeface="Times New Roman" panose="02020603050405020304" pitchFamily="18" charset="0"/>
+              </a:rPr>
+              <a:t>Williams, L. M., Rush, A. J., </a:t>
+            </a:r>
+            <a:r>
+              <a:rPr lang="en-US" sz="1100" b="0" i="0" dirty="0" err="1">
+                <a:effectLst/>
+                <a:latin typeface="Times New Roman" panose="02020603050405020304" pitchFamily="18" charset="0"/>
+                <a:cs typeface="Times New Roman" panose="02020603050405020304" pitchFamily="18" charset="0"/>
+              </a:rPr>
+              <a:t>Koslow</a:t>
+            </a:r>
+            <a:r>
+              <a:rPr lang="en-US" sz="1100" b="0" i="0" dirty="0">
+                <a:effectLst/>
+                <a:latin typeface="Times New Roman" panose="02020603050405020304" pitchFamily="18" charset="0"/>
+                <a:cs typeface="Times New Roman" panose="02020603050405020304" pitchFamily="18" charset="0"/>
+              </a:rPr>
+              <a:t>, S. H., Wisniewski, S. R., Cooper, N. J., </a:t>
+            </a:r>
+            <a:r>
+              <a:rPr lang="en-US" sz="1100" b="0" i="0" dirty="0" err="1">
+                <a:effectLst/>
+                <a:latin typeface="Times New Roman" panose="02020603050405020304" pitchFamily="18" charset="0"/>
+                <a:cs typeface="Times New Roman" panose="02020603050405020304" pitchFamily="18" charset="0"/>
+              </a:rPr>
+              <a:t>Nemeroff</a:t>
+            </a:r>
+            <a:r>
+              <a:rPr lang="en-US" sz="1100" b="0" i="0" dirty="0">
+                <a:effectLst/>
+                <a:latin typeface="Times New Roman" panose="02020603050405020304" pitchFamily="18" charset="0"/>
+                <a:cs typeface="Times New Roman" panose="02020603050405020304" pitchFamily="18" charset="0"/>
+              </a:rPr>
+              <a:t>, C. B., </a:t>
+            </a:r>
+            <a:r>
+              <a:rPr lang="en-US" sz="1100" b="0" i="0" dirty="0" err="1">
+                <a:effectLst/>
+                <a:latin typeface="Times New Roman" panose="02020603050405020304" pitchFamily="18" charset="0"/>
+                <a:cs typeface="Times New Roman" panose="02020603050405020304" pitchFamily="18" charset="0"/>
+              </a:rPr>
+              <a:t>Schatzberg</a:t>
+            </a:r>
+            <a:r>
+              <a:rPr lang="en-US" sz="1100" b="0" i="0" dirty="0">
+                <a:effectLst/>
+                <a:latin typeface="Times New Roman" panose="02020603050405020304" pitchFamily="18" charset="0"/>
+                <a:cs typeface="Times New Roman" panose="02020603050405020304" pitchFamily="18" charset="0"/>
+              </a:rPr>
+              <a:t>, A. F., &amp; Gordon, E. (2011). International Study to Predict Optimized Treatment for Depression (</a:t>
+            </a:r>
+            <a:r>
+              <a:rPr lang="en-US" sz="1100" b="0" i="0" dirty="0" err="1">
+                <a:effectLst/>
+                <a:latin typeface="Times New Roman" panose="02020603050405020304" pitchFamily="18" charset="0"/>
+                <a:cs typeface="Times New Roman" panose="02020603050405020304" pitchFamily="18" charset="0"/>
+              </a:rPr>
+              <a:t>iSPOT</a:t>
+            </a:r>
+            <a:r>
+              <a:rPr lang="en-US" sz="1100" b="0" i="0" dirty="0">
+                <a:effectLst/>
+                <a:latin typeface="Times New Roman" panose="02020603050405020304" pitchFamily="18" charset="0"/>
+                <a:cs typeface="Times New Roman" panose="02020603050405020304" pitchFamily="18" charset="0"/>
+              </a:rPr>
+              <a:t>-D), a randomized clinical trial: rationale and protocol. </a:t>
+            </a:r>
+            <a:r>
+              <a:rPr lang="en-US" sz="1100" b="0" i="1" dirty="0">
+                <a:effectLst/>
+                <a:latin typeface="Times New Roman" panose="02020603050405020304" pitchFamily="18" charset="0"/>
+                <a:cs typeface="Times New Roman" panose="02020603050405020304" pitchFamily="18" charset="0"/>
+              </a:rPr>
+              <a:t>Trials</a:t>
+            </a:r>
+            <a:r>
+              <a:rPr lang="en-US" sz="1100" b="0" i="0" dirty="0">
+                <a:effectLst/>
+                <a:latin typeface="Times New Roman" panose="02020603050405020304" pitchFamily="18" charset="0"/>
+                <a:cs typeface="Times New Roman" panose="02020603050405020304" pitchFamily="18" charset="0"/>
+              </a:rPr>
+              <a:t>, </a:t>
+            </a:r>
+            <a:r>
+              <a:rPr lang="en-US" sz="1100" b="0" i="1" dirty="0">
+                <a:effectLst/>
+                <a:latin typeface="Times New Roman" panose="02020603050405020304" pitchFamily="18" charset="0"/>
+                <a:cs typeface="Times New Roman" panose="02020603050405020304" pitchFamily="18" charset="0"/>
+              </a:rPr>
+              <a:t>12</a:t>
+            </a:r>
+            <a:r>
+              <a:rPr lang="en-US" sz="1100" b="0" i="0" dirty="0">
+                <a:effectLst/>
+                <a:latin typeface="Times New Roman" panose="02020603050405020304" pitchFamily="18" charset="0"/>
+                <a:cs typeface="Times New Roman" panose="02020603050405020304" pitchFamily="18" charset="0"/>
+              </a:rPr>
+              <a:t>, 4. https://doi.org/10.1186/1745-6215-12-4</a:t>
+            </a:r>
+          </a:p>
+          <a:p>
+            <a:endParaRPr lang="en-US" sz="1100" dirty="0">
+              <a:latin typeface="Times New Roman" panose="02020603050405020304" pitchFamily="18" charset="0"/>
+              <a:cs typeface="Times New Roman" panose="02020603050405020304" pitchFamily="18" charset="0"/>
+            </a:endParaRPr>
+          </a:p>
+          <a:p>
+            <a:r>
+              <a:rPr lang="en-US" sz="1100" b="0" i="0" dirty="0">
+                <a:effectLst/>
+                <a:latin typeface="Times New Roman" panose="02020603050405020304" pitchFamily="18" charset="0"/>
+                <a:cs typeface="Times New Roman" panose="02020603050405020304" pitchFamily="18" charset="0"/>
+              </a:rPr>
+              <a:t>World Health Organization. Institute of Health Metrics and Evaluation. Global Health Data Exchange (</a:t>
+            </a:r>
+            <a:r>
+              <a:rPr lang="en-US" sz="1100" b="0" i="0" dirty="0" err="1">
+                <a:effectLst/>
+                <a:latin typeface="Times New Roman" panose="02020603050405020304" pitchFamily="18" charset="0"/>
+                <a:cs typeface="Times New Roman" panose="02020603050405020304" pitchFamily="18" charset="0"/>
+              </a:rPr>
+              <a:t>GHDx</a:t>
+            </a:r>
+            <a:r>
+              <a:rPr lang="en-US" sz="1100" b="0" i="0" dirty="0">
+                <a:effectLst/>
+                <a:latin typeface="Times New Roman" panose="02020603050405020304" pitchFamily="18" charset="0"/>
+                <a:cs typeface="Times New Roman" panose="02020603050405020304" pitchFamily="18" charset="0"/>
+              </a:rPr>
+              <a:t>).  </a:t>
+            </a:r>
+            <a:r>
+              <a:rPr lang="en-US" sz="1100" b="0" i="0" u="none" strike="noStrike" dirty="0">
+                <a:effectLst/>
+                <a:latin typeface="Times New Roman" panose="02020603050405020304" pitchFamily="18" charset="0"/>
+                <a:cs typeface="Times New Roman" panose="02020603050405020304" pitchFamily="18" charset="0"/>
+              </a:rPr>
+              <a:t>http://ghdx.healthdata.org/gbd-results-tool?params=gbd-api-2019-permalink/d780dffbe8a381b25e1416884959e88b</a:t>
+            </a:r>
+            <a:r>
+              <a:rPr lang="en-US" sz="1100" b="0" i="0" dirty="0">
+                <a:effectLst/>
+                <a:latin typeface="Times New Roman" panose="02020603050405020304" pitchFamily="18" charset="0"/>
+                <a:cs typeface="Times New Roman" panose="02020603050405020304" pitchFamily="18" charset="0"/>
+              </a:rPr>
+              <a:t> (Accessed 1 May 2021).</a:t>
+            </a:r>
           </a:p>
           <a:p>
             <a:endParaRPr lang="en-US" sz="1200" b="0" i="0" dirty="0">
               <a:effectLst/>
             </a:endParaRPr>
-          </a:p>
-          <a:p>
-            <a:r>
-              <a:rPr lang="en-US" sz="1200" b="0" i="0" dirty="0" err="1">
-                <a:effectLst/>
-              </a:rPr>
-              <a:t>Jaworska</a:t>
-            </a:r>
-            <a:r>
-              <a:rPr lang="en-US" sz="1200" b="0" i="0" dirty="0">
-                <a:effectLst/>
-              </a:rPr>
-              <a:t>, N., </a:t>
-            </a:r>
-            <a:r>
-              <a:rPr lang="en-US" sz="1200" b="0" i="0" dirty="0" err="1">
-                <a:effectLst/>
-              </a:rPr>
-              <a:t>Blier</a:t>
-            </a:r>
-            <a:r>
-              <a:rPr lang="en-US" sz="1200" b="0" i="0" dirty="0">
-                <a:effectLst/>
-              </a:rPr>
-              <a:t>, P., </a:t>
-            </a:r>
-            <a:r>
-              <a:rPr lang="en-US" sz="1200" b="0" i="0" dirty="0" err="1">
-                <a:effectLst/>
-              </a:rPr>
-              <a:t>Fusee</a:t>
-            </a:r>
-            <a:r>
-              <a:rPr lang="en-US" sz="1200" b="0" i="0" dirty="0">
-                <a:effectLst/>
-              </a:rPr>
-              <a:t>, W., &amp; Knott, V. (2012). </a:t>
-            </a:r>
-            <a:r>
-              <a:rPr lang="el-GR" sz="1200" b="0" i="0" dirty="0">
-                <a:effectLst/>
-              </a:rPr>
-              <a:t>α </a:t>
-            </a:r>
-            <a:r>
-              <a:rPr lang="en-US" sz="1200" b="0" i="0" dirty="0">
-                <a:effectLst/>
-              </a:rPr>
-              <a:t>Power, </a:t>
-            </a:r>
-            <a:r>
-              <a:rPr lang="el-GR" sz="1200" b="0" i="0" dirty="0">
-                <a:effectLst/>
-              </a:rPr>
-              <a:t>α </a:t>
-            </a:r>
-            <a:r>
-              <a:rPr lang="en-US" sz="1200" b="0" i="0" dirty="0">
-                <a:effectLst/>
-              </a:rPr>
-              <a:t>asymmetry and anterior cingulate cortex activity in depressed males and females. </a:t>
-            </a:r>
-            <a:r>
-              <a:rPr lang="en-US" sz="1200" b="0" i="1" dirty="0">
-                <a:effectLst/>
-              </a:rPr>
-              <a:t>Journal of    psychiatric research</a:t>
-            </a:r>
-            <a:r>
-              <a:rPr lang="en-US" sz="1200" b="0" i="0" dirty="0">
-                <a:effectLst/>
-              </a:rPr>
-              <a:t>, </a:t>
-            </a:r>
-            <a:r>
-              <a:rPr lang="en-US" sz="1200" b="0" i="1" dirty="0">
-                <a:effectLst/>
-              </a:rPr>
-              <a:t>46</a:t>
-            </a:r>
-            <a:r>
-              <a:rPr lang="en-US" sz="1200" b="0" i="0" dirty="0">
-                <a:effectLst/>
-              </a:rPr>
-              <a:t>(11), 1483–1491. https://doi.org/10.1016/j.jpsychires.2012.08.003</a:t>
-            </a:r>
-          </a:p>
-          <a:p>
-            <a:endParaRPr lang="en-US" sz="1200" dirty="0">
-              <a:ea typeface="+mn-lt"/>
-              <a:cs typeface="+mn-lt"/>
-            </a:endParaRPr>
-          </a:p>
-          <a:p>
-            <a:r>
-              <a:rPr lang="en-US" sz="1200" b="0" i="0" dirty="0" err="1">
-                <a:effectLst/>
-              </a:rPr>
-              <a:t>Korb</a:t>
-            </a:r>
-            <a:r>
-              <a:rPr lang="en-US" sz="1200" b="0" i="0" dirty="0">
-                <a:effectLst/>
-              </a:rPr>
-              <a:t>, A. S., Cook, I. A., Hunter, A. M., &amp; </a:t>
-            </a:r>
-            <a:r>
-              <a:rPr lang="en-US" sz="1200" b="0" i="0" dirty="0" err="1">
-                <a:effectLst/>
-              </a:rPr>
-              <a:t>Leuchter</a:t>
-            </a:r>
-            <a:r>
-              <a:rPr lang="en-US" sz="1200" b="0" i="0" dirty="0">
-                <a:effectLst/>
-              </a:rPr>
-              <a:t>, A. F. (2008). Brain electrical source differences between depressed subjects and healthy controls. </a:t>
-            </a:r>
-            <a:r>
-              <a:rPr lang="en-US" sz="1200" b="0" i="1" dirty="0">
-                <a:effectLst/>
-              </a:rPr>
-              <a:t>Brain topography</a:t>
-            </a:r>
-            <a:r>
-              <a:rPr lang="en-US" sz="1200" b="0" i="0" dirty="0">
-                <a:effectLst/>
-              </a:rPr>
-              <a:t>, </a:t>
-            </a:r>
-            <a:r>
-              <a:rPr lang="en-US" sz="1200" b="0" i="1" dirty="0">
-                <a:effectLst/>
-              </a:rPr>
-              <a:t>21</a:t>
-            </a:r>
-            <a:r>
-              <a:rPr lang="en-US" sz="1200" b="0" i="0" dirty="0">
-                <a:effectLst/>
-              </a:rPr>
-              <a:t>(2), 138–146. https://</a:t>
-            </a:r>
-            <a:r>
-              <a:rPr lang="en-US" sz="1200" b="0" i="0" dirty="0" err="1">
-                <a:effectLst/>
-              </a:rPr>
-              <a:t>doi.org</a:t>
-            </a:r>
-            <a:r>
-              <a:rPr lang="en-US" sz="1200" b="0" i="0" dirty="0">
-                <a:effectLst/>
-              </a:rPr>
-              <a:t>/10.1007/s10548-008-0070-5</a:t>
-            </a:r>
-            <a:endParaRPr lang="en-US" sz="1200" dirty="0">
-              <a:ea typeface="+mn-lt"/>
-              <a:cs typeface="+mn-lt"/>
-            </a:endParaRPr>
-          </a:p>
-          <a:p>
-            <a:endParaRPr lang="en-US" sz="1200" dirty="0">
-              <a:ea typeface="+mn-lt"/>
-              <a:cs typeface="+mn-lt"/>
-            </a:endParaRPr>
-          </a:p>
-          <a:p>
-            <a:r>
-              <a:rPr lang="en-US" sz="1200" dirty="0">
-                <a:ea typeface="+mn-lt"/>
-                <a:cs typeface="+mn-lt"/>
-              </a:rPr>
-              <a:t>Pascual-</a:t>
-            </a:r>
-            <a:r>
-              <a:rPr lang="en-US" sz="1200" dirty="0" err="1">
-                <a:ea typeface="+mn-lt"/>
-                <a:cs typeface="+mn-lt"/>
-              </a:rPr>
-              <a:t>Marqui</a:t>
-            </a:r>
-            <a:r>
-              <a:rPr lang="en-US" sz="1200" dirty="0">
-                <a:ea typeface="+mn-lt"/>
-                <a:cs typeface="+mn-lt"/>
-              </a:rPr>
-              <a:t>, R. D., Lehmann, D., </a:t>
-            </a:r>
-            <a:r>
-              <a:rPr lang="en-US" sz="1200" dirty="0" err="1">
-                <a:ea typeface="+mn-lt"/>
-                <a:cs typeface="+mn-lt"/>
-              </a:rPr>
-              <a:t>Koukkou</a:t>
-            </a:r>
-            <a:r>
-              <a:rPr lang="en-US" sz="1200" dirty="0">
-                <a:ea typeface="+mn-lt"/>
-                <a:cs typeface="+mn-lt"/>
-              </a:rPr>
-              <a:t>, M., Kochi, K., Anderer, P., </a:t>
-            </a:r>
-            <a:r>
-              <a:rPr lang="en-US" sz="1200" dirty="0" err="1">
-                <a:ea typeface="+mn-lt"/>
-                <a:cs typeface="+mn-lt"/>
-              </a:rPr>
-              <a:t>Saletu</a:t>
-            </a:r>
-            <a:r>
-              <a:rPr lang="en-US" sz="1200" dirty="0">
-                <a:ea typeface="+mn-lt"/>
-                <a:cs typeface="+mn-lt"/>
-              </a:rPr>
-              <a:t>, B., Tanaka, H., Hirata, K., John, E. R., </a:t>
-            </a:r>
-            <a:r>
-              <a:rPr lang="en-US" sz="1200" dirty="0" err="1">
-                <a:ea typeface="+mn-lt"/>
-                <a:cs typeface="+mn-lt"/>
-              </a:rPr>
-              <a:t>Prichep</a:t>
-            </a:r>
-            <a:r>
-              <a:rPr lang="en-US" sz="1200" dirty="0">
-                <a:ea typeface="+mn-lt"/>
-                <a:cs typeface="+mn-lt"/>
-              </a:rPr>
-              <a:t>, L., Biscay-Lirio, R., &amp; Kinoshita, T. (2011). Assessing interactions in the brain with exact low-resolution electromagnetic tomography. </a:t>
-            </a:r>
-            <a:r>
-              <a:rPr lang="en-US" sz="1200" i="1" dirty="0">
-                <a:ea typeface="+mn-lt"/>
-                <a:cs typeface="+mn-lt"/>
-              </a:rPr>
-              <a:t>Philosophical transactions. Series A, Mathematical, physical, and engineering sciences</a:t>
-            </a:r>
-            <a:r>
-              <a:rPr lang="en-US" sz="1200" dirty="0">
-                <a:ea typeface="+mn-lt"/>
-                <a:cs typeface="+mn-lt"/>
-              </a:rPr>
-              <a:t>, </a:t>
-            </a:r>
-            <a:r>
-              <a:rPr lang="en-US" sz="1200" i="1" dirty="0">
-                <a:ea typeface="+mn-lt"/>
-                <a:cs typeface="+mn-lt"/>
-              </a:rPr>
-              <a:t>369</a:t>
-            </a:r>
-            <a:r>
-              <a:rPr lang="en-US" sz="1200" dirty="0">
-                <a:ea typeface="+mn-lt"/>
-                <a:cs typeface="+mn-lt"/>
-              </a:rPr>
-              <a:t>(1952), 3768–3784. https://doi.org/10.1098/rsta.2011.0081</a:t>
-            </a:r>
-            <a:endParaRPr lang="en-US" sz="1200" dirty="0"/>
-          </a:p>
-          <a:p>
-            <a:endParaRPr lang="en-US" sz="1200" dirty="0"/>
-          </a:p>
-          <a:p>
-            <a:r>
-              <a:rPr lang="en-US" sz="1200" dirty="0">
-                <a:ea typeface="+mn-lt"/>
-                <a:cs typeface="+mn-lt"/>
-              </a:rPr>
-              <a:t>Walter, W. G., &amp; Dovey, V. J. (1944). ELECTRO-ENCEPHALOGRAPHY IN CASES OF SUB-CORTICAL TUMOUR. </a:t>
-            </a:r>
-            <a:r>
-              <a:rPr lang="en-US" sz="1200" i="1" dirty="0">
-                <a:ea typeface="+mn-lt"/>
-                <a:cs typeface="+mn-lt"/>
-              </a:rPr>
-              <a:t>Journal of neurology, neurosurgery, and psychiatry</a:t>
-            </a:r>
-            <a:r>
-              <a:rPr lang="en-US" sz="1200" dirty="0">
-                <a:ea typeface="+mn-lt"/>
-                <a:cs typeface="+mn-lt"/>
-              </a:rPr>
-              <a:t>, </a:t>
-            </a:r>
-            <a:r>
-              <a:rPr lang="en-US" sz="1200" i="1" dirty="0">
-                <a:ea typeface="+mn-lt"/>
-                <a:cs typeface="+mn-lt"/>
-              </a:rPr>
-              <a:t>7</a:t>
-            </a:r>
-            <a:r>
-              <a:rPr lang="en-US" sz="1200" dirty="0">
-                <a:ea typeface="+mn-lt"/>
-                <a:cs typeface="+mn-lt"/>
-              </a:rPr>
-              <a:t>(3-4), 57–65. https://doi.org/10.1136/jnnp.7.3-4.57</a:t>
-            </a:r>
-          </a:p>
-          <a:p>
-            <a:endParaRPr lang="en-US" sz="1200" dirty="0">
-              <a:ea typeface="+mn-lt"/>
-              <a:cs typeface="+mn-lt"/>
-            </a:endParaRPr>
-          </a:p>
-          <a:p>
-            <a:r>
-              <a:rPr lang="en-US" sz="1200" b="0" i="0" dirty="0">
-                <a:effectLst/>
-              </a:rPr>
-              <a:t>Williams, L. M., Rush, A. J., </a:t>
-            </a:r>
-            <a:r>
-              <a:rPr lang="en-US" sz="1200" b="0" i="0" dirty="0" err="1">
-                <a:effectLst/>
-              </a:rPr>
-              <a:t>Koslow</a:t>
-            </a:r>
-            <a:r>
-              <a:rPr lang="en-US" sz="1200" b="0" i="0" dirty="0">
-                <a:effectLst/>
-              </a:rPr>
-              <a:t>, S. H., Wisniewski, S. R., Cooper, N. J., </a:t>
-            </a:r>
-            <a:r>
-              <a:rPr lang="en-US" sz="1200" b="0" i="0" dirty="0" err="1">
-                <a:effectLst/>
-              </a:rPr>
-              <a:t>Nemeroff</a:t>
-            </a:r>
-            <a:r>
-              <a:rPr lang="en-US" sz="1200" b="0" i="0" dirty="0">
-                <a:effectLst/>
-              </a:rPr>
-              <a:t>, C. B., </a:t>
-            </a:r>
-            <a:r>
-              <a:rPr lang="en-US" sz="1200" b="0" i="0" dirty="0" err="1">
-                <a:effectLst/>
-              </a:rPr>
-              <a:t>Schatzberg</a:t>
-            </a:r>
-            <a:r>
-              <a:rPr lang="en-US" sz="1200" b="0" i="0" dirty="0">
-                <a:effectLst/>
-              </a:rPr>
-              <a:t>, A. F., &amp; Gordon, E. (2011). International Study to Predict Optimized Treatment for Depression (</a:t>
-            </a:r>
-            <a:r>
-              <a:rPr lang="en-US" sz="1200" b="0" i="0" dirty="0" err="1">
-                <a:effectLst/>
-              </a:rPr>
-              <a:t>iSPOT</a:t>
-            </a:r>
-            <a:r>
-              <a:rPr lang="en-US" sz="1200" b="0" i="0" dirty="0">
-                <a:effectLst/>
-              </a:rPr>
-              <a:t>-D), a randomized clinical trial: rationale and protocol. </a:t>
-            </a:r>
-            <a:r>
-              <a:rPr lang="en-US" sz="1200" b="0" i="1" dirty="0">
-                <a:effectLst/>
-              </a:rPr>
-              <a:t>Trials</a:t>
-            </a:r>
-            <a:r>
-              <a:rPr lang="en-US" sz="1200" b="0" i="0" dirty="0">
-                <a:effectLst/>
-              </a:rPr>
-              <a:t>, </a:t>
-            </a:r>
-            <a:r>
-              <a:rPr lang="en-US" sz="1200" b="0" i="1" dirty="0">
-                <a:effectLst/>
-              </a:rPr>
-              <a:t>12</a:t>
-            </a:r>
-            <a:r>
-              <a:rPr lang="en-US" sz="1200" b="0" i="0" dirty="0">
-                <a:effectLst/>
-              </a:rPr>
-              <a:t>, 4. https://doi.org/10.1186/1745-6215-12-4</a:t>
-            </a:r>
           </a:p>
           <a:p>
             <a:endParaRPr lang="en-US" sz="1200" dirty="0"/>
@@ -8690,7 +11177,7 @@
         </p:nvSpPr>
         <p:spPr>
           <a:xfrm>
-            <a:off x="5216769" y="208410"/>
+            <a:off x="5216769" y="0"/>
             <a:ext cx="1758462" cy="523220"/>
           </a:xfrm>
           <a:prstGeom prst="rect">
@@ -8730,6 +11217,14 @@
   <p:clrMapOvr>
     <a:masterClrMapping/>
   </p:clrMapOvr>
+  <mc:AlternateContent xmlns:mc="http://schemas.openxmlformats.org/markup-compatibility/2006" xmlns:p14="http://schemas.microsoft.com/office/powerpoint/2010/main">
+    <mc:Choice Requires="p14">
+      <p:transition spd="slow" p14:dur="2000" advTm="10364"/>
+    </mc:Choice>
+    <mc:Fallback xmlns="">
+      <p:transition spd="slow" advTm="10364"/>
+    </mc:Fallback>
+  </mc:AlternateContent>
 </p:sld>
 </file>
 
